--- a/com.yrtech.bentleyAPI/com.yrtech.InventoryAPI/template/2022 Dealer Coop fund event plan template-handover ceremony.pptx
+++ b/com.yrtech.bentleyAPI/com.yrtech.InventoryAPI/template/2022 Dealer Coop fund event plan template-handover ceremony.pptx
@@ -6,7 +6,7 @@
     <p:sldMasterId id="2147483672" r:id="rId2"/>
   </p:sldMasterIdLst>
   <p:notesMasterIdLst>
-    <p:notesMasterId r:id="rId12"/>
+    <p:notesMasterId r:id="rId11"/>
   </p:notesMasterIdLst>
   <p:sldIdLst>
     <p:sldId id="300" r:id="rId3"/>
@@ -14,15 +14,14 @@
     <p:sldId id="299" r:id="rId5"/>
     <p:sldId id="294" r:id="rId6"/>
     <p:sldId id="290" r:id="rId7"/>
-    <p:sldId id="291" r:id="rId8"/>
-    <p:sldId id="292" r:id="rId9"/>
-    <p:sldId id="293" r:id="rId10"/>
-    <p:sldId id="297" r:id="rId11"/>
+    <p:sldId id="292" r:id="rId8"/>
+    <p:sldId id="293" r:id="rId9"/>
+    <p:sldId id="297" r:id="rId10"/>
   </p:sldIdLst>
   <p:sldSz cx="12192000" cy="6858000"/>
   <p:notesSz cx="6858000" cy="9144000"/>
   <p:custDataLst>
-    <p:tags r:id="rId13"/>
+    <p:tags r:id="rId12"/>
   </p:custDataLst>
   <p:defaultTextStyle>
     <a:defPPr>
@@ -121,7 +120,7 @@
   </p:defaultTextStyle>
   <p:extLst>
     <p:ext uri="{EFAFB233-063F-42B5-8137-9DF3F51BA10A}">
-      <p15:sldGuideLst xmlns:p15="http://schemas.microsoft.com/office/powerpoint/2012/main">
+      <p15:sldGuideLst xmlns:p15="http://schemas.microsoft.com/office/powerpoint/2012/main" xmlns="">
         <p15:guide id="1" pos="7310" userDrawn="1">
           <p15:clr>
             <a:srgbClr val="A4A3A4"/>
@@ -220,7 +219,7 @@
           <a:p>
             <a:fld id="{69A4D669-94F9-4D70-8C76-4C2D35D4E5D0}" type="datetimeFigureOut">
               <a:rPr lang="en-US" smtClean="0"/>
-              <a:t>3/23/2022</a:t>
+              <a:t>4/1/2022</a:t>
             </a:fld>
             <a:endParaRPr lang="en-US" dirty="0"/>
           </a:p>
@@ -847,7 +846,7 @@
               <a:pPr>
                 <a:defRPr/>
               </a:pPr>
-              <a:t>7</a:t>
+              <a:t>6</a:t>
             </a:fld>
             <a:endParaRPr lang="en-GB" dirty="0"/>
           </a:p>
@@ -978,7 +977,7 @@
                 <a:tabLst/>
                 <a:defRPr/>
               </a:pPr>
-              <a:t>8</a:t>
+              <a:t>7</a:t>
             </a:fld>
             <a:endParaRPr kumimoji="0" lang="en-GB" sz="1200" b="0" i="0" u="none" strike="noStrike" kern="1200" cap="none" spc="0" normalizeH="0" baseline="0" noProof="0" dirty="0">
               <a:ln>
@@ -1122,7 +1121,7 @@
                 <a:tabLst/>
                 <a:defRPr/>
               </a:pPr>
-              <a:t>9</a:t>
+              <a:t>8</a:t>
             </a:fld>
             <a:endParaRPr kumimoji="0" lang="en-GB" sz="1200" b="0" i="0" u="none" strike="noStrike" kern="1200" cap="none" spc="0" normalizeH="0" baseline="0" noProof="0" dirty="0">
               <a:ln>
@@ -1192,7 +1191,7 @@
           <a:graphicData uri="http://schemas.openxmlformats.org/presentationml/2006/ole">
             <mc:AlternateContent xmlns:mc="http://schemas.openxmlformats.org/markup-compatibility/2006">
               <mc:Choice xmlns:v="urn:schemas-microsoft-com:vml" Requires="v">
-                <p:oleObj spid="_x0000_s32795" name="think-cell Slide" r:id="rId5" imgW="216" imgH="216" progId="TCLayout.ActiveDocument.1">
+                <p:oleObj spid="_x0000_s32803" name="think-cell Slide" r:id="rId5" imgW="216" imgH="216" progId="TCLayout.ActiveDocument.1">
                   <p:embed/>
                 </p:oleObj>
               </mc:Choice>
@@ -1389,7 +1388,7 @@
           <p:cNvPr id="4" name="Footer Placeholder 3">
             <a:extLst>
               <a:ext uri="{FF2B5EF4-FFF2-40B4-BE49-F238E27FC236}">
-                <a16:creationId xmlns:a16="http://schemas.microsoft.com/office/drawing/2014/main" id="{17D6DE4C-D976-4B4B-B087-C035EF8D4F6F}"/>
+                <a16:creationId xmlns:a16="http://schemas.microsoft.com/office/drawing/2014/main" xmlns="" id="{17D6DE4C-D976-4B4B-B087-C035EF8D4F6F}"/>
               </a:ext>
             </a:extLst>
           </p:cNvPr>
@@ -1448,7 +1447,7 @@
           <p:cNvPr id="13" name="Straight Connector 12">
             <a:extLst>
               <a:ext uri="{FF2B5EF4-FFF2-40B4-BE49-F238E27FC236}">
-                <a16:creationId xmlns:a16="http://schemas.microsoft.com/office/drawing/2014/main" id="{95C486A1-9876-924E-85C2-906892F8B9AC}"/>
+                <a16:creationId xmlns:a16="http://schemas.microsoft.com/office/drawing/2014/main" xmlns="" id="{95C486A1-9876-924E-85C2-906892F8B9AC}"/>
               </a:ext>
             </a:extLst>
           </p:cNvPr>
@@ -1491,7 +1490,7 @@
           <p:cNvPr id="17" name="Slide Number Placeholder 5">
             <a:extLst>
               <a:ext uri="{FF2B5EF4-FFF2-40B4-BE49-F238E27FC236}">
-                <a16:creationId xmlns:a16="http://schemas.microsoft.com/office/drawing/2014/main" id="{CC67CD5C-67EC-5144-B858-5347C50D1ACD}"/>
+                <a16:creationId xmlns:a16="http://schemas.microsoft.com/office/drawing/2014/main" xmlns="" id="{CC67CD5C-67EC-5144-B858-5347C50D1ACD}"/>
               </a:ext>
             </a:extLst>
           </p:cNvPr>
@@ -1543,7 +1542,7 @@
           <p:cNvPr id="8" name="Title 7">
             <a:extLst>
               <a:ext uri="{FF2B5EF4-FFF2-40B4-BE49-F238E27FC236}">
-                <a16:creationId xmlns:a16="http://schemas.microsoft.com/office/drawing/2014/main" id="{8A6F1540-D306-D44E-B1B3-1ACCF1041F70}"/>
+                <a16:creationId xmlns:a16="http://schemas.microsoft.com/office/drawing/2014/main" xmlns="" id="{8A6F1540-D306-D44E-B1B3-1ACCF1041F70}"/>
               </a:ext>
             </a:extLst>
           </p:cNvPr>
@@ -1950,7 +1949,7 @@
           <a:graphicData uri="http://schemas.openxmlformats.org/presentationml/2006/ole">
             <mc:AlternateContent xmlns:mc="http://schemas.openxmlformats.org/markup-compatibility/2006">
               <mc:Choice xmlns:v="urn:schemas-microsoft-com:vml" Requires="v">
-                <p:oleObj spid="_x0000_s33819" name="think-cell Slide" r:id="rId4" imgW="216" imgH="216" progId="TCLayout.ActiveDocument.1">
+                <p:oleObj spid="_x0000_s33827" name="think-cell Slide" r:id="rId4" imgW="216" imgH="216" progId="TCLayout.ActiveDocument.1">
                   <p:embed/>
                 </p:oleObj>
               </mc:Choice>
@@ -2076,7 +2075,7 @@
           <p:cNvPr id="8" name="Title 7">
             <a:extLst>
               <a:ext uri="{FF2B5EF4-FFF2-40B4-BE49-F238E27FC236}">
-                <a16:creationId xmlns:a16="http://schemas.microsoft.com/office/drawing/2014/main" id="{8A6F1540-D306-D44E-B1B3-1ACCF1041F70}"/>
+                <a16:creationId xmlns:a16="http://schemas.microsoft.com/office/drawing/2014/main" xmlns="" id="{8A6F1540-D306-D44E-B1B3-1ACCF1041F70}"/>
               </a:ext>
             </a:extLst>
           </p:cNvPr>
@@ -2112,7 +2111,7 @@
           <p:cNvPr id="9" name="Content Placeholder 2">
             <a:extLst>
               <a:ext uri="{FF2B5EF4-FFF2-40B4-BE49-F238E27FC236}">
-                <a16:creationId xmlns:a16="http://schemas.microsoft.com/office/drawing/2014/main" id="{0A7C1352-3D49-F849-9BC3-BC0AF9CD8F04}"/>
+                <a16:creationId xmlns:a16="http://schemas.microsoft.com/office/drawing/2014/main" xmlns="" id="{0A7C1352-3D49-F849-9BC3-BC0AF9CD8F04}"/>
               </a:ext>
             </a:extLst>
           </p:cNvPr>
@@ -2204,7 +2203,7 @@
           <p:cNvPr id="10" name="Content Placeholder 2">
             <a:extLst>
               <a:ext uri="{FF2B5EF4-FFF2-40B4-BE49-F238E27FC236}">
-                <a16:creationId xmlns:a16="http://schemas.microsoft.com/office/drawing/2014/main" id="{D1AA7CFB-7669-2648-A3E1-E647E531399E}"/>
+                <a16:creationId xmlns:a16="http://schemas.microsoft.com/office/drawing/2014/main" xmlns="" id="{D1AA7CFB-7669-2648-A3E1-E647E531399E}"/>
               </a:ext>
             </a:extLst>
           </p:cNvPr>
@@ -2296,7 +2295,7 @@
           <p:cNvPr id="11" name="Content Placeholder 2">
             <a:extLst>
               <a:ext uri="{FF2B5EF4-FFF2-40B4-BE49-F238E27FC236}">
-                <a16:creationId xmlns:a16="http://schemas.microsoft.com/office/drawing/2014/main" id="{2E4B4082-D988-5D43-9C32-2C7F747717ED}"/>
+                <a16:creationId xmlns:a16="http://schemas.microsoft.com/office/drawing/2014/main" xmlns="" id="{2E4B4082-D988-5D43-9C32-2C7F747717ED}"/>
               </a:ext>
             </a:extLst>
           </p:cNvPr>
@@ -2388,7 +2387,7 @@
           <p:cNvPr id="12" name="Content Placeholder 2">
             <a:extLst>
               <a:ext uri="{FF2B5EF4-FFF2-40B4-BE49-F238E27FC236}">
-                <a16:creationId xmlns:a16="http://schemas.microsoft.com/office/drawing/2014/main" id="{45B8DE4D-1F9B-7341-8CB2-D70634815B55}"/>
+                <a16:creationId xmlns:a16="http://schemas.microsoft.com/office/drawing/2014/main" xmlns="" id="{45B8DE4D-1F9B-7341-8CB2-D70634815B55}"/>
               </a:ext>
             </a:extLst>
           </p:cNvPr>
@@ -2480,7 +2479,7 @@
           <p:cNvPr id="14" name="Footer Placeholder 3">
             <a:extLst>
               <a:ext uri="{FF2B5EF4-FFF2-40B4-BE49-F238E27FC236}">
-                <a16:creationId xmlns:a16="http://schemas.microsoft.com/office/drawing/2014/main" id="{DBA440F4-82E0-7E45-8A6F-4A8C7572AEE5}"/>
+                <a16:creationId xmlns:a16="http://schemas.microsoft.com/office/drawing/2014/main" xmlns="" id="{DBA440F4-82E0-7E45-8A6F-4A8C7572AEE5}"/>
               </a:ext>
             </a:extLst>
           </p:cNvPr>
@@ -2539,7 +2538,7 @@
           <p:cNvPr id="15" name="Slide Number Placeholder 5">
             <a:extLst>
               <a:ext uri="{FF2B5EF4-FFF2-40B4-BE49-F238E27FC236}">
-                <a16:creationId xmlns:a16="http://schemas.microsoft.com/office/drawing/2014/main" id="{CC67CD5C-67EC-5144-B858-5347C50D1ACD}"/>
+                <a16:creationId xmlns:a16="http://schemas.microsoft.com/office/drawing/2014/main" xmlns="" id="{CC67CD5C-67EC-5144-B858-5347C50D1ACD}"/>
               </a:ext>
             </a:extLst>
           </p:cNvPr>
@@ -2591,7 +2590,7 @@
           <p:cNvPr id="16" name="Straight Connector 15">
             <a:extLst>
               <a:ext uri="{FF2B5EF4-FFF2-40B4-BE49-F238E27FC236}">
-                <a16:creationId xmlns:a16="http://schemas.microsoft.com/office/drawing/2014/main" id="{95C486A1-9876-924E-85C2-906892F8B9AC}"/>
+                <a16:creationId xmlns:a16="http://schemas.microsoft.com/office/drawing/2014/main" xmlns="" id="{95C486A1-9876-924E-85C2-906892F8B9AC}"/>
               </a:ext>
             </a:extLst>
           </p:cNvPr>
@@ -2687,7 +2686,7 @@
           <a:graphicData uri="http://schemas.openxmlformats.org/presentationml/2006/ole">
             <mc:AlternateContent xmlns:mc="http://schemas.openxmlformats.org/markup-compatibility/2006">
               <mc:Choice xmlns:v="urn:schemas-microsoft-com:vml" Requires="v">
-                <p:oleObj spid="_x0000_s34843" name="think-cell Slide" r:id="rId4" imgW="216" imgH="216" progId="TCLayout.ActiveDocument.1">
+                <p:oleObj spid="_x0000_s34851" name="think-cell Slide" r:id="rId4" imgW="216" imgH="216" progId="TCLayout.ActiveDocument.1">
                   <p:embed/>
                 </p:oleObj>
               </mc:Choice>
@@ -2727,7 +2726,7 @@
           <p:cNvPr id="8" name="Title 7">
             <a:extLst>
               <a:ext uri="{FF2B5EF4-FFF2-40B4-BE49-F238E27FC236}">
-                <a16:creationId xmlns:a16="http://schemas.microsoft.com/office/drawing/2014/main" id="{8A6F1540-D306-D44E-B1B3-1ACCF1041F70}"/>
+                <a16:creationId xmlns:a16="http://schemas.microsoft.com/office/drawing/2014/main" xmlns="" id="{8A6F1540-D306-D44E-B1B3-1ACCF1041F70}"/>
               </a:ext>
             </a:extLst>
           </p:cNvPr>
@@ -3523,7 +3522,7 @@
           <p:cNvPr id="37" name="Footer Placeholder 3">
             <a:extLst>
               <a:ext uri="{FF2B5EF4-FFF2-40B4-BE49-F238E27FC236}">
-                <a16:creationId xmlns:a16="http://schemas.microsoft.com/office/drawing/2014/main" id="{DBA440F4-82E0-7E45-8A6F-4A8C7572AEE5}"/>
+                <a16:creationId xmlns:a16="http://schemas.microsoft.com/office/drawing/2014/main" xmlns="" id="{DBA440F4-82E0-7E45-8A6F-4A8C7572AEE5}"/>
               </a:ext>
             </a:extLst>
           </p:cNvPr>
@@ -3582,7 +3581,7 @@
           <p:cNvPr id="38" name="Slide Number Placeholder 5">
             <a:extLst>
               <a:ext uri="{FF2B5EF4-FFF2-40B4-BE49-F238E27FC236}">
-                <a16:creationId xmlns:a16="http://schemas.microsoft.com/office/drawing/2014/main" id="{CC67CD5C-67EC-5144-B858-5347C50D1ACD}"/>
+                <a16:creationId xmlns:a16="http://schemas.microsoft.com/office/drawing/2014/main" xmlns="" id="{CC67CD5C-67EC-5144-B858-5347C50D1ACD}"/>
               </a:ext>
             </a:extLst>
           </p:cNvPr>
@@ -3634,7 +3633,7 @@
           <p:cNvPr id="39" name="Straight Connector 38">
             <a:extLst>
               <a:ext uri="{FF2B5EF4-FFF2-40B4-BE49-F238E27FC236}">
-                <a16:creationId xmlns:a16="http://schemas.microsoft.com/office/drawing/2014/main" id="{95C486A1-9876-924E-85C2-906892F8B9AC}"/>
+                <a16:creationId xmlns:a16="http://schemas.microsoft.com/office/drawing/2014/main" xmlns="" id="{95C486A1-9876-924E-85C2-906892F8B9AC}"/>
               </a:ext>
             </a:extLst>
           </p:cNvPr>
@@ -3735,7 +3734,7 @@
           <a:graphicData uri="http://schemas.openxmlformats.org/presentationml/2006/ole">
             <mc:AlternateContent xmlns:mc="http://schemas.openxmlformats.org/markup-compatibility/2006">
               <mc:Choice xmlns:v="urn:schemas-microsoft-com:vml" Requires="v">
-                <p:oleObj spid="_x0000_s35867" name="think-cell Slide" r:id="rId5" imgW="216" imgH="216" progId="TCLayout.ActiveDocument.1">
+                <p:oleObj spid="_x0000_s35875" name="think-cell Slide" r:id="rId5" imgW="216" imgH="216" progId="TCLayout.ActiveDocument.1">
                   <p:embed/>
                 </p:oleObj>
               </mc:Choice>
@@ -3952,7 +3951,7 @@
           <p:cNvPr id="4" name="Footer Placeholder 3">
             <a:extLst>
               <a:ext uri="{FF2B5EF4-FFF2-40B4-BE49-F238E27FC236}">
-                <a16:creationId xmlns:a16="http://schemas.microsoft.com/office/drawing/2014/main" id="{17D6DE4C-D976-4B4B-B087-C035EF8D4F6F}"/>
+                <a16:creationId xmlns:a16="http://schemas.microsoft.com/office/drawing/2014/main" xmlns="" id="{17D6DE4C-D976-4B4B-B087-C035EF8D4F6F}"/>
               </a:ext>
             </a:extLst>
           </p:cNvPr>
@@ -4011,7 +4010,7 @@
           <p:cNvPr id="17" name="Slide Number Placeholder 5">
             <a:extLst>
               <a:ext uri="{FF2B5EF4-FFF2-40B4-BE49-F238E27FC236}">
-                <a16:creationId xmlns:a16="http://schemas.microsoft.com/office/drawing/2014/main" id="{CC67CD5C-67EC-5144-B858-5347C50D1ACD}"/>
+                <a16:creationId xmlns:a16="http://schemas.microsoft.com/office/drawing/2014/main" xmlns="" id="{CC67CD5C-67EC-5144-B858-5347C50D1ACD}"/>
               </a:ext>
             </a:extLst>
           </p:cNvPr>
@@ -4063,7 +4062,7 @@
           <p:cNvPr id="8" name="Title 7">
             <a:extLst>
               <a:ext uri="{FF2B5EF4-FFF2-40B4-BE49-F238E27FC236}">
-                <a16:creationId xmlns:a16="http://schemas.microsoft.com/office/drawing/2014/main" id="{8A6F1540-D306-D44E-B1B3-1ACCF1041F70}"/>
+                <a16:creationId xmlns:a16="http://schemas.microsoft.com/office/drawing/2014/main" xmlns="" id="{8A6F1540-D306-D44E-B1B3-1ACCF1041F70}"/>
               </a:ext>
             </a:extLst>
           </p:cNvPr>
@@ -4107,7 +4106,7 @@
           <p:cNvPr id="9" name="Straight Connector 8">
             <a:extLst>
               <a:ext uri="{FF2B5EF4-FFF2-40B4-BE49-F238E27FC236}">
-                <a16:creationId xmlns:a16="http://schemas.microsoft.com/office/drawing/2014/main" id="{BB1AA2BE-B537-254D-958A-FBAFDE7E90DC}"/>
+                <a16:creationId xmlns:a16="http://schemas.microsoft.com/office/drawing/2014/main" xmlns="" id="{BB1AA2BE-B537-254D-958A-FBAFDE7E90DC}"/>
               </a:ext>
             </a:extLst>
           </p:cNvPr>
@@ -4150,7 +4149,7 @@
           <p:cNvPr id="10" name="Straight Connector 9">
             <a:extLst>
               <a:ext uri="{FF2B5EF4-FFF2-40B4-BE49-F238E27FC236}">
-                <a16:creationId xmlns:a16="http://schemas.microsoft.com/office/drawing/2014/main" id="{95C486A1-9876-924E-85C2-906892F8B9AC}"/>
+                <a16:creationId xmlns:a16="http://schemas.microsoft.com/office/drawing/2014/main" xmlns="" id="{95C486A1-9876-924E-85C2-906892F8B9AC}"/>
               </a:ext>
             </a:extLst>
           </p:cNvPr>
@@ -4254,7 +4253,7 @@
           <a:graphicData uri="http://schemas.openxmlformats.org/presentationml/2006/ole">
             <mc:AlternateContent xmlns:mc="http://schemas.openxmlformats.org/markup-compatibility/2006">
               <mc:Choice xmlns:v="urn:schemas-microsoft-com:vml" Requires="v">
-                <p:oleObj spid="_x0000_s45065" name="think-cell Slide" r:id="rId4" imgW="216" imgH="216" progId="TCLayout.ActiveDocument.1">
+                <p:oleObj spid="_x0000_s45073" name="think-cell Slide" r:id="rId4" imgW="216" imgH="216" progId="TCLayout.ActiveDocument.1">
                   <p:embed/>
                 </p:oleObj>
               </mc:Choice>
@@ -4340,7 +4339,7 @@
           <a:graphicData uri="http://schemas.openxmlformats.org/presentationml/2006/ole">
             <mc:AlternateContent xmlns:mc="http://schemas.openxmlformats.org/markup-compatibility/2006">
               <mc:Choice xmlns:v="urn:schemas-microsoft-com:vml" Requires="v">
-                <p:oleObj spid="_x0000_s37915" name="think-cell Slide" r:id="rId5" imgW="216" imgH="216" progId="TCLayout.ActiveDocument.1">
+                <p:oleObj spid="_x0000_s37923" name="think-cell Slide" r:id="rId5" imgW="216" imgH="216" progId="TCLayout.ActiveDocument.1">
                   <p:embed/>
                 </p:oleObj>
               </mc:Choice>
@@ -4537,7 +4536,7 @@
           <p:cNvPr id="4" name="Footer Placeholder 3">
             <a:extLst>
               <a:ext uri="{FF2B5EF4-FFF2-40B4-BE49-F238E27FC236}">
-                <a16:creationId xmlns:a16="http://schemas.microsoft.com/office/drawing/2014/main" id="{17D6DE4C-D976-4B4B-B087-C035EF8D4F6F}"/>
+                <a16:creationId xmlns:a16="http://schemas.microsoft.com/office/drawing/2014/main" xmlns="" id="{17D6DE4C-D976-4B4B-B087-C035EF8D4F6F}"/>
               </a:ext>
             </a:extLst>
           </p:cNvPr>
@@ -4596,7 +4595,7 @@
           <p:cNvPr id="13" name="Straight Connector 12">
             <a:extLst>
               <a:ext uri="{FF2B5EF4-FFF2-40B4-BE49-F238E27FC236}">
-                <a16:creationId xmlns:a16="http://schemas.microsoft.com/office/drawing/2014/main" id="{95C486A1-9876-924E-85C2-906892F8B9AC}"/>
+                <a16:creationId xmlns:a16="http://schemas.microsoft.com/office/drawing/2014/main" xmlns="" id="{95C486A1-9876-924E-85C2-906892F8B9AC}"/>
               </a:ext>
             </a:extLst>
           </p:cNvPr>
@@ -4639,7 +4638,7 @@
           <p:cNvPr id="17" name="Slide Number Placeholder 5">
             <a:extLst>
               <a:ext uri="{FF2B5EF4-FFF2-40B4-BE49-F238E27FC236}">
-                <a16:creationId xmlns:a16="http://schemas.microsoft.com/office/drawing/2014/main" id="{CC67CD5C-67EC-5144-B858-5347C50D1ACD}"/>
+                <a16:creationId xmlns:a16="http://schemas.microsoft.com/office/drawing/2014/main" xmlns="" id="{CC67CD5C-67EC-5144-B858-5347C50D1ACD}"/>
               </a:ext>
             </a:extLst>
           </p:cNvPr>
@@ -4691,7 +4690,7 @@
           <p:cNvPr id="8" name="Title 7">
             <a:extLst>
               <a:ext uri="{FF2B5EF4-FFF2-40B4-BE49-F238E27FC236}">
-                <a16:creationId xmlns:a16="http://schemas.microsoft.com/office/drawing/2014/main" id="{8A6F1540-D306-D44E-B1B3-1ACCF1041F70}"/>
+                <a16:creationId xmlns:a16="http://schemas.microsoft.com/office/drawing/2014/main" xmlns="" id="{8A6F1540-D306-D44E-B1B3-1ACCF1041F70}"/>
               </a:ext>
             </a:extLst>
           </p:cNvPr>
@@ -4817,7 +4816,7 @@
           <a:graphicData uri="http://schemas.openxmlformats.org/presentationml/2006/ole">
             <mc:AlternateContent xmlns:mc="http://schemas.openxmlformats.org/markup-compatibility/2006">
               <mc:Choice xmlns:v="urn:schemas-microsoft-com:vml" Requires="v">
-                <p:oleObj spid="_x0000_s38939" name="think-cell Slide" r:id="rId4" imgW="216" imgH="216" progId="TCLayout.ActiveDocument.1">
+                <p:oleObj spid="_x0000_s38947" name="think-cell Slide" r:id="rId4" imgW="216" imgH="216" progId="TCLayout.ActiveDocument.1">
                   <p:embed/>
                 </p:oleObj>
               </mc:Choice>
@@ -4943,7 +4942,7 @@
           <p:cNvPr id="8" name="Title 7">
             <a:extLst>
               <a:ext uri="{FF2B5EF4-FFF2-40B4-BE49-F238E27FC236}">
-                <a16:creationId xmlns:a16="http://schemas.microsoft.com/office/drawing/2014/main" id="{8A6F1540-D306-D44E-B1B3-1ACCF1041F70}"/>
+                <a16:creationId xmlns:a16="http://schemas.microsoft.com/office/drawing/2014/main" xmlns="" id="{8A6F1540-D306-D44E-B1B3-1ACCF1041F70}"/>
               </a:ext>
             </a:extLst>
           </p:cNvPr>
@@ -4979,7 +4978,7 @@
           <p:cNvPr id="9" name="Content Placeholder 2">
             <a:extLst>
               <a:ext uri="{FF2B5EF4-FFF2-40B4-BE49-F238E27FC236}">
-                <a16:creationId xmlns:a16="http://schemas.microsoft.com/office/drawing/2014/main" id="{0A7C1352-3D49-F849-9BC3-BC0AF9CD8F04}"/>
+                <a16:creationId xmlns:a16="http://schemas.microsoft.com/office/drawing/2014/main" xmlns="" id="{0A7C1352-3D49-F849-9BC3-BC0AF9CD8F04}"/>
               </a:ext>
             </a:extLst>
           </p:cNvPr>
@@ -5071,7 +5070,7 @@
           <p:cNvPr id="10" name="Content Placeholder 2">
             <a:extLst>
               <a:ext uri="{FF2B5EF4-FFF2-40B4-BE49-F238E27FC236}">
-                <a16:creationId xmlns:a16="http://schemas.microsoft.com/office/drawing/2014/main" id="{D1AA7CFB-7669-2648-A3E1-E647E531399E}"/>
+                <a16:creationId xmlns:a16="http://schemas.microsoft.com/office/drawing/2014/main" xmlns="" id="{D1AA7CFB-7669-2648-A3E1-E647E531399E}"/>
               </a:ext>
             </a:extLst>
           </p:cNvPr>
@@ -5163,7 +5162,7 @@
           <p:cNvPr id="11" name="Content Placeholder 2">
             <a:extLst>
               <a:ext uri="{FF2B5EF4-FFF2-40B4-BE49-F238E27FC236}">
-                <a16:creationId xmlns:a16="http://schemas.microsoft.com/office/drawing/2014/main" id="{2E4B4082-D988-5D43-9C32-2C7F747717ED}"/>
+                <a16:creationId xmlns:a16="http://schemas.microsoft.com/office/drawing/2014/main" xmlns="" id="{2E4B4082-D988-5D43-9C32-2C7F747717ED}"/>
               </a:ext>
             </a:extLst>
           </p:cNvPr>
@@ -5255,7 +5254,7 @@
           <p:cNvPr id="12" name="Content Placeholder 2">
             <a:extLst>
               <a:ext uri="{FF2B5EF4-FFF2-40B4-BE49-F238E27FC236}">
-                <a16:creationId xmlns:a16="http://schemas.microsoft.com/office/drawing/2014/main" id="{45B8DE4D-1F9B-7341-8CB2-D70634815B55}"/>
+                <a16:creationId xmlns:a16="http://schemas.microsoft.com/office/drawing/2014/main" xmlns="" id="{45B8DE4D-1F9B-7341-8CB2-D70634815B55}"/>
               </a:ext>
             </a:extLst>
           </p:cNvPr>
@@ -5347,7 +5346,7 @@
           <p:cNvPr id="14" name="Footer Placeholder 3">
             <a:extLst>
               <a:ext uri="{FF2B5EF4-FFF2-40B4-BE49-F238E27FC236}">
-                <a16:creationId xmlns:a16="http://schemas.microsoft.com/office/drawing/2014/main" id="{DBA440F4-82E0-7E45-8A6F-4A8C7572AEE5}"/>
+                <a16:creationId xmlns:a16="http://schemas.microsoft.com/office/drawing/2014/main" xmlns="" id="{DBA440F4-82E0-7E45-8A6F-4A8C7572AEE5}"/>
               </a:ext>
             </a:extLst>
           </p:cNvPr>
@@ -5406,7 +5405,7 @@
           <p:cNvPr id="15" name="Slide Number Placeholder 5">
             <a:extLst>
               <a:ext uri="{FF2B5EF4-FFF2-40B4-BE49-F238E27FC236}">
-                <a16:creationId xmlns:a16="http://schemas.microsoft.com/office/drawing/2014/main" id="{CC67CD5C-67EC-5144-B858-5347C50D1ACD}"/>
+                <a16:creationId xmlns:a16="http://schemas.microsoft.com/office/drawing/2014/main" xmlns="" id="{CC67CD5C-67EC-5144-B858-5347C50D1ACD}"/>
               </a:ext>
             </a:extLst>
           </p:cNvPr>
@@ -5458,7 +5457,7 @@
           <p:cNvPr id="16" name="Straight Connector 15">
             <a:extLst>
               <a:ext uri="{FF2B5EF4-FFF2-40B4-BE49-F238E27FC236}">
-                <a16:creationId xmlns:a16="http://schemas.microsoft.com/office/drawing/2014/main" id="{95C486A1-9876-924E-85C2-906892F8B9AC}"/>
+                <a16:creationId xmlns:a16="http://schemas.microsoft.com/office/drawing/2014/main" xmlns="" id="{95C486A1-9876-924E-85C2-906892F8B9AC}"/>
               </a:ext>
             </a:extLst>
           </p:cNvPr>
@@ -5554,7 +5553,7 @@
           <a:graphicData uri="http://schemas.openxmlformats.org/presentationml/2006/ole">
             <mc:AlternateContent xmlns:mc="http://schemas.openxmlformats.org/markup-compatibility/2006">
               <mc:Choice xmlns:v="urn:schemas-microsoft-com:vml" Requires="v">
-                <p:oleObj spid="_x0000_s39963" name="think-cell Slide" r:id="rId4" imgW="216" imgH="216" progId="TCLayout.ActiveDocument.1">
+                <p:oleObj spid="_x0000_s39971" name="think-cell Slide" r:id="rId4" imgW="216" imgH="216" progId="TCLayout.ActiveDocument.1">
                   <p:embed/>
                 </p:oleObj>
               </mc:Choice>
@@ -5594,7 +5593,7 @@
           <p:cNvPr id="8" name="Title 7">
             <a:extLst>
               <a:ext uri="{FF2B5EF4-FFF2-40B4-BE49-F238E27FC236}">
-                <a16:creationId xmlns:a16="http://schemas.microsoft.com/office/drawing/2014/main" id="{8A6F1540-D306-D44E-B1B3-1ACCF1041F70}"/>
+                <a16:creationId xmlns:a16="http://schemas.microsoft.com/office/drawing/2014/main" xmlns="" id="{8A6F1540-D306-D44E-B1B3-1ACCF1041F70}"/>
               </a:ext>
             </a:extLst>
           </p:cNvPr>
@@ -6390,7 +6389,7 @@
           <p:cNvPr id="37" name="Footer Placeholder 3">
             <a:extLst>
               <a:ext uri="{FF2B5EF4-FFF2-40B4-BE49-F238E27FC236}">
-                <a16:creationId xmlns:a16="http://schemas.microsoft.com/office/drawing/2014/main" id="{DBA440F4-82E0-7E45-8A6F-4A8C7572AEE5}"/>
+                <a16:creationId xmlns:a16="http://schemas.microsoft.com/office/drawing/2014/main" xmlns="" id="{DBA440F4-82E0-7E45-8A6F-4A8C7572AEE5}"/>
               </a:ext>
             </a:extLst>
           </p:cNvPr>
@@ -6449,7 +6448,7 @@
           <p:cNvPr id="38" name="Slide Number Placeholder 5">
             <a:extLst>
               <a:ext uri="{FF2B5EF4-FFF2-40B4-BE49-F238E27FC236}">
-                <a16:creationId xmlns:a16="http://schemas.microsoft.com/office/drawing/2014/main" id="{CC67CD5C-67EC-5144-B858-5347C50D1ACD}"/>
+                <a16:creationId xmlns:a16="http://schemas.microsoft.com/office/drawing/2014/main" xmlns="" id="{CC67CD5C-67EC-5144-B858-5347C50D1ACD}"/>
               </a:ext>
             </a:extLst>
           </p:cNvPr>
@@ -6501,7 +6500,7 @@
           <p:cNvPr id="39" name="Straight Connector 38">
             <a:extLst>
               <a:ext uri="{FF2B5EF4-FFF2-40B4-BE49-F238E27FC236}">
-                <a16:creationId xmlns:a16="http://schemas.microsoft.com/office/drawing/2014/main" id="{95C486A1-9876-924E-85C2-906892F8B9AC}"/>
+                <a16:creationId xmlns:a16="http://schemas.microsoft.com/office/drawing/2014/main" xmlns="" id="{95C486A1-9876-924E-85C2-906892F8B9AC}"/>
               </a:ext>
             </a:extLst>
           </p:cNvPr>
@@ -6602,7 +6601,7 @@
           <a:graphicData uri="http://schemas.openxmlformats.org/presentationml/2006/ole">
             <mc:AlternateContent xmlns:mc="http://schemas.openxmlformats.org/markup-compatibility/2006">
               <mc:Choice xmlns:v="urn:schemas-microsoft-com:vml" Requires="v">
-                <p:oleObj spid="_x0000_s40987" name="think-cell Slide" r:id="rId5" imgW="216" imgH="216" progId="TCLayout.ActiveDocument.1">
+                <p:oleObj spid="_x0000_s40995" name="think-cell Slide" r:id="rId5" imgW="216" imgH="216" progId="TCLayout.ActiveDocument.1">
                   <p:embed/>
                 </p:oleObj>
               </mc:Choice>
@@ -6819,7 +6818,7 @@
           <p:cNvPr id="4" name="Footer Placeholder 3">
             <a:extLst>
               <a:ext uri="{FF2B5EF4-FFF2-40B4-BE49-F238E27FC236}">
-                <a16:creationId xmlns:a16="http://schemas.microsoft.com/office/drawing/2014/main" id="{17D6DE4C-D976-4B4B-B087-C035EF8D4F6F}"/>
+                <a16:creationId xmlns:a16="http://schemas.microsoft.com/office/drawing/2014/main" xmlns="" id="{17D6DE4C-D976-4B4B-B087-C035EF8D4F6F}"/>
               </a:ext>
             </a:extLst>
           </p:cNvPr>
@@ -6878,7 +6877,7 @@
           <p:cNvPr id="17" name="Slide Number Placeholder 5">
             <a:extLst>
               <a:ext uri="{FF2B5EF4-FFF2-40B4-BE49-F238E27FC236}">
-                <a16:creationId xmlns:a16="http://schemas.microsoft.com/office/drawing/2014/main" id="{CC67CD5C-67EC-5144-B858-5347C50D1ACD}"/>
+                <a16:creationId xmlns:a16="http://schemas.microsoft.com/office/drawing/2014/main" xmlns="" id="{CC67CD5C-67EC-5144-B858-5347C50D1ACD}"/>
               </a:ext>
             </a:extLst>
           </p:cNvPr>
@@ -6930,7 +6929,7 @@
           <p:cNvPr id="8" name="Title 7">
             <a:extLst>
               <a:ext uri="{FF2B5EF4-FFF2-40B4-BE49-F238E27FC236}">
-                <a16:creationId xmlns:a16="http://schemas.microsoft.com/office/drawing/2014/main" id="{8A6F1540-D306-D44E-B1B3-1ACCF1041F70}"/>
+                <a16:creationId xmlns:a16="http://schemas.microsoft.com/office/drawing/2014/main" xmlns="" id="{8A6F1540-D306-D44E-B1B3-1ACCF1041F70}"/>
               </a:ext>
             </a:extLst>
           </p:cNvPr>
@@ -6974,7 +6973,7 @@
           <p:cNvPr id="9" name="Straight Connector 8">
             <a:extLst>
               <a:ext uri="{FF2B5EF4-FFF2-40B4-BE49-F238E27FC236}">
-                <a16:creationId xmlns:a16="http://schemas.microsoft.com/office/drawing/2014/main" id="{BB1AA2BE-B537-254D-958A-FBAFDE7E90DC}"/>
+                <a16:creationId xmlns:a16="http://schemas.microsoft.com/office/drawing/2014/main" xmlns="" id="{BB1AA2BE-B537-254D-958A-FBAFDE7E90DC}"/>
               </a:ext>
             </a:extLst>
           </p:cNvPr>
@@ -7017,7 +7016,7 @@
           <p:cNvPr id="10" name="Straight Connector 9">
             <a:extLst>
               <a:ext uri="{FF2B5EF4-FFF2-40B4-BE49-F238E27FC236}">
-                <a16:creationId xmlns:a16="http://schemas.microsoft.com/office/drawing/2014/main" id="{95C486A1-9876-924E-85C2-906892F8B9AC}"/>
+                <a16:creationId xmlns:a16="http://schemas.microsoft.com/office/drawing/2014/main" xmlns="" id="{95C486A1-9876-924E-85C2-906892F8B9AC}"/>
               </a:ext>
             </a:extLst>
           </p:cNvPr>
@@ -7122,7 +7121,7 @@
           <a:graphicData uri="http://schemas.openxmlformats.org/presentationml/2006/ole">
             <mc:AlternateContent xmlns:mc="http://schemas.openxmlformats.org/markup-compatibility/2006">
               <mc:Choice xmlns:v="urn:schemas-microsoft-com:vml" Requires="v">
-                <p:oleObj spid="_x0000_s31771" name="think-cell Slide" r:id="rId10" imgW="216" imgH="216" progId="TCLayout.ActiveDocument.1">
+                <p:oleObj spid="_x0000_s31779" name="think-cell Slide" r:id="rId10" imgW="216" imgH="216" progId="TCLayout.ActiveDocument.1">
                   <p:embed/>
                 </p:oleObj>
               </mc:Choice>
@@ -7242,7 +7241,7 @@
           <p:cNvPr id="10" name="Straight Connector 9">
             <a:extLst>
               <a:ext uri="{FF2B5EF4-FFF2-40B4-BE49-F238E27FC236}">
-                <a16:creationId xmlns:a16="http://schemas.microsoft.com/office/drawing/2014/main" id="{BB1AA2BE-B537-254D-958A-FBAFDE7E90DC}"/>
+                <a16:creationId xmlns:a16="http://schemas.microsoft.com/office/drawing/2014/main" xmlns="" id="{BB1AA2BE-B537-254D-958A-FBAFDE7E90DC}"/>
               </a:ext>
             </a:extLst>
           </p:cNvPr>
@@ -7285,7 +7284,7 @@
           <p:cNvPr id="15" name="Footer Placeholder 3">
             <a:extLst>
               <a:ext uri="{FF2B5EF4-FFF2-40B4-BE49-F238E27FC236}">
-                <a16:creationId xmlns:a16="http://schemas.microsoft.com/office/drawing/2014/main" id="{DBA440F4-82E0-7E45-8A6F-4A8C7572AEE5}"/>
+                <a16:creationId xmlns:a16="http://schemas.microsoft.com/office/drawing/2014/main" xmlns="" id="{DBA440F4-82E0-7E45-8A6F-4A8C7572AEE5}"/>
               </a:ext>
             </a:extLst>
           </p:cNvPr>
@@ -7344,7 +7343,7 @@
           <p:cNvPr id="16" name="Slide Number Placeholder 5">
             <a:extLst>
               <a:ext uri="{FF2B5EF4-FFF2-40B4-BE49-F238E27FC236}">
-                <a16:creationId xmlns:a16="http://schemas.microsoft.com/office/drawing/2014/main" id="{2D9636C8-FF6B-E141-B9E1-70C7091B23B1}"/>
+                <a16:creationId xmlns:a16="http://schemas.microsoft.com/office/drawing/2014/main" xmlns="" id="{2D9636C8-FF6B-E141-B9E1-70C7091B23B1}"/>
               </a:ext>
             </a:extLst>
           </p:cNvPr>
@@ -7711,7 +7710,7 @@
   </p:txStyles>
   <p:extLst mod="1">
     <p:ext uri="{27BBF7A9-308A-43DC-89C8-2F10F3537804}">
-      <p15:sldGuideLst xmlns:p15="http://schemas.microsoft.com/office/powerpoint/2012/main">
+      <p15:sldGuideLst xmlns:p15="http://schemas.microsoft.com/office/powerpoint/2012/main" xmlns="">
         <p15:guide id="1" orient="horz" pos="2041">
           <p15:clr>
             <a:srgbClr val="F26B43"/>
@@ -7880,7 +7879,7 @@
           <a:graphicData uri="http://schemas.openxmlformats.org/presentationml/2006/ole">
             <mc:AlternateContent xmlns:mc="http://schemas.openxmlformats.org/markup-compatibility/2006">
               <mc:Choice xmlns:v="urn:schemas-microsoft-com:vml" Requires="v">
-                <p:oleObj spid="_x0000_s36892" name="think-cell Slide" r:id="rId10" imgW="216" imgH="216" progId="TCLayout.ActiveDocument.1">
+                <p:oleObj spid="_x0000_s36900" name="think-cell Slide" r:id="rId10" imgW="216" imgH="216" progId="TCLayout.ActiveDocument.1">
                   <p:embed/>
                 </p:oleObj>
               </mc:Choice>
@@ -8000,7 +7999,7 @@
           <p:cNvPr id="10" name="Straight Connector 9">
             <a:extLst>
               <a:ext uri="{FF2B5EF4-FFF2-40B4-BE49-F238E27FC236}">
-                <a16:creationId xmlns:a16="http://schemas.microsoft.com/office/drawing/2014/main" id="{BB1AA2BE-B537-254D-958A-FBAFDE7E90DC}"/>
+                <a16:creationId xmlns:a16="http://schemas.microsoft.com/office/drawing/2014/main" xmlns="" id="{BB1AA2BE-B537-254D-958A-FBAFDE7E90DC}"/>
               </a:ext>
             </a:extLst>
           </p:cNvPr>
@@ -8043,7 +8042,7 @@
           <p:cNvPr id="15" name="Footer Placeholder 3">
             <a:extLst>
               <a:ext uri="{FF2B5EF4-FFF2-40B4-BE49-F238E27FC236}">
-                <a16:creationId xmlns:a16="http://schemas.microsoft.com/office/drawing/2014/main" id="{DBA440F4-82E0-7E45-8A6F-4A8C7572AEE5}"/>
+                <a16:creationId xmlns:a16="http://schemas.microsoft.com/office/drawing/2014/main" xmlns="" id="{DBA440F4-82E0-7E45-8A6F-4A8C7572AEE5}"/>
               </a:ext>
             </a:extLst>
           </p:cNvPr>
@@ -8102,7 +8101,7 @@
           <p:cNvPr id="16" name="Slide Number Placeholder 5">
             <a:extLst>
               <a:ext uri="{FF2B5EF4-FFF2-40B4-BE49-F238E27FC236}">
-                <a16:creationId xmlns:a16="http://schemas.microsoft.com/office/drawing/2014/main" id="{2D9636C8-FF6B-E141-B9E1-70C7091B23B1}"/>
+                <a16:creationId xmlns:a16="http://schemas.microsoft.com/office/drawing/2014/main" xmlns="" id="{2D9636C8-FF6B-E141-B9E1-70C7091B23B1}"/>
               </a:ext>
             </a:extLst>
           </p:cNvPr>
@@ -8469,7 +8468,7 @@
   </p:txStyles>
   <p:extLst mod="1">
     <p:ext uri="{27BBF7A9-308A-43DC-89C8-2F10F3537804}">
-      <p15:sldGuideLst xmlns:p15="http://schemas.microsoft.com/office/powerpoint/2012/main">
+      <p15:sldGuideLst xmlns:p15="http://schemas.microsoft.com/office/powerpoint/2012/main" xmlns="">
         <p15:guide id="1" orient="horz" pos="2041">
           <p15:clr>
             <a:srgbClr val="F26B43"/>
@@ -8995,13 +8994,13 @@
       </p:sp>
       <p:pic>
         <p:nvPicPr>
-          <p:cNvPr id="4" name="Picture 3"/>
+          <p:cNvPr id="2" name="Picture 1"/>
           <p:cNvPicPr>
             <a:picLocks noChangeAspect="1"/>
           </p:cNvPicPr>
           <p:nvPr/>
         </p:nvPicPr>
-        <p:blipFill rotWithShape="1">
+        <p:blipFill>
           <a:blip r:embed="rId3">
             <a:extLst>
               <a:ext uri="{28A0092B-C50C-407E-A947-70E740481C1C}">
@@ -9009,49 +9008,20 @@
               </a:ext>
             </a:extLst>
           </a:blip>
-          <a:srcRect t="40079" b="14440"/>
-          <a:stretch/>
+          <a:stretch>
+            <a:fillRect/>
+          </a:stretch>
         </p:blipFill>
         <p:spPr>
           <a:xfrm>
-            <a:off x="290832" y="1205419"/>
-            <a:ext cx="11654119" cy="4107851"/>
+            <a:off x="0" y="1078120"/>
+            <a:ext cx="12192000" cy="4121525"/>
           </a:xfrm>
           <a:prstGeom prst="rect">
             <a:avLst/>
           </a:prstGeom>
         </p:spPr>
       </p:pic>
-      <p:sp>
-        <p:nvSpPr>
-          <p:cNvPr id="5" name="TextBox 4"/>
-          <p:cNvSpPr txBox="1"/>
-          <p:nvPr/>
-        </p:nvSpPr>
-        <p:spPr>
-          <a:xfrm>
-            <a:off x="8133347" y="5313270"/>
-            <a:ext cx="3395481" cy="369332"/>
-          </a:xfrm>
-          <a:prstGeom prst="rect">
-            <a:avLst/>
-          </a:prstGeom>
-          <a:noFill/>
-        </p:spPr>
-        <p:txBody>
-          <a:bodyPr wrap="none" rtlCol="0">
-            <a:spAutoFit/>
-          </a:bodyPr>
-          <a:lstStyle/>
-          <a:p>
-            <a:r>
-              <a:rPr lang="zh-CN" altLang="en-US" dirty="0" smtClean="0"/>
-              <a:t>封面图片可以自行更换车辆美图</a:t>
-            </a:r>
-            <a:endParaRPr lang="en-US" dirty="0"/>
-          </a:p>
-        </p:txBody>
-      </p:sp>
     </p:spTree>
     <p:extLst>
       <p:ext uri="{BB962C8B-B14F-4D97-AF65-F5344CB8AC3E}">
@@ -9114,7 +9084,7 @@
           <a:graphicData uri="http://schemas.openxmlformats.org/presentationml/2006/ole">
             <mc:AlternateContent xmlns:mc="http://schemas.openxmlformats.org/markup-compatibility/2006">
               <mc:Choice xmlns:v="urn:schemas-microsoft-com:vml" Requires="v">
-                <p:oleObj spid="_x0000_s42017" name="think-cell Slide" r:id="rId6" imgW="416" imgH="416" progId="TCLayout.ActiveDocument.1">
+                <p:oleObj spid="_x0000_s42025" name="think-cell Slide" r:id="rId6" imgW="416" imgH="416" progId="TCLayout.ActiveDocument.1">
                   <p:embed/>
                 </p:oleObj>
               </mc:Choice>
@@ -9158,14 +9128,14 @@
           <p:nvPr>
             <p:extLst>
               <p:ext uri="{D42A27DB-BD31-4B8C-83A1-F6EECF244321}">
-                <p14:modId xmlns:p14="http://schemas.microsoft.com/office/powerpoint/2010/main" val="1722495811"/>
+                <p14:modId xmlns:p14="http://schemas.microsoft.com/office/powerpoint/2010/main" val="1770992327"/>
               </p:ext>
             </p:extLst>
           </p:nvPr>
         </p:nvGraphicFramePr>
         <p:xfrm>
           <a:off x="539749" y="1107029"/>
-          <a:ext cx="11079991" cy="3272527"/>
+          <a:ext cx="11079991" cy="2955733"/>
         </p:xfrm>
         <a:graphic>
           <a:graphicData uri="http://schemas.openxmlformats.org/drawingml/2006/table">
@@ -9177,42 +9147,42 @@
                 <a:gridCol w="1924933">
                   <a:extLst>
                     <a:ext uri="{9D8B030D-6E8A-4147-A177-3AD203B41FA5}">
-                      <a16:colId xmlns:a16="http://schemas.microsoft.com/office/drawing/2014/main" val="1357581311"/>
+                      <a16:colId xmlns:a16="http://schemas.microsoft.com/office/drawing/2014/main" xmlns="" val="1357581311"/>
                     </a:ext>
                   </a:extLst>
                 </a:gridCol>
                 <a:gridCol w="2706957">
                   <a:extLst>
                     <a:ext uri="{9D8B030D-6E8A-4147-A177-3AD203B41FA5}">
-                      <a16:colId xmlns:a16="http://schemas.microsoft.com/office/drawing/2014/main" val="1956442140"/>
+                      <a16:colId xmlns:a16="http://schemas.microsoft.com/office/drawing/2014/main" xmlns="" val="1956442140"/>
                     </a:ext>
                   </a:extLst>
                 </a:gridCol>
                 <a:gridCol w="1378384">
                   <a:extLst>
                     <a:ext uri="{9D8B030D-6E8A-4147-A177-3AD203B41FA5}">
-                      <a16:colId xmlns:a16="http://schemas.microsoft.com/office/drawing/2014/main" val="3122743454"/>
+                      <a16:colId xmlns:a16="http://schemas.microsoft.com/office/drawing/2014/main" xmlns="" val="3122743454"/>
                     </a:ext>
                   </a:extLst>
                 </a:gridCol>
                 <a:gridCol w="1030714">
                   <a:extLst>
                     <a:ext uri="{9D8B030D-6E8A-4147-A177-3AD203B41FA5}">
-                      <a16:colId xmlns:a16="http://schemas.microsoft.com/office/drawing/2014/main" val="755301095"/>
+                      <a16:colId xmlns:a16="http://schemas.microsoft.com/office/drawing/2014/main" xmlns="" val="755301095"/>
                     </a:ext>
                   </a:extLst>
                 </a:gridCol>
                 <a:gridCol w="2464037">
                   <a:extLst>
                     <a:ext uri="{9D8B030D-6E8A-4147-A177-3AD203B41FA5}">
-                      <a16:colId xmlns:a16="http://schemas.microsoft.com/office/drawing/2014/main" val="2056552446"/>
+                      <a16:colId xmlns:a16="http://schemas.microsoft.com/office/drawing/2014/main" xmlns="" val="2056552446"/>
                     </a:ext>
                   </a:extLst>
                 </a:gridCol>
                 <a:gridCol w="1574966">
                   <a:extLst>
                     <a:ext uri="{9D8B030D-6E8A-4147-A177-3AD203B41FA5}">
-                      <a16:colId xmlns:a16="http://schemas.microsoft.com/office/drawing/2014/main" val="1567976445"/>
+                      <a16:colId xmlns:a16="http://schemas.microsoft.com/office/drawing/2014/main" xmlns="" val="1567976445"/>
                     </a:ext>
                   </a:extLst>
                 </a:gridCol>
@@ -9357,7 +9327,7 @@
                 </a:tc>
                 <a:extLst>
                   <a:ext uri="{0D108BD9-81ED-4DB2-BD59-A6C34878D82A}">
-                    <a16:rowId xmlns:a16="http://schemas.microsoft.com/office/drawing/2014/main" val="3203583067"/>
+                    <a16:rowId xmlns:a16="http://schemas.microsoft.com/office/drawing/2014/main" xmlns="" val="3203583067"/>
                   </a:ext>
                 </a:extLst>
               </a:tr>
@@ -9522,66 +9492,6 @@
                         <a:tabLst/>
                         <a:defRPr/>
                       </a:pPr>
-                      <a:r>
-                        <a:rPr lang="zh-CN" altLang="en-US" sz="1200" b="0" kern="1200" dirty="0" smtClean="0">
-                          <a:solidFill>
-                            <a:schemeClr val="tx1"/>
-                          </a:solidFill>
-                          <a:latin typeface="+mn-lt"/>
-                          <a:ea typeface="+mn-ea"/>
-                          <a:cs typeface="+mn-ea"/>
-                          <a:sym typeface="+mn-lt"/>
-                        </a:rPr>
-                        <a:t>宾利</a:t>
-                      </a:r>
-                      <a:r>
-                        <a:rPr lang="en-US" altLang="zh-CN" sz="1200" b="0" kern="1200" dirty="0" smtClean="0">
-                          <a:solidFill>
-                            <a:schemeClr val="tx1"/>
-                          </a:solidFill>
-                          <a:latin typeface="+mn-lt"/>
-                          <a:ea typeface="+mn-ea"/>
-                          <a:cs typeface="+mn-ea"/>
-                          <a:sym typeface="+mn-lt"/>
-                        </a:rPr>
-                        <a:t>XXXX</a:t>
-                      </a:r>
-                      <a:r>
-                        <a:rPr lang="zh-CN" altLang="en-US" sz="1200" b="0" kern="1200" dirty="0" smtClean="0">
-                          <a:solidFill>
-                            <a:schemeClr val="tx1"/>
-                          </a:solidFill>
-                          <a:latin typeface="+mn-lt"/>
-                          <a:ea typeface="+mn-ea"/>
-                          <a:cs typeface="+mn-ea"/>
-                          <a:sym typeface="+mn-lt"/>
-                        </a:rPr>
-                        <a:t>交车仪式 </a:t>
-                      </a:r>
-                      <a:r>
-                        <a:rPr lang="en-US" altLang="zh-CN" sz="1200" b="0" kern="1200" dirty="0" smtClean="0">
-                          <a:solidFill>
-                            <a:schemeClr val="tx1"/>
-                          </a:solidFill>
-                          <a:latin typeface="+mn-lt"/>
-                          <a:ea typeface="+mn-ea"/>
-                          <a:cs typeface="+mn-ea"/>
-                          <a:sym typeface="+mn-lt"/>
-                        </a:rPr>
-                        <a:t>– X</a:t>
-                      </a:r>
-                      <a:r>
-                        <a:rPr lang="zh-CN" altLang="en-US" sz="1200" b="0" kern="1200" dirty="0" smtClean="0">
-                          <a:solidFill>
-                            <a:schemeClr val="tx1"/>
-                          </a:solidFill>
-                          <a:latin typeface="+mn-lt"/>
-                          <a:ea typeface="+mn-ea"/>
-                          <a:cs typeface="+mn-ea"/>
-                          <a:sym typeface="+mn-lt"/>
-                        </a:rPr>
-                        <a:t>月</a:t>
-                      </a:r>
                       <a:endParaRPr lang="en-US" sz="1200" b="0" kern="1200" dirty="0" smtClean="0">
                         <a:solidFill>
                           <a:schemeClr val="tx1"/>
@@ -9750,569 +9660,7 @@
                 </a:tc>
                 <a:extLst>
                   <a:ext uri="{0D108BD9-81ED-4DB2-BD59-A6C34878D82A}">
-                    <a16:rowId xmlns:a16="http://schemas.microsoft.com/office/drawing/2014/main" val="851841494"/>
-                  </a:ext>
-                </a:extLst>
-              </a:tr>
-              <a:tr h="486978">
-                <a:tc>
-                  <a:txBody>
-                    <a:bodyPr/>
-                    <a:lstStyle/>
-                    <a:p>
-                      <a:pPr marL="0" marR="0" lvl="0" indent="0" algn="l" defTabSz="685792" rtl="0" eaLnBrk="1" fontAlgn="auto" latinLnBrk="0" hangingPunct="1">
-                        <a:lnSpc>
-                          <a:spcPct val="100000"/>
-                        </a:lnSpc>
-                        <a:spcBef>
-                          <a:spcPts val="0"/>
-                        </a:spcBef>
-                        <a:spcAft>
-                          <a:spcPts val="0"/>
-                        </a:spcAft>
-                        <a:buClrTx/>
-                        <a:buSzTx/>
-                        <a:buFontTx/>
-                        <a:buNone/>
-                        <a:tabLst/>
-                        <a:defRPr/>
-                      </a:pPr>
-                      <a:r>
-                        <a:rPr lang="en-US" sz="1200" b="0" kern="1200" dirty="0" smtClean="0">
-                          <a:solidFill>
-                            <a:schemeClr val="tx1"/>
-                          </a:solidFill>
-                          <a:latin typeface="+mn-lt"/>
-                          <a:ea typeface="+mn-ea"/>
-                          <a:cs typeface="+mn-ea"/>
-                          <a:sym typeface="+mn-lt"/>
-                        </a:rPr>
-                        <a:t>Date </a:t>
-                      </a:r>
-                    </a:p>
-                    <a:p>
-                      <a:pPr marL="0" marR="0" lvl="0" indent="0" algn="l" defTabSz="685792" rtl="0" eaLnBrk="1" fontAlgn="auto" latinLnBrk="0" hangingPunct="1">
-                        <a:lnSpc>
-                          <a:spcPct val="100000"/>
-                        </a:lnSpc>
-                        <a:spcBef>
-                          <a:spcPts val="0"/>
-                        </a:spcBef>
-                        <a:spcAft>
-                          <a:spcPts val="0"/>
-                        </a:spcAft>
-                        <a:buClrTx/>
-                        <a:buSzTx/>
-                        <a:buFontTx/>
-                        <a:buNone/>
-                        <a:tabLst/>
-                        <a:defRPr/>
-                      </a:pPr>
-                      <a:r>
-                        <a:rPr lang="zh-CN" altLang="en-US" sz="1200" b="0" kern="1200" dirty="0" smtClean="0">
-                          <a:solidFill>
-                            <a:schemeClr val="tx1"/>
-                          </a:solidFill>
-                          <a:latin typeface="+mn-lt"/>
-                          <a:ea typeface="+mn-ea"/>
-                          <a:cs typeface="+mn-ea"/>
-                          <a:sym typeface="+mn-lt"/>
-                        </a:rPr>
-                        <a:t>日期</a:t>
-                      </a:r>
-                      <a:endParaRPr lang="en-US" sz="1200" b="0" kern="1200" dirty="0" smtClean="0">
-                        <a:solidFill>
-                          <a:schemeClr val="tx1"/>
-                        </a:solidFill>
-                        <a:latin typeface="+mn-lt"/>
-                        <a:ea typeface="+mn-ea"/>
-                        <a:cs typeface="+mn-ea"/>
-                        <a:sym typeface="+mn-lt"/>
-                      </a:endParaRPr>
-                    </a:p>
-                  </a:txBody>
-                  <a:tcPr marL="108522" marR="108522" marT="54261" marB="54261" anchor="ctr">
-                    <a:lnL w="38100" cap="flat" cmpd="sng" algn="ctr">
-                      <a:solidFill>
-                        <a:schemeClr val="bg1"/>
-                      </a:solidFill>
-                      <a:prstDash val="solid"/>
-                      <a:round/>
-                      <a:headEnd type="none" w="med" len="med"/>
-                      <a:tailEnd type="none" w="med" len="med"/>
-                    </a:lnL>
-                    <a:lnR w="57150" cap="flat" cmpd="sng" algn="ctr">
-                      <a:noFill/>
-                      <a:prstDash val="solid"/>
-                      <a:round/>
-                      <a:headEnd type="none" w="med" len="med"/>
-                      <a:tailEnd type="none" w="med" len="med"/>
-                    </a:lnR>
-                    <a:lnT w="38100" cap="flat" cmpd="sng" algn="ctr">
-                      <a:solidFill>
-                        <a:schemeClr val="bg1"/>
-                      </a:solidFill>
-                      <a:prstDash val="solid"/>
-                      <a:round/>
-                      <a:headEnd type="none" w="med" len="med"/>
-                      <a:tailEnd type="none" w="med" len="med"/>
-                    </a:lnT>
-                    <a:lnB w="38100" cap="flat" cmpd="sng" algn="ctr">
-                      <a:solidFill>
-                        <a:schemeClr val="bg1"/>
-                      </a:solidFill>
-                      <a:prstDash val="solid"/>
-                      <a:round/>
-                      <a:headEnd type="none" w="med" len="med"/>
-                      <a:tailEnd type="none" w="med" len="med"/>
-                    </a:lnB>
-                    <a:noFill/>
-                  </a:tcPr>
-                </a:tc>
-                <a:tc gridSpan="2">
-                  <a:txBody>
-                    <a:bodyPr/>
-                    <a:lstStyle/>
-                    <a:p>
-                      <a:pPr marL="0" algn="l" defTabSz="685792" rtl="0" eaLnBrk="1" latinLnBrk="0" hangingPunct="1"/>
-                      <a:r>
-                        <a:rPr lang="en-US" sz="1200" b="0" kern="1200" dirty="0" smtClean="0">
-                          <a:solidFill>
-                            <a:schemeClr val="tx1"/>
-                          </a:solidFill>
-                          <a:latin typeface="+mn-lt"/>
-                          <a:ea typeface="+mn-ea"/>
-                          <a:cs typeface="+mn-ea"/>
-                          <a:sym typeface="+mn-lt"/>
-                        </a:rPr>
-                        <a:t>XX/XX/2022 </a:t>
-                      </a:r>
-                      <a:r>
-                        <a:rPr lang="en-US" sz="1200" b="0" kern="1200" dirty="0" smtClean="0">
-                          <a:solidFill>
-                            <a:schemeClr val="tx1"/>
-                          </a:solidFill>
-                          <a:latin typeface="+mn-lt"/>
-                          <a:ea typeface="+mn-ea"/>
-                          <a:cs typeface="+mn-ea"/>
-                          <a:sym typeface="+mn-lt"/>
-                        </a:rPr>
-                        <a:t>– </a:t>
-                      </a:r>
-                      <a:r>
-                        <a:rPr lang="en-US" sz="1200" b="0" kern="1200" dirty="0" smtClean="0">
-                          <a:solidFill>
-                            <a:schemeClr val="tx1"/>
-                          </a:solidFill>
-                          <a:latin typeface="+mn-lt"/>
-                          <a:ea typeface="+mn-ea"/>
-                          <a:cs typeface="+mn-ea"/>
-                          <a:sym typeface="+mn-lt"/>
-                        </a:rPr>
-                        <a:t>XX/XX/2022</a:t>
-                      </a:r>
-                      <a:endParaRPr lang="en-US" sz="1200" b="0" kern="1200" dirty="0">
-                        <a:solidFill>
-                          <a:schemeClr val="tx1"/>
-                        </a:solidFill>
-                        <a:latin typeface="+mn-lt"/>
-                        <a:ea typeface="+mn-ea"/>
-                        <a:cs typeface="+mn-ea"/>
-                        <a:sym typeface="+mn-lt"/>
-                      </a:endParaRPr>
-                    </a:p>
-                  </a:txBody>
-                  <a:tcPr marL="108522" marR="108522" marT="54261" marB="54261" anchor="ctr">
-                    <a:lnL w="57150" cap="flat" cmpd="sng" algn="ctr">
-                      <a:noFill/>
-                      <a:prstDash val="solid"/>
-                      <a:round/>
-                      <a:headEnd type="none" w="med" len="med"/>
-                      <a:tailEnd type="none" w="med" len="med"/>
-                    </a:lnL>
-                    <a:lnR w="12700" cmpd="sng">
-                      <a:noFill/>
-                    </a:lnR>
-                    <a:lnT w="38100" cap="flat" cmpd="sng" algn="ctr">
-                      <a:solidFill>
-                        <a:schemeClr val="bg1"/>
-                      </a:solidFill>
-                      <a:prstDash val="solid"/>
-                      <a:round/>
-                      <a:headEnd type="none" w="med" len="med"/>
-                      <a:tailEnd type="none" w="med" len="med"/>
-                    </a:lnT>
-                    <a:lnB w="28575" cap="flat" cmpd="sng" algn="ctr">
-                      <a:solidFill>
-                        <a:schemeClr val="bg1"/>
-                      </a:solidFill>
-                      <a:prstDash val="solid"/>
-                      <a:round/>
-                      <a:headEnd type="none" w="med" len="med"/>
-                      <a:tailEnd type="none" w="med" len="med"/>
-                    </a:lnB>
-                    <a:lnTlToBr w="12700" cmpd="sng">
-                      <a:noFill/>
-                      <a:prstDash val="solid"/>
-                    </a:lnTlToBr>
-                    <a:lnBlToTr w="12700" cmpd="sng">
-                      <a:noFill/>
-                      <a:prstDash val="solid"/>
-                    </a:lnBlToTr>
-                    <a:solidFill>
-                      <a:schemeClr val="bg2">
-                        <a:lumMod val="20000"/>
-                        <a:lumOff val="80000"/>
-                      </a:schemeClr>
-                    </a:solidFill>
-                  </a:tcPr>
-                </a:tc>
-                <a:tc hMerge="1">
-                  <a:txBody>
-                    <a:bodyPr/>
-                    <a:lstStyle/>
-                    <a:p>
-                      <a:pPr marL="0" marR="0" lvl="0" indent="0" algn="l" defTabSz="685792" rtl="0" eaLnBrk="1" fontAlgn="auto" latinLnBrk="0" hangingPunct="1">
-                        <a:lnSpc>
-                          <a:spcPct val="100000"/>
-                        </a:lnSpc>
-                        <a:spcBef>
-                          <a:spcPts val="0"/>
-                        </a:spcBef>
-                        <a:spcAft>
-                          <a:spcPts val="0"/>
-                        </a:spcAft>
-                        <a:buClrTx/>
-                        <a:buSzTx/>
-                        <a:buFontTx/>
-                        <a:buNone/>
-                        <a:tabLst/>
-                        <a:defRPr/>
-                      </a:pPr>
-                      <a:endParaRPr lang="en-US" sz="1300" b="0" kern="1200" dirty="0" smtClean="0">
-                        <a:solidFill>
-                          <a:srgbClr val="00321F"/>
-                        </a:solidFill>
-                        <a:latin typeface="+mn-lt"/>
-                        <a:ea typeface="+mn-ea"/>
-                        <a:cs typeface="+mn-ea"/>
-                      </a:endParaRPr>
-                    </a:p>
-                  </a:txBody>
-                  <a:tcPr marL="108522" marR="108522" marT="54261" marB="54261" anchor="ctr">
-                    <a:lnL w="12700" cmpd="sng">
-                      <a:noFill/>
-                    </a:lnL>
-                    <a:lnR w="12700" cmpd="sng">
-                      <a:noFill/>
-                    </a:lnR>
-                    <a:lnT w="38100" cap="flat" cmpd="sng" algn="ctr">
-                      <a:solidFill>
-                        <a:schemeClr val="bg1"/>
-                      </a:solidFill>
-                      <a:prstDash val="solid"/>
-                      <a:round/>
-                      <a:headEnd type="none" w="med" len="med"/>
-                      <a:tailEnd type="none" w="med" len="med"/>
-                    </a:lnT>
-                    <a:lnB w="28575" cap="flat" cmpd="sng" algn="ctr">
-                      <a:solidFill>
-                        <a:schemeClr val="bg1"/>
-                      </a:solidFill>
-                      <a:prstDash val="solid"/>
-                      <a:round/>
-                      <a:headEnd type="none" w="med" len="med"/>
-                      <a:tailEnd type="none" w="med" len="med"/>
-                    </a:lnB>
-                    <a:lnTlToBr w="12700" cmpd="sng">
-                      <a:noFill/>
-                      <a:prstDash val="solid"/>
-                    </a:lnTlToBr>
-                    <a:lnBlToTr w="12700" cmpd="sng">
-                      <a:noFill/>
-                      <a:prstDash val="solid"/>
-                    </a:lnBlToTr>
-                    <a:solidFill>
-                      <a:schemeClr val="bg1"/>
-                    </a:solidFill>
-                  </a:tcPr>
-                </a:tc>
-                <a:tc>
-                  <a:txBody>
-                    <a:bodyPr/>
-                    <a:lstStyle/>
-                    <a:p>
-                      <a:pPr marL="0" marR="0" lvl="0" indent="0" algn="l" defTabSz="685792" rtl="0" eaLnBrk="1" fontAlgn="auto" latinLnBrk="0" hangingPunct="1">
-                        <a:lnSpc>
-                          <a:spcPct val="100000"/>
-                        </a:lnSpc>
-                        <a:spcBef>
-                          <a:spcPts val="0"/>
-                        </a:spcBef>
-                        <a:spcAft>
-                          <a:spcPts val="0"/>
-                        </a:spcAft>
-                        <a:buClrTx/>
-                        <a:buSzTx/>
-                        <a:buFontTx/>
-                        <a:buNone/>
-                        <a:tabLst/>
-                        <a:defRPr/>
-                      </a:pPr>
-                      <a:r>
-                        <a:rPr lang="en-US" sz="1200" b="0" kern="1200" dirty="0" smtClean="0">
-                          <a:solidFill>
-                            <a:schemeClr val="tx1"/>
-                          </a:solidFill>
-                          <a:latin typeface="+mn-lt"/>
-                          <a:ea typeface="+mn-ea"/>
-                          <a:cs typeface="+mn-ea"/>
-                          <a:sym typeface="+mn-lt"/>
-                        </a:rPr>
-                        <a:t>Location </a:t>
-                      </a:r>
-                    </a:p>
-                    <a:p>
-                      <a:pPr marL="0" marR="0" lvl="0" indent="0" algn="l" defTabSz="685792" rtl="0" eaLnBrk="1" fontAlgn="auto" latinLnBrk="0" hangingPunct="1">
-                        <a:lnSpc>
-                          <a:spcPct val="100000"/>
-                        </a:lnSpc>
-                        <a:spcBef>
-                          <a:spcPts val="0"/>
-                        </a:spcBef>
-                        <a:spcAft>
-                          <a:spcPts val="0"/>
-                        </a:spcAft>
-                        <a:buClrTx/>
-                        <a:buSzTx/>
-                        <a:buFontTx/>
-                        <a:buNone/>
-                        <a:tabLst/>
-                        <a:defRPr/>
-                      </a:pPr>
-                      <a:r>
-                        <a:rPr lang="zh-CN" altLang="en-US" sz="1200" b="0" kern="1200" dirty="0" smtClean="0">
-                          <a:solidFill>
-                            <a:schemeClr val="tx1"/>
-                          </a:solidFill>
-                          <a:latin typeface="+mn-lt"/>
-                          <a:ea typeface="+mn-ea"/>
-                          <a:cs typeface="+mn-ea"/>
-                          <a:sym typeface="+mn-lt"/>
-                        </a:rPr>
-                        <a:t>地点</a:t>
-                      </a:r>
-                      <a:endParaRPr lang="en-US" sz="1200" b="0" kern="1200" dirty="0" smtClean="0">
-                        <a:solidFill>
-                          <a:schemeClr val="tx1"/>
-                        </a:solidFill>
-                        <a:latin typeface="+mn-lt"/>
-                        <a:ea typeface="+mn-ea"/>
-                        <a:cs typeface="+mn-ea"/>
-                        <a:sym typeface="+mn-lt"/>
-                      </a:endParaRPr>
-                    </a:p>
-                  </a:txBody>
-                  <a:tcPr marL="36000" marR="0" marT="54261" marB="54261" anchor="ctr">
-                    <a:lnL w="12700" cmpd="sng">
-                      <a:noFill/>
-                    </a:lnL>
-                    <a:lnR w="12700" cmpd="sng">
-                      <a:noFill/>
-                    </a:lnR>
-                    <a:lnT w="38100" cap="flat" cmpd="sng" algn="ctr">
-                      <a:solidFill>
-                        <a:schemeClr val="bg1"/>
-                      </a:solidFill>
-                      <a:prstDash val="solid"/>
-                      <a:round/>
-                      <a:headEnd type="none" w="med" len="med"/>
-                      <a:tailEnd type="none" w="med" len="med"/>
-                    </a:lnT>
-                    <a:lnB w="28575" cap="flat" cmpd="sng" algn="ctr">
-                      <a:solidFill>
-                        <a:schemeClr val="bg1"/>
-                      </a:solidFill>
-                      <a:prstDash val="solid"/>
-                      <a:round/>
-                      <a:headEnd type="none" w="med" len="med"/>
-                      <a:tailEnd type="none" w="med" len="med"/>
-                    </a:lnB>
-                    <a:lnTlToBr w="12700" cmpd="sng">
-                      <a:noFill/>
-                      <a:prstDash val="solid"/>
-                    </a:lnTlToBr>
-                    <a:lnBlToTr w="12700" cmpd="sng">
-                      <a:noFill/>
-                      <a:prstDash val="solid"/>
-                    </a:lnBlToTr>
-                    <a:solidFill>
-                      <a:srgbClr val="FFFFFF"/>
-                    </a:solidFill>
-                  </a:tcPr>
-                </a:tc>
-                <a:tc gridSpan="2">
-                  <a:txBody>
-                    <a:bodyPr/>
-                    <a:lstStyle/>
-                    <a:p>
-                      <a:pPr marL="0" marR="0" lvl="0" indent="0" algn="l" defTabSz="685792" rtl="0" eaLnBrk="1" fontAlgn="auto" latinLnBrk="0" hangingPunct="1">
-                        <a:lnSpc>
-                          <a:spcPct val="100000"/>
-                        </a:lnSpc>
-                        <a:spcBef>
-                          <a:spcPts val="0"/>
-                        </a:spcBef>
-                        <a:spcAft>
-                          <a:spcPts val="0"/>
-                        </a:spcAft>
-                        <a:buClrTx/>
-                        <a:buSzTx/>
-                        <a:buFontTx/>
-                        <a:buNone/>
-                        <a:tabLst/>
-                        <a:defRPr/>
-                      </a:pPr>
-                      <a:endParaRPr lang="en-US" sz="1200" b="0" kern="1200" dirty="0" smtClean="0">
-                        <a:solidFill>
-                          <a:schemeClr val="tx1"/>
-                        </a:solidFill>
-                        <a:latin typeface="+mn-lt"/>
-                        <a:ea typeface="+mn-ea"/>
-                        <a:cs typeface="+mn-ea"/>
-                        <a:sym typeface="+mn-lt"/>
-                      </a:endParaRPr>
-                    </a:p>
-                  </a:txBody>
-                  <a:tcPr marL="108522" marR="108522" marT="54261" marB="54261" anchor="ctr">
-                    <a:lnL w="12700" cmpd="sng">
-                      <a:noFill/>
-                    </a:lnL>
-                    <a:lnR w="38100" cap="flat" cmpd="sng" algn="ctr">
-                      <a:solidFill>
-                        <a:schemeClr val="bg1"/>
-                      </a:solidFill>
-                      <a:prstDash val="solid"/>
-                      <a:round/>
-                      <a:headEnd type="none" w="med" len="med"/>
-                      <a:tailEnd type="none" w="med" len="med"/>
-                    </a:lnR>
-                    <a:lnT w="38100" cap="flat" cmpd="sng" algn="ctr">
-                      <a:solidFill>
-                        <a:schemeClr val="bg1"/>
-                      </a:solidFill>
-                      <a:prstDash val="solid"/>
-                      <a:round/>
-                      <a:headEnd type="none" w="med" len="med"/>
-                      <a:tailEnd type="none" w="med" len="med"/>
-                    </a:lnT>
-                    <a:lnB w="28575" cap="flat" cmpd="sng" algn="ctr">
-                      <a:solidFill>
-                        <a:schemeClr val="bg1"/>
-                      </a:solidFill>
-                      <a:prstDash val="solid"/>
-                      <a:round/>
-                      <a:headEnd type="none" w="med" len="med"/>
-                      <a:tailEnd type="none" w="med" len="med"/>
-                    </a:lnB>
-                    <a:lnTlToBr w="12700" cmpd="sng">
-                      <a:noFill/>
-                      <a:prstDash val="solid"/>
-                    </a:lnTlToBr>
-                    <a:lnBlToTr w="12700" cmpd="sng">
-                      <a:noFill/>
-                      <a:prstDash val="solid"/>
-                    </a:lnBlToTr>
-                    <a:solidFill>
-                      <a:srgbClr val="F2F3F4"/>
-                    </a:solidFill>
-                  </a:tcPr>
-                </a:tc>
-                <a:tc hMerge="1">
-                  <a:txBody>
-                    <a:bodyPr/>
-                    <a:lstStyle/>
-                    <a:p>
-                      <a:pPr marL="0" marR="0" lvl="0" indent="0" algn="l" defTabSz="685792" rtl="0" eaLnBrk="1" fontAlgn="auto" latinLnBrk="0" hangingPunct="1">
-                        <a:lnSpc>
-                          <a:spcPct val="100000"/>
-                        </a:lnSpc>
-                        <a:spcBef>
-                          <a:spcPts val="0"/>
-                        </a:spcBef>
-                        <a:spcAft>
-                          <a:spcPts val="0"/>
-                        </a:spcAft>
-                        <a:buClrTx/>
-                        <a:buSzTx/>
-                        <a:buFontTx/>
-                        <a:buNone/>
-                        <a:tabLst/>
-                        <a:defRPr/>
-                      </a:pPr>
-                      <a:endParaRPr lang="en-US" sz="1200" b="0" kern="1200" dirty="0" smtClean="0">
-                        <a:solidFill>
-                          <a:schemeClr val="tx1">
-                            <a:lumMod val="75000"/>
-                            <a:lumOff val="25000"/>
-                          </a:schemeClr>
-                        </a:solidFill>
-                        <a:latin typeface="+mn-lt"/>
-                        <a:ea typeface="+mn-ea"/>
-                        <a:cs typeface="+mn-ea"/>
-                      </a:endParaRPr>
-                    </a:p>
-                  </a:txBody>
-                  <a:tcPr marL="108522" marR="108522" marT="54261" marB="54261" anchor="ctr">
-                    <a:lnL w="12700" cmpd="sng">
-                      <a:noFill/>
-                    </a:lnL>
-                    <a:lnR w="38100" cap="flat" cmpd="sng" algn="ctr">
-                      <a:solidFill>
-                        <a:schemeClr val="bg1"/>
-                      </a:solidFill>
-                      <a:prstDash val="solid"/>
-                      <a:round/>
-                      <a:headEnd type="none" w="med" len="med"/>
-                      <a:tailEnd type="none" w="med" len="med"/>
-                    </a:lnR>
-                    <a:lnT w="38100" cap="flat" cmpd="sng" algn="ctr">
-                      <a:solidFill>
-                        <a:schemeClr val="bg1"/>
-                      </a:solidFill>
-                      <a:prstDash val="solid"/>
-                      <a:round/>
-                      <a:headEnd type="none" w="med" len="med"/>
-                      <a:tailEnd type="none" w="med" len="med"/>
-                    </a:lnT>
-                    <a:lnB w="28575" cap="flat" cmpd="sng" algn="ctr">
-                      <a:solidFill>
-                        <a:schemeClr val="bg1"/>
-                      </a:solidFill>
-                      <a:prstDash val="solid"/>
-                      <a:round/>
-                      <a:headEnd type="none" w="med" len="med"/>
-                      <a:tailEnd type="none" w="med" len="med"/>
-                    </a:lnB>
-                    <a:lnTlToBr w="12700" cmpd="sng">
-                      <a:noFill/>
-                      <a:prstDash val="solid"/>
-                    </a:lnTlToBr>
-                    <a:lnBlToTr w="12700" cmpd="sng">
-                      <a:noFill/>
-                      <a:prstDash val="solid"/>
-                    </a:lnBlToTr>
-                    <a:solidFill>
-                      <a:schemeClr val="bg2">
-                        <a:lumMod val="20000"/>
-                        <a:lumOff val="80000"/>
-                      </a:schemeClr>
-                    </a:solidFill>
-                  </a:tcPr>
-                </a:tc>
-                <a:extLst>
-                  <a:ext uri="{0D108BD9-81ED-4DB2-BD59-A6C34878D82A}">
-                    <a16:rowId xmlns:a16="http://schemas.microsoft.com/office/drawing/2014/main" val="1437797630"/>
+                    <a16:rowId xmlns:a16="http://schemas.microsoft.com/office/drawing/2014/main" xmlns="" val="851841494"/>
                   </a:ext>
                 </a:extLst>
               </a:tr>
@@ -10546,7 +9894,7 @@
                     <a:lnR w="12700" cmpd="sng">
                       <a:noFill/>
                     </a:lnR>
-                    <a:lnT w="28575" cap="flat" cmpd="sng" algn="ctr">
+                    <a:lnT w="38100" cap="flat" cmpd="sng" algn="ctr">
                       <a:solidFill>
                         <a:schemeClr val="bg1"/>
                       </a:solidFill>
@@ -10583,18 +9931,6 @@
                     <a:bodyPr/>
                     <a:lstStyle/>
                     <a:p>
-                      <a:r>
-                        <a:rPr lang="en-US" sz="1200" b="0" kern="1200" dirty="0" smtClean="0">
-                          <a:solidFill>
-                            <a:schemeClr val="tx1"/>
-                          </a:solidFill>
-                          <a:latin typeface="+mn-lt"/>
-                          <a:ea typeface="+mn-ea"/>
-                          <a:cs typeface="+mn-ea"/>
-                          <a:sym typeface="+mn-lt"/>
-                        </a:rPr>
-                        <a:t>xx</a:t>
-                      </a:r>
                       <a:endParaRPr lang="en-US" sz="1200" b="0" kern="1200" dirty="0">
                         <a:solidFill>
                           <a:schemeClr val="tx1"/>
@@ -10672,7 +10008,7 @@
                         <a:defRPr/>
                       </a:pPr>
                       <a:r>
-                        <a:rPr lang="en-US" altLang="zh-CN" sz="1200" b="0" kern="1200" dirty="0" smtClean="0">
+                        <a:rPr lang="en-US" sz="1200" b="0" kern="1200" dirty="0" smtClean="0">
                           <a:solidFill>
                             <a:schemeClr val="tx1"/>
                           </a:solidFill>
@@ -10681,7 +10017,7 @@
                           <a:cs typeface="+mn-ea"/>
                           <a:sym typeface="+mn-lt"/>
                         </a:rPr>
-                        <a:t>Vehicle</a:t>
+                        <a:t>Location </a:t>
                       </a:r>
                     </a:p>
                     <a:p>
@@ -10712,9 +10048,9 @@
                           <a:cs typeface="+mn-ea"/>
                           <a:sym typeface="+mn-lt"/>
                         </a:rPr>
-                        <a:t>车辆</a:t>
+                        <a:t>地点</a:t>
                       </a:r>
-                      <a:endParaRPr lang="en-US" altLang="zh-CN" sz="1200" b="0" kern="1200" dirty="0" smtClean="0">
+                      <a:endParaRPr lang="en-US" sz="1200" b="0" kern="1200" dirty="0" smtClean="0">
                         <a:solidFill>
                           <a:schemeClr val="tx1"/>
                         </a:solidFill>
@@ -10795,73 +10131,6 @@
                         <a:tabLst/>
                         <a:defRPr/>
                       </a:pPr>
-                      <a:r>
-                        <a:rPr lang="en-US" sz="1200" b="0" dirty="0" smtClean="0">
-                          <a:solidFill>
-                            <a:schemeClr val="tx1"/>
-                          </a:solidFill>
-                          <a:latin typeface="+mn-lt"/>
-                          <a:ea typeface="+mn-ea"/>
-                          <a:cs typeface="+mn-ea"/>
-                          <a:sym typeface="+mn-lt"/>
-                        </a:rPr>
-                        <a:t>Usage  (Static/Test drive)</a:t>
-                      </a:r>
-                    </a:p>
-                    <a:p>
-                      <a:pPr marL="0" marR="0" lvl="0" indent="0" algn="l" defTabSz="685792" rtl="0" eaLnBrk="1" fontAlgn="auto" latinLnBrk="0" hangingPunct="1">
-                        <a:lnSpc>
-                          <a:spcPct val="100000"/>
-                        </a:lnSpc>
-                        <a:spcBef>
-                          <a:spcPts val="0"/>
-                        </a:spcBef>
-                        <a:spcAft>
-                          <a:spcPts val="0"/>
-                        </a:spcAft>
-                        <a:buClrTx/>
-                        <a:buSzTx/>
-                        <a:buFontTx/>
-                        <a:buNone/>
-                        <a:tabLst/>
-                        <a:defRPr/>
-                      </a:pPr>
-                      <a:r>
-                        <a:rPr lang="zh-CN" altLang="en-US" sz="1200" b="0" dirty="0" smtClean="0">
-                          <a:solidFill>
-                            <a:schemeClr val="tx1"/>
-                          </a:solidFill>
-                          <a:latin typeface="+mn-lt"/>
-                          <a:ea typeface="+mn-ea"/>
-                          <a:cs typeface="+mn-ea"/>
-                          <a:sym typeface="+mn-lt"/>
-                        </a:rPr>
-                        <a:t>用途（静态展示</a:t>
-                      </a:r>
-                      <a:r>
-                        <a:rPr lang="en-US" altLang="zh-CN" sz="1200" b="0" dirty="0" smtClean="0">
-                          <a:solidFill>
-                            <a:schemeClr val="tx1"/>
-                          </a:solidFill>
-                          <a:latin typeface="+mn-lt"/>
-                          <a:ea typeface="+mn-ea"/>
-                          <a:cs typeface="+mn-ea"/>
-                          <a:sym typeface="+mn-lt"/>
-                        </a:rPr>
-                        <a:t>/</a:t>
-                      </a:r>
-                      <a:r>
-                        <a:rPr lang="zh-CN" altLang="en-US" sz="1200" b="0" dirty="0" smtClean="0">
-                          <a:solidFill>
-                            <a:schemeClr val="tx1"/>
-                          </a:solidFill>
-                          <a:latin typeface="+mn-lt"/>
-                          <a:ea typeface="+mn-ea"/>
-                          <a:cs typeface="+mn-ea"/>
-                          <a:sym typeface="+mn-lt"/>
-                        </a:rPr>
-                        <a:t>试驾）</a:t>
-                      </a:r>
                       <a:endParaRPr lang="en-US" sz="1200" b="0" dirty="0" smtClean="0">
                         <a:solidFill>
                           <a:schemeClr val="tx1"/>
@@ -10925,18 +10194,6 @@
                     <a:lstStyle/>
                     <a:p>
                       <a:pPr marL="0" algn="l" defTabSz="685792" rtl="0" eaLnBrk="1" latinLnBrk="0" hangingPunct="1"/>
-                      <a:r>
-                        <a:rPr lang="en-US" sz="1200" b="0" kern="1200" dirty="0" smtClean="0">
-                          <a:solidFill>
-                            <a:schemeClr val="tx1"/>
-                          </a:solidFill>
-                          <a:latin typeface="+mn-lt"/>
-                          <a:ea typeface="+mn-ea"/>
-                          <a:cs typeface="+mn-ea"/>
-                          <a:sym typeface="+mn-lt"/>
-                        </a:rPr>
-                        <a:t>XX</a:t>
-                      </a:r>
                       <a:endParaRPr lang="en-US" sz="1200" b="0" kern="1200" dirty="0">
                         <a:solidFill>
                           <a:schemeClr val="tx1"/>
@@ -10988,7 +10245,7 @@
                 </a:tc>
                 <a:extLst>
                   <a:ext uri="{0D108BD9-81ED-4DB2-BD59-A6C34878D82A}">
-                    <a16:rowId xmlns:a16="http://schemas.microsoft.com/office/drawing/2014/main" val="406495537"/>
+                    <a16:rowId xmlns:a16="http://schemas.microsoft.com/office/drawing/2014/main" xmlns="" val="406495537"/>
                   </a:ext>
                 </a:extLst>
               </a:tr>
@@ -11177,18 +10434,6 @@
                     <a:bodyPr/>
                     <a:lstStyle/>
                     <a:p>
-                      <a:r>
-                        <a:rPr lang="en-US" sz="1200" b="0" dirty="0" smtClean="0">
-                          <a:solidFill>
-                            <a:schemeClr val="tx1"/>
-                          </a:solidFill>
-                          <a:latin typeface="+mn-lt"/>
-                          <a:ea typeface="+mn-ea"/>
-                          <a:cs typeface="+mn-ea"/>
-                          <a:sym typeface="+mn-lt"/>
-                        </a:rPr>
-                        <a:t>xx</a:t>
-                      </a:r>
                       <a:endParaRPr lang="en-US" sz="1200" b="0" dirty="0">
                         <a:solidFill>
                           <a:schemeClr val="tx1"/>
@@ -11258,32 +10503,6 @@
                     <a:bodyPr/>
                     <a:lstStyle/>
                     <a:p>
-                      <a:r>
-                        <a:rPr lang="en-US" sz="1200" b="0" dirty="0" smtClean="0">
-                          <a:solidFill>
-                            <a:schemeClr val="tx1"/>
-                          </a:solidFill>
-                          <a:latin typeface="+mn-lt"/>
-                          <a:ea typeface="+mn-ea"/>
-                          <a:cs typeface="+mn-ea"/>
-                          <a:sym typeface="+mn-lt"/>
-                        </a:rPr>
-                        <a:t>Model</a:t>
-                      </a:r>
-                    </a:p>
-                    <a:p>
-                      <a:r>
-                        <a:rPr lang="zh-CN" altLang="en-US" sz="1200" b="0" dirty="0" smtClean="0">
-                          <a:solidFill>
-                            <a:schemeClr val="tx1"/>
-                          </a:solidFill>
-                          <a:latin typeface="+mn-lt"/>
-                          <a:ea typeface="+mn-ea"/>
-                          <a:cs typeface="+mn-ea"/>
-                          <a:sym typeface="+mn-lt"/>
-                        </a:rPr>
-                        <a:t>型号</a:t>
-                      </a:r>
                       <a:endParaRPr lang="en-US" sz="1200" b="0" dirty="0">
                         <a:solidFill>
                           <a:schemeClr val="tx1"/>
@@ -11345,18 +10564,6 @@
                     <a:lstStyle/>
                     <a:p>
                       <a:pPr marL="0" algn="l" defTabSz="685792" rtl="0" eaLnBrk="1" latinLnBrk="0" hangingPunct="1"/>
-                      <a:r>
-                        <a:rPr lang="en-US" sz="1200" b="0" kern="1200" dirty="0" smtClean="0">
-                          <a:solidFill>
-                            <a:schemeClr val="tx1"/>
-                          </a:solidFill>
-                          <a:latin typeface="+mn-lt"/>
-                          <a:ea typeface="+mn-ea"/>
-                          <a:cs typeface="+mn-ea"/>
-                          <a:sym typeface="+mn-lt"/>
-                        </a:rPr>
-                        <a:t>XX</a:t>
-                      </a:r>
                       <a:endParaRPr lang="en-US" sz="1200" b="0" kern="1200" dirty="0">
                         <a:solidFill>
                           <a:schemeClr val="tx1"/>
@@ -11402,7 +10609,7 @@
                 </a:tc>
                 <a:extLst>
                   <a:ext uri="{0D108BD9-81ED-4DB2-BD59-A6C34878D82A}">
-                    <a16:rowId xmlns:a16="http://schemas.microsoft.com/office/drawing/2014/main" val="2200042587"/>
+                    <a16:rowId xmlns:a16="http://schemas.microsoft.com/office/drawing/2014/main" xmlns="" val="2200042587"/>
                   </a:ext>
                 </a:extLst>
               </a:tr>
@@ -11594,18 +10801,15 @@
                         <a:tabLst/>
                         <a:defRPr/>
                       </a:pPr>
-                      <a:r>
-                        <a:rPr lang="en-US" altLang="zh-CN" sz="1200" b="0" kern="1200" dirty="0" smtClean="0">
-                          <a:solidFill>
-                            <a:schemeClr val="tx1"/>
-                          </a:solidFill>
-                          <a:latin typeface="+mn-lt"/>
-                          <a:ea typeface="+mn-ea"/>
-                          <a:cs typeface="+mn-ea"/>
-                          <a:sym typeface="+mn-lt"/>
-                        </a:rPr>
-                        <a:t>RMB X,XXX</a:t>
-                      </a:r>
+                      <a:endParaRPr lang="en-US" altLang="zh-CN" sz="1200" b="0" kern="1200" dirty="0" smtClean="0">
+                        <a:solidFill>
+                          <a:schemeClr val="tx1"/>
+                        </a:solidFill>
+                        <a:latin typeface="+mn-lt"/>
+                        <a:ea typeface="+mn-ea"/>
+                        <a:cs typeface="+mn-ea"/>
+                        <a:sym typeface="+mn-lt"/>
+                      </a:endParaRPr>
                     </a:p>
                   </a:txBody>
                   <a:tcPr marL="108522" marR="108522" marT="54261" marB="54261" anchor="ctr">
@@ -11681,7 +10885,7 @@
                 </a:tc>
                 <a:extLst>
                   <a:ext uri="{0D108BD9-81ED-4DB2-BD59-A6C34878D82A}">
-                    <a16:rowId xmlns:a16="http://schemas.microsoft.com/office/drawing/2014/main" val="4069117920"/>
+                    <a16:rowId xmlns:a16="http://schemas.microsoft.com/office/drawing/2014/main" xmlns="" val="4069117920"/>
                   </a:ext>
                 </a:extLst>
               </a:tr>
@@ -11874,18 +11078,6 @@
                         <a:tabLst/>
                         <a:defRPr/>
                       </a:pPr>
-                      <a:r>
-                        <a:rPr lang="en-US" sz="1200" b="0" kern="1200" dirty="0" smtClean="0">
-                          <a:solidFill>
-                            <a:schemeClr val="tx1"/>
-                          </a:solidFill>
-                          <a:latin typeface="+mn-lt"/>
-                          <a:ea typeface="+mn-ea"/>
-                          <a:cs typeface="+mn-ea"/>
-                          <a:sym typeface="+mn-lt"/>
-                        </a:rPr>
-                        <a:t>xx</a:t>
-                      </a:r>
                       <a:endParaRPr lang="en-US" sz="1200" b="0" kern="1200" dirty="0">
                         <a:solidFill>
                           <a:schemeClr val="tx1"/>
@@ -11957,32 +11149,6 @@
                     <a:bodyPr/>
                     <a:lstStyle/>
                     <a:p>
-                      <a:r>
-                        <a:rPr lang="en-US" sz="1200" b="0" dirty="0" smtClean="0">
-                          <a:solidFill>
-                            <a:schemeClr val="tx1"/>
-                          </a:solidFill>
-                          <a:latin typeface="+mn-lt"/>
-                          <a:ea typeface="+mn-ea"/>
-                          <a:cs typeface="+mn-ea"/>
-                          <a:sym typeface="+mn-lt"/>
-                        </a:rPr>
-                        <a:t>Qty.</a:t>
-                      </a:r>
-                    </a:p>
-                    <a:p>
-                      <a:r>
-                        <a:rPr lang="zh-CN" altLang="en-US" sz="1200" b="0" dirty="0" smtClean="0">
-                          <a:solidFill>
-                            <a:schemeClr val="tx1"/>
-                          </a:solidFill>
-                          <a:latin typeface="+mn-lt"/>
-                          <a:ea typeface="+mn-ea"/>
-                          <a:cs typeface="+mn-ea"/>
-                          <a:sym typeface="+mn-lt"/>
-                        </a:rPr>
-                        <a:t>数量</a:t>
-                      </a:r>
                       <a:endParaRPr lang="en-US" sz="1200" b="0" dirty="0">
                         <a:solidFill>
                           <a:schemeClr val="tx1"/>
@@ -12046,18 +11212,6 @@
                     <a:lstStyle/>
                     <a:p>
                       <a:pPr marL="0" algn="l" defTabSz="685792" rtl="0" eaLnBrk="1" latinLnBrk="0" hangingPunct="1"/>
-                      <a:r>
-                        <a:rPr lang="en-US" sz="1200" b="0" kern="1200" dirty="0" smtClean="0">
-                          <a:solidFill>
-                            <a:schemeClr val="tx1"/>
-                          </a:solidFill>
-                          <a:latin typeface="+mn-lt"/>
-                          <a:ea typeface="+mn-ea"/>
-                          <a:cs typeface="+mn-ea"/>
-                          <a:sym typeface="+mn-lt"/>
-                        </a:rPr>
-                        <a:t>XX</a:t>
-                      </a:r>
                       <a:endParaRPr lang="en-US" sz="1200" b="0" kern="1200" dirty="0">
                         <a:solidFill>
                           <a:schemeClr val="tx1"/>
@@ -12109,7 +11263,7 @@
                 </a:tc>
                 <a:extLst>
                   <a:ext uri="{0D108BD9-81ED-4DB2-BD59-A6C34878D82A}">
-                    <a16:rowId xmlns:a16="http://schemas.microsoft.com/office/drawing/2014/main" val="2348740028"/>
+                    <a16:rowId xmlns:a16="http://schemas.microsoft.com/office/drawing/2014/main" xmlns="" val="2348740028"/>
                   </a:ext>
                 </a:extLst>
               </a:tr>
@@ -12231,13 +11385,13 @@
             </p:custDataLst>
             <p:extLst>
               <p:ext uri="{D42A27DB-BD31-4B8C-83A1-F6EECF244321}">
-                <p14:modId xmlns:p14="http://schemas.microsoft.com/office/powerpoint/2010/main" val="1698575428"/>
+                <p14:modId xmlns:p14="http://schemas.microsoft.com/office/powerpoint/2010/main" val="3993723744"/>
               </p:ext>
             </p:extLst>
           </p:nvPr>
         </p:nvGraphicFramePr>
         <p:xfrm>
-          <a:off x="587372" y="4732273"/>
+          <a:off x="587372" y="4245295"/>
           <a:ext cx="11032368" cy="871454"/>
         </p:xfrm>
         <a:graphic>
@@ -12248,35 +11402,35 @@
                 <a:gridCol w="2454326">
                   <a:extLst>
                     <a:ext uri="{9D8B030D-6E8A-4147-A177-3AD203B41FA5}">
-                      <a16:colId xmlns:a16="http://schemas.microsoft.com/office/drawing/2014/main" val="20000"/>
+                      <a16:colId xmlns:a16="http://schemas.microsoft.com/office/drawing/2014/main" xmlns="" val="20000"/>
                     </a:ext>
                   </a:extLst>
                 </a:gridCol>
                 <a:gridCol w="2306453">
                   <a:extLst>
                     <a:ext uri="{9D8B030D-6E8A-4147-A177-3AD203B41FA5}">
-                      <a16:colId xmlns:a16="http://schemas.microsoft.com/office/drawing/2014/main" val="20002"/>
+                      <a16:colId xmlns:a16="http://schemas.microsoft.com/office/drawing/2014/main" xmlns="" val="20002"/>
                     </a:ext>
                   </a:extLst>
                 </a:gridCol>
                 <a:gridCol w="2254336">
                   <a:extLst>
                     <a:ext uri="{9D8B030D-6E8A-4147-A177-3AD203B41FA5}">
-                      <a16:colId xmlns:a16="http://schemas.microsoft.com/office/drawing/2014/main" val="2575180168"/>
+                      <a16:colId xmlns:a16="http://schemas.microsoft.com/office/drawing/2014/main" xmlns="" val="2575180168"/>
                     </a:ext>
                   </a:extLst>
                 </a:gridCol>
                 <a:gridCol w="2355667">
                   <a:extLst>
                     <a:ext uri="{9D8B030D-6E8A-4147-A177-3AD203B41FA5}">
-                      <a16:colId xmlns:a16="http://schemas.microsoft.com/office/drawing/2014/main" val="20003"/>
+                      <a16:colId xmlns:a16="http://schemas.microsoft.com/office/drawing/2014/main" xmlns="" val="20003"/>
                     </a:ext>
                   </a:extLst>
                 </a:gridCol>
                 <a:gridCol w="1661586">
                   <a:extLst>
                     <a:ext uri="{9D8B030D-6E8A-4147-A177-3AD203B41FA5}">
-                      <a16:colId xmlns:a16="http://schemas.microsoft.com/office/drawing/2014/main" val="1141158204"/>
+                      <a16:colId xmlns:a16="http://schemas.microsoft.com/office/drawing/2014/main" xmlns="" val="1141158204"/>
                     </a:ext>
                   </a:extLst>
                 </a:gridCol>
@@ -12960,7 +12114,7 @@
                 </a:tc>
                 <a:extLst>
                   <a:ext uri="{0D108BD9-81ED-4DB2-BD59-A6C34878D82A}">
-                    <a16:rowId xmlns:a16="http://schemas.microsoft.com/office/drawing/2014/main" val="10000"/>
+                    <a16:rowId xmlns:a16="http://schemas.microsoft.com/office/drawing/2014/main" xmlns="" val="10000"/>
                   </a:ext>
                 </a:extLst>
               </a:tr>
@@ -13348,7 +12502,7 @@
                 </a:tc>
                 <a:extLst>
                   <a:ext uri="{0D108BD9-81ED-4DB2-BD59-A6C34878D82A}">
-                    <a16:rowId xmlns:a16="http://schemas.microsoft.com/office/drawing/2014/main" val="3242880312"/>
+                    <a16:rowId xmlns:a16="http://schemas.microsoft.com/office/drawing/2014/main" xmlns="" val="3242880312"/>
                   </a:ext>
                 </a:extLst>
               </a:tr>
@@ -13713,7 +12867,7 @@
           <p:nvPr>
             <p:extLst>
               <p:ext uri="{D42A27DB-BD31-4B8C-83A1-F6EECF244321}">
-                <p14:modId xmlns:p14="http://schemas.microsoft.com/office/powerpoint/2010/main" val="1371539359"/>
+                <p14:modId xmlns:p14="http://schemas.microsoft.com/office/powerpoint/2010/main" val="2824981620"/>
               </p:ext>
             </p:extLst>
           </p:nvPr>
@@ -13732,63 +12886,63 @@
                 <a:gridCol w="835571">
                   <a:extLst>
                     <a:ext uri="{9D8B030D-6E8A-4147-A177-3AD203B41FA5}">
-                      <a16:colId xmlns:a16="http://schemas.microsoft.com/office/drawing/2014/main" val="2715221625"/>
+                      <a16:colId xmlns:a16="http://schemas.microsoft.com/office/drawing/2014/main" xmlns="" val="2715221625"/>
                     </a:ext>
                   </a:extLst>
                 </a:gridCol>
                 <a:gridCol w="835571">
                   <a:extLst>
                     <a:ext uri="{9D8B030D-6E8A-4147-A177-3AD203B41FA5}">
-                      <a16:colId xmlns:a16="http://schemas.microsoft.com/office/drawing/2014/main" val="1722467380"/>
+                      <a16:colId xmlns:a16="http://schemas.microsoft.com/office/drawing/2014/main" xmlns="" val="1722467380"/>
                     </a:ext>
                   </a:extLst>
                 </a:gridCol>
                 <a:gridCol w="1132729">
                   <a:extLst>
                     <a:ext uri="{9D8B030D-6E8A-4147-A177-3AD203B41FA5}">
-                      <a16:colId xmlns:a16="http://schemas.microsoft.com/office/drawing/2014/main" val="8733085"/>
+                      <a16:colId xmlns:a16="http://schemas.microsoft.com/office/drawing/2014/main" xmlns="" val="8733085"/>
                     </a:ext>
                   </a:extLst>
                 </a:gridCol>
                 <a:gridCol w="879661">
                   <a:extLst>
                     <a:ext uri="{9D8B030D-6E8A-4147-A177-3AD203B41FA5}">
-                      <a16:colId xmlns:a16="http://schemas.microsoft.com/office/drawing/2014/main" val="2034639721"/>
+                      <a16:colId xmlns:a16="http://schemas.microsoft.com/office/drawing/2014/main" xmlns="" val="2034639721"/>
                     </a:ext>
                   </a:extLst>
                 </a:gridCol>
                 <a:gridCol w="1924210">
                   <a:extLst>
                     <a:ext uri="{9D8B030D-6E8A-4147-A177-3AD203B41FA5}">
-                      <a16:colId xmlns:a16="http://schemas.microsoft.com/office/drawing/2014/main" val="984284813"/>
+                      <a16:colId xmlns:a16="http://schemas.microsoft.com/office/drawing/2014/main" xmlns="" val="984284813"/>
                     </a:ext>
                   </a:extLst>
                 </a:gridCol>
                 <a:gridCol w="1597470">
                   <a:extLst>
                     <a:ext uri="{9D8B030D-6E8A-4147-A177-3AD203B41FA5}">
-                      <a16:colId xmlns:a16="http://schemas.microsoft.com/office/drawing/2014/main" val="610353967"/>
+                      <a16:colId xmlns:a16="http://schemas.microsoft.com/office/drawing/2014/main" xmlns="" val="610353967"/>
                     </a:ext>
                   </a:extLst>
                 </a:gridCol>
                 <a:gridCol w="1206400">
                   <a:extLst>
                     <a:ext uri="{9D8B030D-6E8A-4147-A177-3AD203B41FA5}">
-                      <a16:colId xmlns:a16="http://schemas.microsoft.com/office/drawing/2014/main" val="2199988680"/>
+                      <a16:colId xmlns:a16="http://schemas.microsoft.com/office/drawing/2014/main" xmlns="" val="2199988680"/>
                     </a:ext>
                   </a:extLst>
                 </a:gridCol>
                 <a:gridCol w="921453">
                   <a:extLst>
                     <a:ext uri="{9D8B030D-6E8A-4147-A177-3AD203B41FA5}">
-                      <a16:colId xmlns:a16="http://schemas.microsoft.com/office/drawing/2014/main" val="1060807198"/>
+                      <a16:colId xmlns:a16="http://schemas.microsoft.com/office/drawing/2014/main" xmlns="" val="1060807198"/>
                     </a:ext>
                   </a:extLst>
                 </a:gridCol>
                 <a:gridCol w="1882417">
                   <a:extLst>
                     <a:ext uri="{9D8B030D-6E8A-4147-A177-3AD203B41FA5}">
-                      <a16:colId xmlns:a16="http://schemas.microsoft.com/office/drawing/2014/main" val="3687281855"/>
+                      <a16:colId xmlns:a16="http://schemas.microsoft.com/office/drawing/2014/main" xmlns="" val="3687281855"/>
                     </a:ext>
                   </a:extLst>
                 </a:gridCol>
@@ -13919,7 +13073,7 @@
                 </a:tc>
                 <a:extLst>
                   <a:ext uri="{0D108BD9-81ED-4DB2-BD59-A6C34878D82A}">
-                    <a16:rowId xmlns:a16="http://schemas.microsoft.com/office/drawing/2014/main" val="132260445"/>
+                    <a16:rowId xmlns:a16="http://schemas.microsoft.com/office/drawing/2014/main" xmlns="" val="132260445"/>
                   </a:ext>
                 </a:extLst>
               </a:tr>
@@ -13988,18 +13142,15 @@
                         <a:buFontTx/>
                         <a:buNone/>
                       </a:pPr>
-                      <a:r>
-                        <a:rPr lang="en-US" altLang="zh-CN" sz="1200" b="0" dirty="0" smtClean="0">
-                          <a:solidFill>
-                            <a:schemeClr val="tx1"/>
-                          </a:solidFill>
-                          <a:latin typeface="+mn-lt"/>
-                          <a:ea typeface="+mn-ea"/>
-                          <a:cs typeface="+mn-ea"/>
-                          <a:sym typeface="+mn-lt"/>
-                        </a:rPr>
-                        <a:t>RMB XX,XXX</a:t>
-                      </a:r>
+                      <a:endParaRPr lang="en-US" altLang="zh-CN" sz="1200" b="0" dirty="0" smtClean="0">
+                        <a:solidFill>
+                          <a:schemeClr val="tx1"/>
+                        </a:solidFill>
+                        <a:latin typeface="+mn-lt"/>
+                        <a:ea typeface="+mn-ea"/>
+                        <a:cs typeface="+mn-ea"/>
+                        <a:sym typeface="+mn-lt"/>
+                      </a:endParaRPr>
                     </a:p>
                   </a:txBody>
                   <a:tcPr anchor="ctr">
@@ -14072,7 +13223,7 @@
                 </a:tc>
                 <a:extLst>
                   <a:ext uri="{0D108BD9-81ED-4DB2-BD59-A6C34878D82A}">
-                    <a16:rowId xmlns:a16="http://schemas.microsoft.com/office/drawing/2014/main" val="1454925855"/>
+                    <a16:rowId xmlns:a16="http://schemas.microsoft.com/office/drawing/2014/main" xmlns="" val="1454925855"/>
                   </a:ext>
                 </a:extLst>
               </a:tr>
@@ -14137,15 +13288,12 @@
                     <a:bodyPr/>
                     <a:lstStyle/>
                     <a:p>
-                      <a:r>
-                        <a:rPr lang="en-US" sz="1200" dirty="0" smtClean="0">
-                          <a:latin typeface="+mn-lt"/>
-                          <a:ea typeface="+mn-ea"/>
-                          <a:cs typeface="+mn-ea"/>
-                          <a:sym typeface="+mn-lt"/>
-                        </a:rPr>
-                        <a:t>RMB XX,XXX</a:t>
-                      </a:r>
+                      <a:endParaRPr lang="en-US" sz="1200" dirty="0" smtClean="0">
+                        <a:latin typeface="+mn-lt"/>
+                        <a:ea typeface="+mn-ea"/>
+                        <a:cs typeface="+mn-ea"/>
+                        <a:sym typeface="+mn-lt"/>
+                      </a:endParaRPr>
                     </a:p>
                   </a:txBody>
                   <a:tcPr anchor="ctr">
@@ -14218,7 +13366,7 @@
                 </a:tc>
                 <a:extLst>
                   <a:ext uri="{0D108BD9-81ED-4DB2-BD59-A6C34878D82A}">
-                    <a16:rowId xmlns:a16="http://schemas.microsoft.com/office/drawing/2014/main" val="1815440894"/>
+                    <a16:rowId xmlns:a16="http://schemas.microsoft.com/office/drawing/2014/main" xmlns="" val="1815440894"/>
                   </a:ext>
                 </a:extLst>
               </a:tr>
@@ -14340,7 +13488,7 @@
                 </a:tc>
                 <a:extLst>
                   <a:ext uri="{0D108BD9-81ED-4DB2-BD59-A6C34878D82A}">
-                    <a16:rowId xmlns:a16="http://schemas.microsoft.com/office/drawing/2014/main" val="344899817"/>
+                    <a16:rowId xmlns:a16="http://schemas.microsoft.com/office/drawing/2014/main" xmlns="" val="344899817"/>
                   </a:ext>
                 </a:extLst>
               </a:tr>
@@ -14491,7 +13639,7 @@
                 </a:tc>
                 <a:extLst>
                   <a:ext uri="{0D108BD9-81ED-4DB2-BD59-A6C34878D82A}">
-                    <a16:rowId xmlns:a16="http://schemas.microsoft.com/office/drawing/2014/main" val="1268840849"/>
+                    <a16:rowId xmlns:a16="http://schemas.microsoft.com/office/drawing/2014/main" xmlns="" val="1268840849"/>
                   </a:ext>
                 </a:extLst>
               </a:tr>
@@ -14929,7 +14077,7 @@
                 </a:tc>
                 <a:extLst>
                   <a:ext uri="{0D108BD9-81ED-4DB2-BD59-A6C34878D82A}">
-                    <a16:rowId xmlns:a16="http://schemas.microsoft.com/office/drawing/2014/main" val="3241501689"/>
+                    <a16:rowId xmlns:a16="http://schemas.microsoft.com/office/drawing/2014/main" xmlns="" val="3241501689"/>
                   </a:ext>
                 </a:extLst>
               </a:tr>
@@ -15013,18 +14161,15 @@
                         <a:buFontTx/>
                         <a:buNone/>
                       </a:pPr>
-                      <a:r>
-                        <a:rPr lang="en-US" altLang="zh-CN" sz="1200" b="0" dirty="0" smtClean="0">
-                          <a:solidFill>
-                            <a:schemeClr val="tx1"/>
-                          </a:solidFill>
-                          <a:latin typeface="+mn-lt"/>
-                          <a:ea typeface="+mn-ea"/>
-                          <a:cs typeface="+mn-ea"/>
-                          <a:sym typeface="+mn-lt"/>
-                        </a:rPr>
-                        <a:t>RMB XX,XXX</a:t>
-                      </a:r>
+                      <a:endParaRPr lang="en-US" altLang="zh-CN" sz="1200" b="0" dirty="0" smtClean="0">
+                        <a:solidFill>
+                          <a:schemeClr val="tx1"/>
+                        </a:solidFill>
+                        <a:latin typeface="+mn-lt"/>
+                        <a:ea typeface="+mn-ea"/>
+                        <a:cs typeface="+mn-ea"/>
+                        <a:sym typeface="+mn-lt"/>
+                      </a:endParaRPr>
                     </a:p>
                   </a:txBody>
                   <a:tcPr anchor="ctr">
@@ -15042,42 +14187,6 @@
                         <a:buFontTx/>
                         <a:buNone/>
                       </a:pPr>
-                      <a:r>
-                        <a:rPr lang="zh-CN" altLang="en-US" sz="1200" b="0" dirty="0" smtClean="0">
-                          <a:solidFill>
-                            <a:schemeClr val="tx1"/>
-                          </a:solidFill>
-                          <a:latin typeface="+mn-lt"/>
-                          <a:ea typeface="+mn-ea"/>
-                          <a:cs typeface="+mn-ea"/>
-                          <a:sym typeface="+mn-lt"/>
-                        </a:rPr>
-                        <a:t>是</a:t>
-                      </a:r>
-                      <a:r>
-                        <a:rPr lang="en-US" altLang="zh-CN" sz="1200" b="0" dirty="0" smtClean="0">
-                          <a:solidFill>
-                            <a:schemeClr val="tx1"/>
-                          </a:solidFill>
-                          <a:latin typeface="+mn-lt"/>
-                          <a:ea typeface="+mn-ea"/>
-                          <a:cs typeface="+mn-ea"/>
-                          <a:sym typeface="+mn-lt"/>
-                        </a:rPr>
-                        <a:t>/</a:t>
-                      </a:r>
-                      <a:r>
-                        <a:rPr lang="zh-CN" altLang="en-US" sz="1200" b="0" dirty="0" smtClean="0">
-                          <a:solidFill>
-                            <a:schemeClr val="tx1"/>
-                          </a:solidFill>
-                          <a:latin typeface="+mn-lt"/>
-                          <a:ea typeface="+mn-ea"/>
-                          <a:cs typeface="+mn-ea"/>
-                          <a:sym typeface="+mn-lt"/>
-                        </a:rPr>
-                        <a:t>否</a:t>
-                      </a:r>
                       <a:endParaRPr lang="en-US" altLang="zh-CN" sz="1200" b="0" dirty="0" smtClean="0">
                         <a:solidFill>
                           <a:schemeClr val="tx1"/>
@@ -15104,34 +14213,17 @@
                         <a:buFontTx/>
                         <a:buNone/>
                       </a:pPr>
-                      <a:r>
-                        <a:rPr lang="zh-CN" altLang="en-US" sz="1000" b="0" dirty="0" smtClean="0">
-                          <a:solidFill>
-                            <a:schemeClr val="accent1">
-                              <a:lumMod val="75000"/>
-                            </a:schemeClr>
-                          </a:solidFill>
-                          <a:latin typeface="+mn-lt"/>
-                          <a:ea typeface="+mn-ea"/>
-                          <a:cs typeface="+mn-ea"/>
-                          <a:sym typeface="+mn-lt"/>
-                        </a:rPr>
-                        <a:t>选择</a:t>
-                      </a:r>
-                      <a:r>
-                        <a:rPr lang="zh-CN" altLang="en-US" sz="1000" b="0" dirty="0" smtClean="0">
-                          <a:solidFill>
-                            <a:schemeClr val="accent1">
-                              <a:lumMod val="75000"/>
-                            </a:schemeClr>
-                          </a:solidFill>
-                          <a:latin typeface="+mn-lt"/>
-                          <a:ea typeface="+mn-ea"/>
-                          <a:cs typeface="+mn-ea"/>
-                          <a:sym typeface="+mn-lt"/>
-                        </a:rPr>
-                        <a:t>理由</a:t>
-                      </a:r>
+                      <a:endParaRPr lang="zh-CN" altLang="en-US" sz="1000" b="0" dirty="0" smtClean="0">
+                        <a:solidFill>
+                          <a:schemeClr val="accent1">
+                            <a:lumMod val="75000"/>
+                          </a:schemeClr>
+                        </a:solidFill>
+                        <a:latin typeface="+mn-lt"/>
+                        <a:ea typeface="+mn-ea"/>
+                        <a:cs typeface="+mn-ea"/>
+                        <a:sym typeface="+mn-lt"/>
+                      </a:endParaRPr>
                     </a:p>
                   </a:txBody>
                   <a:tcPr>
@@ -15229,18 +14321,15 @@
                         <a:buFontTx/>
                         <a:buNone/>
                       </a:pPr>
-                      <a:r>
-                        <a:rPr lang="en-US" altLang="zh-CN" sz="1200" b="0" dirty="0" smtClean="0">
-                          <a:solidFill>
-                            <a:schemeClr val="tx1"/>
-                          </a:solidFill>
-                          <a:latin typeface="+mn-lt"/>
-                          <a:ea typeface="+mn-ea"/>
-                          <a:cs typeface="+mn-ea"/>
-                          <a:sym typeface="+mn-lt"/>
-                        </a:rPr>
-                        <a:t>RMB XX,XXX</a:t>
-                      </a:r>
+                      <a:endParaRPr lang="en-US" altLang="zh-CN" sz="1200" b="0" dirty="0" smtClean="0">
+                        <a:solidFill>
+                          <a:schemeClr val="tx1"/>
+                        </a:solidFill>
+                        <a:latin typeface="+mn-lt"/>
+                        <a:ea typeface="+mn-ea"/>
+                        <a:cs typeface="+mn-ea"/>
+                        <a:sym typeface="+mn-lt"/>
+                      </a:endParaRPr>
                     </a:p>
                   </a:txBody>
                   <a:tcPr anchor="ctr">
@@ -15370,226 +14459,6 @@
                         <a:tabLst/>
                         <a:defRPr/>
                       </a:pPr>
-                      <a:r>
-                        <a:rPr kumimoji="0" lang="zh-CN" altLang="en-US" sz="1000" b="0" i="0" u="none" strike="noStrike" kern="1200" cap="none" spc="0" normalizeH="0" baseline="0" noProof="0" dirty="0" smtClean="0">
-                          <a:ln>
-                            <a:noFill/>
-                          </a:ln>
-                          <a:solidFill>
-                            <a:schemeClr val="accent1">
-                              <a:lumMod val="75000"/>
-                            </a:schemeClr>
-                          </a:solidFill>
-                          <a:effectLst/>
-                          <a:uLnTx/>
-                          <a:uFillTx/>
-                          <a:latin typeface="+mn-lt"/>
-                          <a:ea typeface="+mn-ea"/>
-                          <a:cs typeface="+mn-ea"/>
-                          <a:sym typeface="+mn-lt"/>
-                        </a:rPr>
-                        <a:t>摄影师人数</a:t>
-                      </a:r>
-                      <a:r>
-                        <a:rPr kumimoji="0" lang="en-US" altLang="zh-CN" sz="1000" b="0" i="0" u="none" strike="noStrike" kern="1200" cap="none" spc="0" normalizeH="0" baseline="0" noProof="0" dirty="0" smtClean="0">
-                          <a:ln>
-                            <a:noFill/>
-                          </a:ln>
-                          <a:solidFill>
-                            <a:schemeClr val="accent1">
-                              <a:lumMod val="75000"/>
-                            </a:schemeClr>
-                          </a:solidFill>
-                          <a:effectLst/>
-                          <a:uLnTx/>
-                          <a:uFillTx/>
-                          <a:latin typeface="+mn-lt"/>
-                          <a:ea typeface="+mn-ea"/>
-                          <a:cs typeface="+mn-ea"/>
-                          <a:sym typeface="+mn-lt"/>
-                        </a:rPr>
-                        <a:t>/</a:t>
-                      </a:r>
-                      <a:r>
-                        <a:rPr kumimoji="0" lang="zh-CN" altLang="en-US" sz="1000" b="0" i="0" u="none" strike="noStrike" kern="1200" cap="none" spc="0" normalizeH="0" baseline="0" noProof="0" dirty="0" smtClean="0">
-                          <a:ln>
-                            <a:noFill/>
-                          </a:ln>
-                          <a:solidFill>
-                            <a:schemeClr val="accent1">
-                              <a:lumMod val="75000"/>
-                            </a:schemeClr>
-                          </a:solidFill>
-                          <a:effectLst/>
-                          <a:uLnTx/>
-                          <a:uFillTx/>
-                          <a:latin typeface="+mn-lt"/>
-                          <a:ea typeface="+mn-ea"/>
-                          <a:cs typeface="+mn-ea"/>
-                          <a:sym typeface="+mn-lt"/>
-                        </a:rPr>
-                        <a:t>从业年限</a:t>
-                      </a:r>
-                      <a:r>
-                        <a:rPr kumimoji="0" lang="en-US" altLang="zh-CN" sz="1000" b="0" i="0" u="none" strike="noStrike" kern="1200" cap="none" spc="0" normalizeH="0" baseline="0" noProof="0" dirty="0" smtClean="0">
-                          <a:ln>
-                            <a:noFill/>
-                          </a:ln>
-                          <a:solidFill>
-                            <a:schemeClr val="accent1">
-                              <a:lumMod val="75000"/>
-                            </a:schemeClr>
-                          </a:solidFill>
-                          <a:effectLst/>
-                          <a:uLnTx/>
-                          <a:uFillTx/>
-                          <a:latin typeface="+mn-lt"/>
-                          <a:ea typeface="+mn-ea"/>
-                          <a:cs typeface="+mn-ea"/>
-                          <a:sym typeface="+mn-lt"/>
-                        </a:rPr>
-                        <a:t>/</a:t>
-                      </a:r>
-                      <a:r>
-                        <a:rPr kumimoji="0" lang="zh-CN" altLang="en-US" sz="1000" b="0" i="0" u="none" strike="noStrike" kern="1200" cap="none" spc="0" normalizeH="0" baseline="0" noProof="0" dirty="0" smtClean="0">
-                          <a:ln>
-                            <a:noFill/>
-                          </a:ln>
-                          <a:solidFill>
-                            <a:schemeClr val="accent1">
-                              <a:lumMod val="75000"/>
-                            </a:schemeClr>
-                          </a:solidFill>
-                          <a:effectLst/>
-                          <a:uLnTx/>
-                          <a:uFillTx/>
-                          <a:latin typeface="+mn-lt"/>
-                          <a:ea typeface="+mn-ea"/>
-                          <a:cs typeface="+mn-ea"/>
-                          <a:sym typeface="+mn-lt"/>
-                        </a:rPr>
-                        <a:t>拍摄时长</a:t>
-                      </a:r>
-                      <a:r>
-                        <a:rPr kumimoji="0" lang="en-US" altLang="zh-CN" sz="1000" b="0" i="0" u="none" strike="noStrike" kern="1200" cap="none" spc="0" normalizeH="0" baseline="0" noProof="0" dirty="0" smtClean="0">
-                          <a:ln>
-                            <a:noFill/>
-                          </a:ln>
-                          <a:solidFill>
-                            <a:schemeClr val="accent1">
-                              <a:lumMod val="75000"/>
-                            </a:schemeClr>
-                          </a:solidFill>
-                          <a:effectLst/>
-                          <a:uLnTx/>
-                          <a:uFillTx/>
-                          <a:latin typeface="+mn-lt"/>
-                          <a:ea typeface="+mn-ea"/>
-                          <a:cs typeface="+mn-ea"/>
-                          <a:sym typeface="+mn-lt"/>
-                        </a:rPr>
-                        <a:t>/</a:t>
-                      </a:r>
-                      <a:r>
-                        <a:rPr kumimoji="0" lang="zh-CN" altLang="en-US" sz="1000" b="0" i="0" u="none" strike="noStrike" kern="1200" cap="none" spc="0" normalizeH="0" baseline="0" noProof="0" dirty="0" smtClean="0">
-                          <a:ln>
-                            <a:noFill/>
-                          </a:ln>
-                          <a:solidFill>
-                            <a:schemeClr val="accent1">
-                              <a:lumMod val="75000"/>
-                            </a:schemeClr>
-                          </a:solidFill>
-                          <a:effectLst/>
-                          <a:uLnTx/>
-                          <a:uFillTx/>
-                          <a:latin typeface="+mn-lt"/>
-                          <a:ea typeface="+mn-ea"/>
-                          <a:cs typeface="+mn-ea"/>
-                          <a:sym typeface="+mn-lt"/>
-                        </a:rPr>
-                        <a:t>摄影设备（相机</a:t>
-                      </a:r>
-                      <a:r>
-                        <a:rPr kumimoji="0" lang="en-US" altLang="zh-CN" sz="1000" b="0" i="0" u="none" strike="noStrike" kern="1200" cap="none" spc="0" normalizeH="0" baseline="0" noProof="0" dirty="0" smtClean="0">
-                          <a:ln>
-                            <a:noFill/>
-                          </a:ln>
-                          <a:solidFill>
-                            <a:schemeClr val="accent1">
-                              <a:lumMod val="75000"/>
-                            </a:schemeClr>
-                          </a:solidFill>
-                          <a:effectLst/>
-                          <a:uLnTx/>
-                          <a:uFillTx/>
-                          <a:latin typeface="+mn-lt"/>
-                          <a:ea typeface="+mn-ea"/>
-                          <a:cs typeface="+mn-ea"/>
-                          <a:sym typeface="+mn-lt"/>
-                        </a:rPr>
-                        <a:t>/</a:t>
-                      </a:r>
-                      <a:r>
-                        <a:rPr kumimoji="0" lang="zh-CN" altLang="en-US" sz="1000" b="0" i="0" u="none" strike="noStrike" kern="1200" cap="none" spc="0" normalizeH="0" baseline="0" noProof="0" dirty="0" smtClean="0">
-                          <a:ln>
-                            <a:noFill/>
-                          </a:ln>
-                          <a:solidFill>
-                            <a:schemeClr val="accent1">
-                              <a:lumMod val="75000"/>
-                            </a:schemeClr>
-                          </a:solidFill>
-                          <a:effectLst/>
-                          <a:uLnTx/>
-                          <a:uFillTx/>
-                          <a:latin typeface="+mn-lt"/>
-                          <a:ea typeface="+mn-ea"/>
-                          <a:cs typeface="+mn-ea"/>
-                          <a:sym typeface="+mn-lt"/>
-                        </a:rPr>
-                        <a:t>摄像机</a:t>
-                      </a:r>
-                      <a:r>
-                        <a:rPr kumimoji="0" lang="en-US" altLang="zh-CN" sz="1000" b="0" i="0" u="none" strike="noStrike" kern="1200" cap="none" spc="0" normalizeH="0" baseline="0" noProof="0" dirty="0" smtClean="0">
-                          <a:ln>
-                            <a:noFill/>
-                          </a:ln>
-                          <a:solidFill>
-                            <a:schemeClr val="accent1">
-                              <a:lumMod val="75000"/>
-                            </a:schemeClr>
-                          </a:solidFill>
-                          <a:effectLst/>
-                          <a:uLnTx/>
-                          <a:uFillTx/>
-                          <a:latin typeface="+mn-lt"/>
-                          <a:ea typeface="+mn-ea"/>
-                          <a:cs typeface="+mn-ea"/>
-                          <a:sym typeface="+mn-lt"/>
-                        </a:rPr>
-                        <a:t>/</a:t>
-                      </a:r>
-                      <a:r>
-                        <a:rPr kumimoji="0" lang="zh-CN" altLang="en-US" sz="1000" b="0" i="0" u="none" strike="noStrike" kern="1200" cap="none" spc="0" normalizeH="0" baseline="0" noProof="0" dirty="0" smtClean="0">
-                          <a:ln>
-                            <a:noFill/>
-                          </a:ln>
-                          <a:solidFill>
-                            <a:schemeClr val="accent1">
-                              <a:lumMod val="75000"/>
-                            </a:schemeClr>
-                          </a:solidFill>
-                          <a:effectLst/>
-                          <a:uLnTx/>
-                          <a:uFillTx/>
-                          <a:latin typeface="+mn-lt"/>
-                          <a:ea typeface="+mn-ea"/>
-                          <a:cs typeface="+mn-ea"/>
-                          <a:sym typeface="+mn-lt"/>
-                        </a:rPr>
-                        <a:t>无人机等）</a:t>
-                      </a:r>
                       <a:endParaRPr kumimoji="0" lang="en-US" altLang="zh-CN" sz="1000" b="0" i="0" u="none" strike="noStrike" kern="1200" cap="none" spc="0" normalizeH="0" baseline="0" noProof="0" dirty="0" smtClean="0">
                         <a:ln>
                           <a:noFill/>
@@ -15617,7 +14486,7 @@
                 </a:tc>
                 <a:extLst>
                   <a:ext uri="{0D108BD9-81ED-4DB2-BD59-A6C34878D82A}">
-                    <a16:rowId xmlns:a16="http://schemas.microsoft.com/office/drawing/2014/main" val="3375075753"/>
+                    <a16:rowId xmlns:a16="http://schemas.microsoft.com/office/drawing/2014/main" xmlns="" val="3375075753"/>
                   </a:ext>
                 </a:extLst>
               </a:tr>
@@ -15712,6 +14581,131 @@
                         <a:buFontTx/>
                         <a:buNone/>
                       </a:pPr>
+                      <a:endParaRPr lang="en-US" altLang="zh-CN" sz="1200" b="0" dirty="0" smtClean="0">
+                        <a:solidFill>
+                          <a:schemeClr val="tx1"/>
+                        </a:solidFill>
+                        <a:latin typeface="+mn-lt"/>
+                        <a:ea typeface="+mn-ea"/>
+                        <a:cs typeface="+mn-ea"/>
+                        <a:sym typeface="+mn-lt"/>
+                      </a:endParaRPr>
+                    </a:p>
+                  </a:txBody>
+                  <a:tcPr anchor="ctr">
+                    <a:solidFill>
+                      <a:srgbClr val="F2F2F2"/>
+                    </a:solidFill>
+                  </a:tcPr>
+                </a:tc>
+                <a:tc>
+                  <a:txBody>
+                    <a:bodyPr/>
+                    <a:lstStyle/>
+                    <a:p>
+                      <a:pPr marL="0" marR="0" lvl="0" indent="0" algn="ctr" defTabSz="914389" rtl="0" eaLnBrk="1" fontAlgn="auto" latinLnBrk="0" hangingPunct="1">
+                        <a:lnSpc>
+                          <a:spcPct val="100000"/>
+                        </a:lnSpc>
+                        <a:spcBef>
+                          <a:spcPts val="0"/>
+                        </a:spcBef>
+                        <a:spcAft>
+                          <a:spcPts val="0"/>
+                        </a:spcAft>
+                        <a:buClrTx/>
+                        <a:buSzTx/>
+                        <a:buFontTx/>
+                        <a:buNone/>
+                        <a:tabLst/>
+                        <a:defRPr/>
+                      </a:pPr>
+                      <a:endParaRPr kumimoji="0" lang="en-US" altLang="zh-CN" sz="1200" b="0" i="0" u="none" strike="noStrike" kern="1200" cap="none" spc="0" normalizeH="0" baseline="0" noProof="0" dirty="0" smtClean="0">
+                        <a:ln>
+                          <a:noFill/>
+                        </a:ln>
+                        <a:solidFill>
+                          <a:srgbClr val="000000"/>
+                        </a:solidFill>
+                        <a:effectLst/>
+                        <a:uLnTx/>
+                        <a:uFillTx/>
+                        <a:latin typeface="+mn-lt"/>
+                        <a:ea typeface="+mn-ea"/>
+                        <a:cs typeface="+mn-ea"/>
+                        <a:sym typeface="+mn-lt"/>
+                      </a:endParaRPr>
+                    </a:p>
+                  </a:txBody>
+                  <a:tcPr anchor="ctr">
+                    <a:solidFill>
+                      <a:srgbClr val="F2F2F2"/>
+                    </a:solidFill>
+                  </a:tcPr>
+                </a:tc>
+                <a:tc>
+                  <a:txBody>
+                    <a:bodyPr/>
+                    <a:lstStyle/>
+                    <a:p>
+                      <a:pPr marL="0" marR="0" lvl="0" indent="0" algn="l" defTabSz="914389" rtl="0" eaLnBrk="1" fontAlgn="auto" latinLnBrk="0" hangingPunct="1">
+                        <a:lnSpc>
+                          <a:spcPct val="100000"/>
+                        </a:lnSpc>
+                        <a:spcBef>
+                          <a:spcPts val="0"/>
+                        </a:spcBef>
+                        <a:spcAft>
+                          <a:spcPts val="0"/>
+                        </a:spcAft>
+                        <a:buClrTx/>
+                        <a:buSzTx/>
+                        <a:buFontTx/>
+                        <a:buNone/>
+                        <a:tabLst/>
+                        <a:defRPr/>
+                      </a:pPr>
+                      <a:endParaRPr lang="en-US" altLang="zh-CN" sz="1000" b="0" dirty="0" smtClean="0">
+                        <a:solidFill>
+                          <a:schemeClr val="accent1">
+                            <a:lumMod val="75000"/>
+                          </a:schemeClr>
+                        </a:solidFill>
+                        <a:latin typeface="+mn-lt"/>
+                        <a:ea typeface="+mn-ea"/>
+                        <a:cs typeface="+mn-ea"/>
+                        <a:sym typeface="+mn-lt"/>
+                      </a:endParaRPr>
+                    </a:p>
+                  </a:txBody>
+                  <a:tcPr>
+                    <a:solidFill>
+                      <a:srgbClr val="F2F2F2"/>
+                    </a:solidFill>
+                  </a:tcPr>
+                </a:tc>
+                <a:tc>
+                  <a:txBody>
+                    <a:bodyPr/>
+                    <a:lstStyle/>
+                    <a:p>
+                      <a:pPr marL="0" marR="0" lvl="0" indent="0" algn="l" defTabSz="685792" rtl="0" eaLnBrk="1" fontAlgn="auto" latinLnBrk="0" hangingPunct="1">
+                        <a:lnSpc>
+                          <a:spcPct val="100000"/>
+                        </a:lnSpc>
+                        <a:spcBef>
+                          <a:spcPts val="0"/>
+                        </a:spcBef>
+                        <a:spcAft>
+                          <a:spcPts val="0"/>
+                        </a:spcAft>
+                        <a:buClrTx/>
+                        <a:buSzTx/>
+                        <a:buFontTx/>
+                        <a:buNone/>
+                        <a:tabLst/>
+                        <a:defRPr/>
+                      </a:pPr>
                       <a:r>
                         <a:rPr lang="en-US" altLang="zh-CN" sz="1200" b="0" dirty="0" smtClean="0">
                           <a:solidFill>
@@ -15722,8 +14716,85 @@
                           <a:cs typeface="+mn-ea"/>
                           <a:sym typeface="+mn-lt"/>
                         </a:rPr>
-                        <a:t>RMB XX,XXX</a:t>
+                        <a:t>Others</a:t>
                       </a:r>
+                    </a:p>
+                    <a:p>
+                      <a:pPr marL="0" marR="0" lvl="0" indent="0" algn="l" defTabSz="685792" rtl="0" eaLnBrk="1" fontAlgn="auto" latinLnBrk="0" hangingPunct="1">
+                        <a:lnSpc>
+                          <a:spcPct val="100000"/>
+                        </a:lnSpc>
+                        <a:spcBef>
+                          <a:spcPts val="0"/>
+                        </a:spcBef>
+                        <a:spcAft>
+                          <a:spcPts val="0"/>
+                        </a:spcAft>
+                        <a:buClrTx/>
+                        <a:buSzTx/>
+                        <a:buFontTx/>
+                        <a:buNone/>
+                        <a:tabLst/>
+                        <a:defRPr/>
+                      </a:pPr>
+                      <a:r>
+                        <a:rPr lang="zh-CN" altLang="en-US" sz="1200" b="0" dirty="0" smtClean="0">
+                          <a:solidFill>
+                            <a:schemeClr val="tx1"/>
+                          </a:solidFill>
+                          <a:latin typeface="+mn-lt"/>
+                          <a:ea typeface="+mn-ea"/>
+                          <a:cs typeface="+mn-ea"/>
+                          <a:sym typeface="+mn-lt"/>
+                        </a:rPr>
+                        <a:t>其他</a:t>
+                      </a:r>
+                      <a:endParaRPr lang="en-US" altLang="zh-CN" sz="1200" b="0" dirty="0" smtClean="0">
+                        <a:solidFill>
+                          <a:schemeClr val="tx1"/>
+                        </a:solidFill>
+                        <a:latin typeface="+mn-lt"/>
+                        <a:ea typeface="+mn-ea"/>
+                        <a:cs typeface="+mn-ea"/>
+                        <a:sym typeface="+mn-lt"/>
+                      </a:endParaRPr>
+                    </a:p>
+                  </a:txBody>
+                  <a:tcPr anchor="ctr">
+                    <a:noFill/>
+                  </a:tcPr>
+                </a:tc>
+                <a:tc>
+                  <a:txBody>
+                    <a:bodyPr/>
+                    <a:lstStyle/>
+                    <a:p>
+                      <a:pPr marL="0" marR="0" lvl="0" indent="0" algn="l" defTabSz="914389" rtl="0" eaLnBrk="1" fontAlgn="auto" latinLnBrk="0" hangingPunct="1">
+                        <a:lnSpc>
+                          <a:spcPct val="100000"/>
+                        </a:lnSpc>
+                        <a:spcBef>
+                          <a:spcPts val="0"/>
+                        </a:spcBef>
+                        <a:spcAft>
+                          <a:spcPts val="0"/>
+                        </a:spcAft>
+                        <a:buClrTx/>
+                        <a:buSzTx/>
+                        <a:buFontTx/>
+                        <a:buNone/>
+                        <a:tabLst/>
+                        <a:defRPr/>
+                      </a:pPr>
+                      <a:endParaRPr lang="en-US" altLang="zh-CN" sz="1200" b="0" dirty="0" smtClean="0">
+                        <a:solidFill>
+                          <a:schemeClr val="tx1"/>
+                        </a:solidFill>
+                        <a:latin typeface="+mn-lt"/>
+                        <a:ea typeface="+mn-ea"/>
+                        <a:cs typeface="+mn-ea"/>
+                        <a:sym typeface="+mn-lt"/>
+                      </a:endParaRPr>
                     </a:p>
                   </a:txBody>
                   <a:tcPr anchor="ctr">
@@ -15853,296 +14924,6 @@
                         <a:tabLst/>
                         <a:defRPr/>
                       </a:pPr>
-                      <a:r>
-                        <a:rPr lang="zh-CN" altLang="en-US" sz="1000" b="0" dirty="0" smtClean="0">
-                          <a:solidFill>
-                            <a:schemeClr val="accent1">
-                              <a:lumMod val="75000"/>
-                            </a:schemeClr>
-                          </a:solidFill>
-                          <a:latin typeface="+mn-lt"/>
-                          <a:ea typeface="+mn-ea"/>
-                          <a:cs typeface="+mn-ea"/>
-                          <a:sym typeface="+mn-lt"/>
-                        </a:rPr>
-                        <a:t>具体搭建方案及内容</a:t>
-                      </a:r>
-                      <a:endParaRPr lang="en-US" altLang="zh-CN" sz="1000" b="0" dirty="0" smtClean="0">
-                        <a:solidFill>
-                          <a:schemeClr val="accent1">
-                            <a:lumMod val="75000"/>
-                          </a:schemeClr>
-                        </a:solidFill>
-                        <a:latin typeface="+mn-lt"/>
-                        <a:ea typeface="+mn-ea"/>
-                        <a:cs typeface="+mn-ea"/>
-                        <a:sym typeface="+mn-lt"/>
-                      </a:endParaRPr>
-                    </a:p>
-                  </a:txBody>
-                  <a:tcPr>
-                    <a:solidFill>
-                      <a:srgbClr val="F2F2F2"/>
-                    </a:solidFill>
-                  </a:tcPr>
-                </a:tc>
-                <a:tc>
-                  <a:txBody>
-                    <a:bodyPr/>
-                    <a:lstStyle/>
-                    <a:p>
-                      <a:pPr marL="0" marR="0" lvl="0" indent="0" algn="l" defTabSz="685792" rtl="0" eaLnBrk="1" fontAlgn="auto" latinLnBrk="0" hangingPunct="1">
-                        <a:lnSpc>
-                          <a:spcPct val="100000"/>
-                        </a:lnSpc>
-                        <a:spcBef>
-                          <a:spcPts val="0"/>
-                        </a:spcBef>
-                        <a:spcAft>
-                          <a:spcPts val="0"/>
-                        </a:spcAft>
-                        <a:buClrTx/>
-                        <a:buSzTx/>
-                        <a:buFontTx/>
-                        <a:buNone/>
-                        <a:tabLst/>
-                        <a:defRPr/>
-                      </a:pPr>
-                      <a:r>
-                        <a:rPr lang="en-US" altLang="zh-CN" sz="1200" b="0" dirty="0" smtClean="0">
-                          <a:solidFill>
-                            <a:schemeClr val="tx1"/>
-                          </a:solidFill>
-                          <a:latin typeface="+mn-lt"/>
-                          <a:ea typeface="+mn-ea"/>
-                          <a:cs typeface="+mn-ea"/>
-                          <a:sym typeface="+mn-lt"/>
-                        </a:rPr>
-                        <a:t>Others</a:t>
-                      </a:r>
-                    </a:p>
-                    <a:p>
-                      <a:pPr marL="0" marR="0" lvl="0" indent="0" algn="l" defTabSz="685792" rtl="0" eaLnBrk="1" fontAlgn="auto" latinLnBrk="0" hangingPunct="1">
-                        <a:lnSpc>
-                          <a:spcPct val="100000"/>
-                        </a:lnSpc>
-                        <a:spcBef>
-                          <a:spcPts val="0"/>
-                        </a:spcBef>
-                        <a:spcAft>
-                          <a:spcPts val="0"/>
-                        </a:spcAft>
-                        <a:buClrTx/>
-                        <a:buSzTx/>
-                        <a:buFontTx/>
-                        <a:buNone/>
-                        <a:tabLst/>
-                        <a:defRPr/>
-                      </a:pPr>
-                      <a:r>
-                        <a:rPr lang="zh-CN" altLang="en-US" sz="1200" b="0" dirty="0" smtClean="0">
-                          <a:solidFill>
-                            <a:schemeClr val="tx1"/>
-                          </a:solidFill>
-                          <a:latin typeface="+mn-lt"/>
-                          <a:ea typeface="+mn-ea"/>
-                          <a:cs typeface="+mn-ea"/>
-                          <a:sym typeface="+mn-lt"/>
-                        </a:rPr>
-                        <a:t>其他</a:t>
-                      </a:r>
-                      <a:endParaRPr lang="en-US" altLang="zh-CN" sz="1200" b="0" dirty="0" smtClean="0">
-                        <a:solidFill>
-                          <a:schemeClr val="tx1"/>
-                        </a:solidFill>
-                        <a:latin typeface="+mn-lt"/>
-                        <a:ea typeface="+mn-ea"/>
-                        <a:cs typeface="+mn-ea"/>
-                        <a:sym typeface="+mn-lt"/>
-                      </a:endParaRPr>
-                    </a:p>
-                  </a:txBody>
-                  <a:tcPr anchor="ctr">
-                    <a:noFill/>
-                  </a:tcPr>
-                </a:tc>
-                <a:tc>
-                  <a:txBody>
-                    <a:bodyPr/>
-                    <a:lstStyle/>
-                    <a:p>
-                      <a:pPr marL="0" marR="0" lvl="0" indent="0" algn="l" defTabSz="914389" rtl="0" eaLnBrk="1" fontAlgn="auto" latinLnBrk="0" hangingPunct="1">
-                        <a:lnSpc>
-                          <a:spcPct val="100000"/>
-                        </a:lnSpc>
-                        <a:spcBef>
-                          <a:spcPts val="0"/>
-                        </a:spcBef>
-                        <a:spcAft>
-                          <a:spcPts val="0"/>
-                        </a:spcAft>
-                        <a:buClrTx/>
-                        <a:buSzTx/>
-                        <a:buFontTx/>
-                        <a:buNone/>
-                        <a:tabLst/>
-                        <a:defRPr/>
-                      </a:pPr>
-                      <a:r>
-                        <a:rPr lang="en-US" altLang="zh-CN" sz="1200" b="0" dirty="0" smtClean="0">
-                          <a:solidFill>
-                            <a:schemeClr val="tx1"/>
-                          </a:solidFill>
-                          <a:latin typeface="+mn-lt"/>
-                          <a:ea typeface="+mn-ea"/>
-                          <a:cs typeface="+mn-ea"/>
-                          <a:sym typeface="+mn-lt"/>
-                        </a:rPr>
-                        <a:t>RMB XX,XXX</a:t>
-                      </a:r>
-                    </a:p>
-                  </a:txBody>
-                  <a:tcPr anchor="ctr">
-                    <a:solidFill>
-                      <a:srgbClr val="F2F2F2"/>
-                    </a:solidFill>
-                  </a:tcPr>
-                </a:tc>
-                <a:tc>
-                  <a:txBody>
-                    <a:bodyPr/>
-                    <a:lstStyle/>
-                    <a:p>
-                      <a:pPr marL="0" marR="0" lvl="0" indent="0" algn="ctr" defTabSz="914389" rtl="0" eaLnBrk="1" fontAlgn="auto" latinLnBrk="0" hangingPunct="1">
-                        <a:lnSpc>
-                          <a:spcPct val="100000"/>
-                        </a:lnSpc>
-                        <a:spcBef>
-                          <a:spcPts val="0"/>
-                        </a:spcBef>
-                        <a:spcAft>
-                          <a:spcPts val="0"/>
-                        </a:spcAft>
-                        <a:buClrTx/>
-                        <a:buSzTx/>
-                        <a:buFontTx/>
-                        <a:buNone/>
-                        <a:tabLst/>
-                        <a:defRPr/>
-                      </a:pPr>
-                      <a:r>
-                        <a:rPr kumimoji="0" lang="zh-CN" altLang="en-US" sz="1200" b="0" i="0" u="none" strike="noStrike" kern="1200" cap="none" spc="0" normalizeH="0" baseline="0" noProof="0" dirty="0" smtClean="0">
-                          <a:ln>
-                            <a:noFill/>
-                          </a:ln>
-                          <a:solidFill>
-                            <a:srgbClr val="000000"/>
-                          </a:solidFill>
-                          <a:effectLst/>
-                          <a:uLnTx/>
-                          <a:uFillTx/>
-                          <a:latin typeface="+mn-lt"/>
-                          <a:ea typeface="+mn-ea"/>
-                          <a:cs typeface="+mn-ea"/>
-                          <a:sym typeface="+mn-lt"/>
-                        </a:rPr>
-                        <a:t>是</a:t>
-                      </a:r>
-                      <a:r>
-                        <a:rPr kumimoji="0" lang="en-US" altLang="zh-CN" sz="1200" b="0" i="0" u="none" strike="noStrike" kern="1200" cap="none" spc="0" normalizeH="0" baseline="0" noProof="0" dirty="0" smtClean="0">
-                          <a:ln>
-                            <a:noFill/>
-                          </a:ln>
-                          <a:solidFill>
-                            <a:srgbClr val="000000"/>
-                          </a:solidFill>
-                          <a:effectLst/>
-                          <a:uLnTx/>
-                          <a:uFillTx/>
-                          <a:latin typeface="+mn-lt"/>
-                          <a:ea typeface="+mn-ea"/>
-                          <a:cs typeface="+mn-ea"/>
-                          <a:sym typeface="+mn-lt"/>
-                        </a:rPr>
-                        <a:t>/</a:t>
-                      </a:r>
-                      <a:r>
-                        <a:rPr kumimoji="0" lang="zh-CN" altLang="en-US" sz="1200" b="0" i="0" u="none" strike="noStrike" kern="1200" cap="none" spc="0" normalizeH="0" baseline="0" noProof="0" dirty="0" smtClean="0">
-                          <a:ln>
-                            <a:noFill/>
-                          </a:ln>
-                          <a:solidFill>
-                            <a:srgbClr val="000000"/>
-                          </a:solidFill>
-                          <a:effectLst/>
-                          <a:uLnTx/>
-                          <a:uFillTx/>
-                          <a:latin typeface="+mn-lt"/>
-                          <a:ea typeface="+mn-ea"/>
-                          <a:cs typeface="+mn-ea"/>
-                          <a:sym typeface="+mn-lt"/>
-                        </a:rPr>
-                        <a:t>否</a:t>
-                      </a:r>
-                      <a:endParaRPr kumimoji="0" lang="en-US" altLang="zh-CN" sz="1200" b="0" i="0" u="none" strike="noStrike" kern="1200" cap="none" spc="0" normalizeH="0" baseline="0" noProof="0" dirty="0" smtClean="0">
-                        <a:ln>
-                          <a:noFill/>
-                        </a:ln>
-                        <a:solidFill>
-                          <a:srgbClr val="000000"/>
-                        </a:solidFill>
-                        <a:effectLst/>
-                        <a:uLnTx/>
-                        <a:uFillTx/>
-                        <a:latin typeface="+mn-lt"/>
-                        <a:ea typeface="+mn-ea"/>
-                        <a:cs typeface="+mn-ea"/>
-                        <a:sym typeface="+mn-lt"/>
-                      </a:endParaRPr>
-                    </a:p>
-                  </a:txBody>
-                  <a:tcPr anchor="ctr">
-                    <a:solidFill>
-                      <a:srgbClr val="F2F2F2"/>
-                    </a:solidFill>
-                  </a:tcPr>
-                </a:tc>
-                <a:tc>
-                  <a:txBody>
-                    <a:bodyPr/>
-                    <a:lstStyle/>
-                    <a:p>
-                      <a:pPr marL="0" marR="0" lvl="0" indent="0" algn="l" defTabSz="914389" rtl="0" eaLnBrk="1" fontAlgn="auto" latinLnBrk="0" hangingPunct="1">
-                        <a:lnSpc>
-                          <a:spcPct val="100000"/>
-                        </a:lnSpc>
-                        <a:spcBef>
-                          <a:spcPts val="0"/>
-                        </a:spcBef>
-                        <a:spcAft>
-                          <a:spcPts val="0"/>
-                        </a:spcAft>
-                        <a:buClrTx/>
-                        <a:buSzTx/>
-                        <a:buFontTx/>
-                        <a:buNone/>
-                        <a:tabLst/>
-                        <a:defRPr/>
-                      </a:pPr>
-                      <a:r>
-                        <a:rPr lang="zh-CN" altLang="en-US" sz="1000" b="0" dirty="0" smtClean="0">
-                          <a:solidFill>
-                            <a:schemeClr val="accent1">
-                              <a:lumMod val="75000"/>
-                            </a:schemeClr>
-                          </a:solidFill>
-                          <a:latin typeface="+mn-lt"/>
-                          <a:ea typeface="+mn-ea"/>
-                          <a:cs typeface="+mn-ea"/>
-                          <a:sym typeface="+mn-lt"/>
-                        </a:rPr>
-                        <a:t>注明其他费用内容</a:t>
-                      </a:r>
                       <a:endParaRPr lang="en-US" altLang="zh-CN" sz="1000" b="0" dirty="0" smtClean="0">
                         <a:solidFill>
                           <a:schemeClr val="accent1">
@@ -16164,7 +14945,7 @@
                 </a:tc>
                 <a:extLst>
                   <a:ext uri="{0D108BD9-81ED-4DB2-BD59-A6C34878D82A}">
-                    <a16:rowId xmlns:a16="http://schemas.microsoft.com/office/drawing/2014/main" val="1818738132"/>
+                    <a16:rowId xmlns:a16="http://schemas.microsoft.com/office/drawing/2014/main" xmlns="" val="1818738132"/>
                   </a:ext>
                 </a:extLst>
               </a:tr>
@@ -16307,18 +15088,15 @@
                         <a:buFontTx/>
                         <a:buNone/>
                       </a:pPr>
-                      <a:r>
-                        <a:rPr lang="en-US" altLang="zh-CN" sz="1200" b="0" dirty="0" smtClean="0">
-                          <a:solidFill>
-                            <a:schemeClr val="tx1"/>
-                          </a:solidFill>
-                          <a:latin typeface="+mn-lt"/>
-                          <a:ea typeface="+mn-ea"/>
-                          <a:cs typeface="+mn-ea"/>
-                          <a:sym typeface="+mn-lt"/>
-                        </a:rPr>
-                        <a:t>RMB XX,XXX</a:t>
-                      </a:r>
+                      <a:endParaRPr lang="en-US" altLang="zh-CN" sz="1200" b="0" dirty="0" smtClean="0">
+                        <a:solidFill>
+                          <a:schemeClr val="tx1"/>
+                        </a:solidFill>
+                        <a:latin typeface="+mn-lt"/>
+                        <a:ea typeface="+mn-ea"/>
+                        <a:cs typeface="+mn-ea"/>
+                        <a:sym typeface="+mn-lt"/>
+                      </a:endParaRPr>
                     </a:p>
                   </a:txBody>
                   <a:tcPr anchor="ctr">
@@ -16349,60 +15127,6 @@
                         <a:tabLst/>
                         <a:defRPr/>
                       </a:pPr>
-                      <a:r>
-                        <a:rPr kumimoji="0" lang="zh-CN" altLang="en-US" sz="1200" b="0" i="0" u="none" strike="noStrike" kern="1200" cap="none" spc="0" normalizeH="0" baseline="0" noProof="0" dirty="0" smtClean="0">
-                          <a:ln>
-                            <a:noFill/>
-                          </a:ln>
-                          <a:solidFill>
-                            <a:srgbClr val="000000"/>
-                          </a:solidFill>
-                          <a:effectLst/>
-                          <a:uLnTx/>
-                          <a:uFillTx/>
-                          <a:latin typeface="+mn-lt"/>
-                          <a:ea typeface="+mn-ea"/>
-                          <a:cs typeface="+mn-ea"/>
-                          <a:sym typeface="+mn-lt"/>
-                        </a:rPr>
-                        <a:t>是</a:t>
-                      </a:r>
-                      <a:r>
-                        <a:rPr kumimoji="0" lang="en-US" altLang="zh-CN" sz="1200" b="0" i="0" u="none" strike="noStrike" kern="1200" cap="none" spc="0" normalizeH="0" baseline="0" noProof="0" dirty="0" smtClean="0">
-                          <a:ln>
-                            <a:noFill/>
-                          </a:ln>
-                          <a:solidFill>
-                            <a:srgbClr val="000000"/>
-                          </a:solidFill>
-                          <a:effectLst/>
-                          <a:uLnTx/>
-                          <a:uFillTx/>
-                          <a:latin typeface="+mn-lt"/>
-                          <a:ea typeface="+mn-ea"/>
-                          <a:cs typeface="+mn-ea"/>
-                          <a:sym typeface="+mn-lt"/>
-                        </a:rPr>
-                        <a:t>/</a:t>
-                      </a:r>
-                      <a:r>
-                        <a:rPr kumimoji="0" lang="zh-CN" altLang="en-US" sz="1200" b="0" i="0" u="none" strike="noStrike" kern="1200" cap="none" spc="0" normalizeH="0" baseline="0" noProof="0" dirty="0" smtClean="0">
-                          <a:ln>
-                            <a:noFill/>
-                          </a:ln>
-                          <a:solidFill>
-                            <a:srgbClr val="000000"/>
-                          </a:solidFill>
-                          <a:effectLst/>
-                          <a:uLnTx/>
-                          <a:uFillTx/>
-                          <a:latin typeface="+mn-lt"/>
-                          <a:ea typeface="+mn-ea"/>
-                          <a:cs typeface="+mn-ea"/>
-                          <a:sym typeface="+mn-lt"/>
-                        </a:rPr>
-                        <a:t>否</a:t>
-                      </a:r>
                       <a:endParaRPr kumimoji="0" lang="en-US" altLang="zh-CN" sz="1200" b="0" i="0" u="none" strike="noStrike" kern="1200" cap="none" spc="0" normalizeH="0" baseline="0" noProof="0" dirty="0" smtClean="0">
                         <a:ln>
                           <a:noFill/>
@@ -16448,64 +15172,6 @@
                         <a:tabLst/>
                         <a:defRPr/>
                       </a:pPr>
-                      <a:r>
-                        <a:rPr lang="zh-CN" altLang="en-US" sz="1000" b="0" dirty="0" smtClean="0">
-                          <a:solidFill>
-                            <a:schemeClr val="accent1">
-                              <a:lumMod val="75000"/>
-                            </a:schemeClr>
-                          </a:solidFill>
-                          <a:latin typeface="+mn-lt"/>
-                          <a:ea typeface="+mn-ea"/>
-                          <a:cs typeface="+mn-ea"/>
-                          <a:sym typeface="+mn-lt"/>
-                        </a:rPr>
-                        <a:t>总就餐人数</a:t>
-                      </a:r>
-                      <a:endParaRPr lang="en-US" altLang="zh-CN" sz="1000" b="0" dirty="0" smtClean="0">
-                        <a:solidFill>
-                          <a:schemeClr val="accent1">
-                            <a:lumMod val="75000"/>
-                          </a:schemeClr>
-                        </a:solidFill>
-                        <a:latin typeface="+mn-lt"/>
-                        <a:ea typeface="+mn-ea"/>
-                        <a:cs typeface="+mn-ea"/>
-                        <a:sym typeface="+mn-lt"/>
-                      </a:endParaRPr>
-                    </a:p>
-                    <a:p>
-                      <a:pPr marL="0" marR="0" lvl="0" indent="0" algn="l" defTabSz="914389" rtl="0" eaLnBrk="1" fontAlgn="auto" latinLnBrk="0" hangingPunct="1">
-                        <a:lnSpc>
-                          <a:spcPct val="100000"/>
-                        </a:lnSpc>
-                        <a:spcBef>
-                          <a:spcPts val="0"/>
-                        </a:spcBef>
-                        <a:spcAft>
-                          <a:spcPts val="0"/>
-                        </a:spcAft>
-                        <a:buClrTx/>
-                        <a:buSzTx/>
-                        <a:buFontTx/>
-                        <a:buNone/>
-                        <a:tabLst/>
-                        <a:defRPr/>
-                      </a:pPr>
-                      <a:r>
-                        <a:rPr lang="zh-CN" altLang="en-US" sz="1000" b="0" dirty="0" smtClean="0">
-                          <a:solidFill>
-                            <a:schemeClr val="accent1">
-                              <a:lumMod val="75000"/>
-                            </a:schemeClr>
-                          </a:solidFill>
-                          <a:latin typeface="+mn-lt"/>
-                          <a:ea typeface="+mn-ea"/>
-                          <a:cs typeface="+mn-ea"/>
-                          <a:sym typeface="+mn-lt"/>
-                        </a:rPr>
-                        <a:t>人均餐费</a:t>
-                      </a:r>
                       <a:endParaRPr lang="en-US" altLang="zh-CN" sz="1000" b="0" dirty="0" smtClean="0">
                         <a:solidFill>
                           <a:schemeClr val="accent1">
@@ -16581,7 +15247,7 @@
                 </a:tc>
                 <a:extLst>
                   <a:ext uri="{0D108BD9-81ED-4DB2-BD59-A6C34878D82A}">
-                    <a16:rowId xmlns:a16="http://schemas.microsoft.com/office/drawing/2014/main" val="3192001067"/>
+                    <a16:rowId xmlns:a16="http://schemas.microsoft.com/office/drawing/2014/main" xmlns="" val="3192001067"/>
                   </a:ext>
                 </a:extLst>
               </a:tr>
@@ -16694,18 +15360,15 @@
                         <a:tabLst/>
                         <a:defRPr/>
                       </a:pPr>
-                      <a:r>
-                        <a:rPr lang="en-US" altLang="zh-CN" sz="1200" b="0" dirty="0" smtClean="0">
-                          <a:solidFill>
-                            <a:schemeClr val="tx1"/>
-                          </a:solidFill>
-                          <a:latin typeface="+mn-lt"/>
-                          <a:ea typeface="+mn-ea"/>
-                          <a:cs typeface="+mn-ea"/>
-                          <a:sym typeface="+mn-lt"/>
-                        </a:rPr>
-                        <a:t>RMB XX,XXX</a:t>
-                      </a:r>
+                      <a:endParaRPr lang="en-US" altLang="zh-CN" sz="1200" b="0" dirty="0" smtClean="0">
+                        <a:solidFill>
+                          <a:schemeClr val="tx1"/>
+                        </a:solidFill>
+                        <a:latin typeface="+mn-lt"/>
+                        <a:ea typeface="+mn-ea"/>
+                        <a:cs typeface="+mn-ea"/>
+                        <a:sym typeface="+mn-lt"/>
+                      </a:endParaRPr>
                     </a:p>
                   </a:txBody>
                   <a:tcPr anchor="ctr">
@@ -16736,60 +15399,6 @@
                         <a:tabLst/>
                         <a:defRPr/>
                       </a:pPr>
-                      <a:r>
-                        <a:rPr kumimoji="0" lang="zh-CN" altLang="en-US" sz="1200" b="0" i="0" u="none" strike="noStrike" kern="1200" cap="none" spc="0" normalizeH="0" baseline="0" noProof="0" dirty="0" smtClean="0">
-                          <a:ln>
-                            <a:noFill/>
-                          </a:ln>
-                          <a:solidFill>
-                            <a:srgbClr val="000000"/>
-                          </a:solidFill>
-                          <a:effectLst/>
-                          <a:uLnTx/>
-                          <a:uFillTx/>
-                          <a:latin typeface="+mn-lt"/>
-                          <a:ea typeface="+mn-ea"/>
-                          <a:cs typeface="+mn-ea"/>
-                          <a:sym typeface="+mn-lt"/>
-                        </a:rPr>
-                        <a:t>是</a:t>
-                      </a:r>
-                      <a:r>
-                        <a:rPr kumimoji="0" lang="en-US" altLang="zh-CN" sz="1200" b="0" i="0" u="none" strike="noStrike" kern="1200" cap="none" spc="0" normalizeH="0" baseline="0" noProof="0" dirty="0" smtClean="0">
-                          <a:ln>
-                            <a:noFill/>
-                          </a:ln>
-                          <a:solidFill>
-                            <a:srgbClr val="000000"/>
-                          </a:solidFill>
-                          <a:effectLst/>
-                          <a:uLnTx/>
-                          <a:uFillTx/>
-                          <a:latin typeface="+mn-lt"/>
-                          <a:ea typeface="+mn-ea"/>
-                          <a:cs typeface="+mn-ea"/>
-                          <a:sym typeface="+mn-lt"/>
-                        </a:rPr>
-                        <a:t>/</a:t>
-                      </a:r>
-                      <a:r>
-                        <a:rPr kumimoji="0" lang="zh-CN" altLang="en-US" sz="1200" b="0" i="0" u="none" strike="noStrike" kern="1200" cap="none" spc="0" normalizeH="0" baseline="0" noProof="0" dirty="0" smtClean="0">
-                          <a:ln>
-                            <a:noFill/>
-                          </a:ln>
-                          <a:solidFill>
-                            <a:srgbClr val="000000"/>
-                          </a:solidFill>
-                          <a:effectLst/>
-                          <a:uLnTx/>
-                          <a:uFillTx/>
-                          <a:latin typeface="+mn-lt"/>
-                          <a:ea typeface="+mn-ea"/>
-                          <a:cs typeface="+mn-ea"/>
-                          <a:sym typeface="+mn-lt"/>
-                        </a:rPr>
-                        <a:t>否</a:t>
-                      </a:r>
                       <a:endParaRPr kumimoji="0" lang="en-US" altLang="zh-CN" sz="1200" b="0" i="0" u="none" strike="noStrike" kern="1200" cap="none" spc="0" normalizeH="0" baseline="0" noProof="0" dirty="0" smtClean="0">
                         <a:ln>
                           <a:noFill/>
@@ -16835,64 +15444,6 @@
                         <a:tabLst/>
                         <a:defRPr/>
                       </a:pPr>
-                      <a:r>
-                        <a:rPr lang="zh-CN" altLang="en-US" sz="1000" b="0" dirty="0" smtClean="0">
-                          <a:solidFill>
-                            <a:schemeClr val="accent1">
-                              <a:lumMod val="75000"/>
-                            </a:schemeClr>
-                          </a:solidFill>
-                          <a:latin typeface="+mn-lt"/>
-                          <a:ea typeface="+mn-ea"/>
-                          <a:cs typeface="+mn-ea"/>
-                          <a:sym typeface="+mn-lt"/>
-                        </a:rPr>
-                        <a:t>总就餐人数</a:t>
-                      </a:r>
-                      <a:endParaRPr lang="en-US" altLang="zh-CN" sz="1000" b="0" dirty="0" smtClean="0">
-                        <a:solidFill>
-                          <a:schemeClr val="accent1">
-                            <a:lumMod val="75000"/>
-                          </a:schemeClr>
-                        </a:solidFill>
-                        <a:latin typeface="+mn-lt"/>
-                        <a:ea typeface="+mn-ea"/>
-                        <a:cs typeface="+mn-ea"/>
-                        <a:sym typeface="+mn-lt"/>
-                      </a:endParaRPr>
-                    </a:p>
-                    <a:p>
-                      <a:pPr marL="0" marR="0" lvl="0" indent="0" algn="l" defTabSz="914389" rtl="0" eaLnBrk="1" fontAlgn="auto" latinLnBrk="0" hangingPunct="1">
-                        <a:lnSpc>
-                          <a:spcPct val="100000"/>
-                        </a:lnSpc>
-                        <a:spcBef>
-                          <a:spcPts val="0"/>
-                        </a:spcBef>
-                        <a:spcAft>
-                          <a:spcPts val="0"/>
-                        </a:spcAft>
-                        <a:buClrTx/>
-                        <a:buSzTx/>
-                        <a:buFontTx/>
-                        <a:buNone/>
-                        <a:tabLst/>
-                        <a:defRPr/>
-                      </a:pPr>
-                      <a:r>
-                        <a:rPr lang="zh-CN" altLang="en-US" sz="1000" b="0" dirty="0" smtClean="0">
-                          <a:solidFill>
-                            <a:schemeClr val="accent1">
-                              <a:lumMod val="75000"/>
-                            </a:schemeClr>
-                          </a:solidFill>
-                          <a:latin typeface="+mn-lt"/>
-                          <a:ea typeface="+mn-ea"/>
-                          <a:cs typeface="+mn-ea"/>
-                          <a:sym typeface="+mn-lt"/>
-                        </a:rPr>
-                        <a:t>人均酒水费用</a:t>
-                      </a:r>
                       <a:endParaRPr lang="en-US" altLang="zh-CN" sz="1000" b="0" dirty="0" smtClean="0">
                         <a:solidFill>
                           <a:schemeClr val="accent1">
@@ -16954,7 +15505,7 @@
                 </a:tc>
                 <a:extLst>
                   <a:ext uri="{0D108BD9-81ED-4DB2-BD59-A6C34878D82A}">
-                    <a16:rowId xmlns:a16="http://schemas.microsoft.com/office/drawing/2014/main" val="564902271"/>
+                    <a16:rowId xmlns:a16="http://schemas.microsoft.com/office/drawing/2014/main" xmlns="" val="564902271"/>
                   </a:ext>
                 </a:extLst>
               </a:tr>
@@ -17309,14 +15860,14 @@
           <p:nvPr>
             <p:extLst>
               <p:ext uri="{D42A27DB-BD31-4B8C-83A1-F6EECF244321}">
-                <p14:modId xmlns:p14="http://schemas.microsoft.com/office/powerpoint/2010/main" val="3831317275"/>
+                <p14:modId xmlns:p14="http://schemas.microsoft.com/office/powerpoint/2010/main" val="3826472019"/>
               </p:ext>
             </p:extLst>
           </p:nvPr>
         </p:nvGraphicFramePr>
         <p:xfrm>
           <a:off x="587141" y="1234463"/>
-          <a:ext cx="11032602" cy="4516989"/>
+          <a:ext cx="11032602" cy="4286693"/>
         </p:xfrm>
         <a:graphic>
           <a:graphicData uri="http://schemas.openxmlformats.org/drawingml/2006/table">
@@ -17328,28 +15879,28 @@
                 <a:gridCol w="628595">
                   <a:extLst>
                     <a:ext uri="{9D8B030D-6E8A-4147-A177-3AD203B41FA5}">
-                      <a16:colId xmlns:a16="http://schemas.microsoft.com/office/drawing/2014/main" val="207362988"/>
+                      <a16:colId xmlns:a16="http://schemas.microsoft.com/office/drawing/2014/main" xmlns="" val="207362988"/>
                     </a:ext>
                   </a:extLst>
                 </a:gridCol>
                 <a:gridCol w="2213264">
                   <a:extLst>
                     <a:ext uri="{9D8B030D-6E8A-4147-A177-3AD203B41FA5}">
-                      <a16:colId xmlns:a16="http://schemas.microsoft.com/office/drawing/2014/main" val="20000"/>
+                      <a16:colId xmlns:a16="http://schemas.microsoft.com/office/drawing/2014/main" xmlns="" val="20000"/>
                     </a:ext>
                   </a:extLst>
                 </a:gridCol>
                 <a:gridCol w="2556164">
                   <a:extLst>
                     <a:ext uri="{9D8B030D-6E8A-4147-A177-3AD203B41FA5}">
-                      <a16:colId xmlns:a16="http://schemas.microsoft.com/office/drawing/2014/main" val="20001"/>
+                      <a16:colId xmlns:a16="http://schemas.microsoft.com/office/drawing/2014/main" xmlns="" val="20001"/>
                     </a:ext>
                   </a:extLst>
                 </a:gridCol>
                 <a:gridCol w="5634579">
                   <a:extLst>
                     <a:ext uri="{9D8B030D-6E8A-4147-A177-3AD203B41FA5}">
-                      <a16:colId xmlns:a16="http://schemas.microsoft.com/office/drawing/2014/main" val="610373499"/>
+                      <a16:colId xmlns:a16="http://schemas.microsoft.com/office/drawing/2014/main" xmlns="" val="610373499"/>
                     </a:ext>
                   </a:extLst>
                 </a:gridCol>
@@ -17385,9 +15936,7 @@
                       <a:tailEnd type="none" w="med" len="med"/>
                     </a:lnL>
                     <a:lnR w="12700" cap="flat" cmpd="sng" algn="ctr">
-                      <a:solidFill>
-                        <a:schemeClr val="bg1"/>
-                      </a:solidFill>
+                      <a:noFill/>
                       <a:prstDash val="solid"/>
                       <a:round/>
                       <a:headEnd type="none" w="med" len="med"/>
@@ -17469,18 +16018,14 @@
                   </a:txBody>
                   <a:tcPr marL="108522" marR="108522" marT="54261" marB="54261" anchor="ctr">
                     <a:lnL w="12700" cap="flat" cmpd="sng" algn="ctr">
-                      <a:solidFill>
-                        <a:schemeClr val="bg1"/>
-                      </a:solidFill>
+                      <a:noFill/>
                       <a:prstDash val="solid"/>
                       <a:round/>
                       <a:headEnd type="none" w="med" len="med"/>
                       <a:tailEnd type="none" w="med" len="med"/>
                     </a:lnL>
                     <a:lnR w="12700" cap="flat" cmpd="sng" algn="ctr">
-                      <a:solidFill>
-                        <a:schemeClr val="bg1"/>
-                      </a:solidFill>
+                      <a:noFill/>
                       <a:prstDash val="solid"/>
                       <a:round/>
                       <a:headEnd type="none" w="med" len="med"/>
@@ -17562,9 +16107,7 @@
                   </a:txBody>
                   <a:tcPr marL="108522" marR="108522" marT="54261" marB="54261" anchor="ctr">
                     <a:lnL w="12700" cap="flat" cmpd="sng" algn="ctr">
-                      <a:solidFill>
-                        <a:schemeClr val="bg1"/>
-                      </a:solidFill>
+                      <a:noFill/>
                       <a:prstDash val="solid"/>
                       <a:round/>
                       <a:headEnd type="none" w="med" len="med"/>
@@ -17626,7 +16169,31 @@
                           <a:cs typeface="+mn-ea"/>
                           <a:sym typeface="+mn-lt"/>
                         </a:rPr>
-                        <a:t>Process </a:t>
+                        <a:t>Event</a:t>
+                      </a:r>
+                      <a:r>
+                        <a:rPr lang="en-US" altLang="zh-CN" sz="1400" b="1" kern="1200" baseline="0" dirty="0" smtClean="0">
+                          <a:solidFill>
+                            <a:schemeClr val="lt1"/>
+                          </a:solidFill>
+                          <a:latin typeface="+mn-lt"/>
+                          <a:ea typeface="+mn-ea"/>
+                          <a:cs typeface="+mn-ea"/>
+                          <a:sym typeface="+mn-lt"/>
+                        </a:rPr>
+                        <a:t> </a:t>
+                      </a:r>
+                      <a:r>
+                        <a:rPr lang="en-US" altLang="zh-CN" sz="1400" b="1" kern="1200" dirty="0" smtClean="0">
+                          <a:solidFill>
+                            <a:schemeClr val="lt1"/>
+                          </a:solidFill>
+                          <a:latin typeface="+mn-lt"/>
+                          <a:ea typeface="+mn-ea"/>
+                          <a:cs typeface="+mn-ea"/>
+                          <a:sym typeface="+mn-lt"/>
+                        </a:rPr>
+                        <a:t>Highlight </a:t>
                       </a:r>
                       <a:r>
                         <a:rPr lang="zh-CN" altLang="en-US" sz="1400" b="1" kern="1200" dirty="0" smtClean="0">
@@ -17638,7 +16205,7 @@
                           <a:cs typeface="+mn-ea"/>
                           <a:sym typeface="+mn-lt"/>
                         </a:rPr>
-                        <a:t>主要流程</a:t>
+                        <a:t>活动主要亮点</a:t>
                       </a:r>
                       <a:endParaRPr lang="zh-CN" altLang="en-US" sz="1400" b="1" kern="1200" dirty="0">
                         <a:solidFill>
@@ -17697,11 +16264,11 @@
                 </a:tc>
                 <a:extLst>
                   <a:ext uri="{0D108BD9-81ED-4DB2-BD59-A6C34878D82A}">
-                    <a16:rowId xmlns:a16="http://schemas.microsoft.com/office/drawing/2014/main" val="10000"/>
+                    <a16:rowId xmlns:a16="http://schemas.microsoft.com/office/drawing/2014/main" xmlns="" val="10000"/>
                   </a:ext>
                 </a:extLst>
               </a:tr>
-              <a:tr h="796601">
+              <a:tr h="566305">
                 <a:tc>
                   <a:txBody>
                     <a:bodyPr/>
@@ -18027,7 +16594,7 @@
                 </a:tc>
                 <a:extLst>
                   <a:ext uri="{0D108BD9-81ED-4DB2-BD59-A6C34878D82A}">
-                    <a16:rowId xmlns:a16="http://schemas.microsoft.com/office/drawing/2014/main" val="10001"/>
+                    <a16:rowId xmlns:a16="http://schemas.microsoft.com/office/drawing/2014/main" xmlns="" val="10001"/>
                   </a:ext>
                 </a:extLst>
               </a:tr>
@@ -18385,7 +16952,7 @@
                 </a:tc>
                 <a:extLst>
                   <a:ext uri="{0D108BD9-81ED-4DB2-BD59-A6C34878D82A}">
-                    <a16:rowId xmlns:a16="http://schemas.microsoft.com/office/drawing/2014/main" val="10002"/>
+                    <a16:rowId xmlns:a16="http://schemas.microsoft.com/office/drawing/2014/main" xmlns="" val="10002"/>
                   </a:ext>
                 </a:extLst>
               </a:tr>
@@ -18743,7 +17310,7 @@
                 </a:tc>
                 <a:extLst>
                   <a:ext uri="{0D108BD9-81ED-4DB2-BD59-A6C34878D82A}">
-                    <a16:rowId xmlns:a16="http://schemas.microsoft.com/office/drawing/2014/main" val="10003"/>
+                    <a16:rowId xmlns:a16="http://schemas.microsoft.com/office/drawing/2014/main" xmlns="" val="10003"/>
                   </a:ext>
                 </a:extLst>
               </a:tr>
@@ -19101,7 +17668,7 @@
                 </a:tc>
                 <a:extLst>
                   <a:ext uri="{0D108BD9-81ED-4DB2-BD59-A6C34878D82A}">
-                    <a16:rowId xmlns:a16="http://schemas.microsoft.com/office/drawing/2014/main" val="10004"/>
+                    <a16:rowId xmlns:a16="http://schemas.microsoft.com/office/drawing/2014/main" xmlns="" val="10004"/>
                   </a:ext>
                 </a:extLst>
               </a:tr>
@@ -19459,7 +18026,7 @@
                 </a:tc>
                 <a:extLst>
                   <a:ext uri="{0D108BD9-81ED-4DB2-BD59-A6C34878D82A}">
-                    <a16:rowId xmlns:a16="http://schemas.microsoft.com/office/drawing/2014/main" val="2987373226"/>
+                    <a16:rowId xmlns:a16="http://schemas.microsoft.com/office/drawing/2014/main" xmlns="" val="2987373226"/>
                   </a:ext>
                 </a:extLst>
               </a:tr>
@@ -19817,7 +18384,7 @@
                 </a:tc>
                 <a:extLst>
                   <a:ext uri="{0D108BD9-81ED-4DB2-BD59-A6C34878D82A}">
-                    <a16:rowId xmlns:a16="http://schemas.microsoft.com/office/drawing/2014/main" val="2639051246"/>
+                    <a16:rowId xmlns:a16="http://schemas.microsoft.com/office/drawing/2014/main" xmlns="" val="2639051246"/>
                   </a:ext>
                 </a:extLst>
               </a:tr>
@@ -20175,7 +18742,7 @@
                 </a:tc>
                 <a:extLst>
                   <a:ext uri="{0D108BD9-81ED-4DB2-BD59-A6C34878D82A}">
-                    <a16:rowId xmlns:a16="http://schemas.microsoft.com/office/drawing/2014/main" val="1177553746"/>
+                    <a16:rowId xmlns:a16="http://schemas.microsoft.com/office/drawing/2014/main" xmlns="" val="1177553746"/>
                   </a:ext>
                 </a:extLst>
               </a:tr>
@@ -20525,7 +19092,7 @@
                 </a:tc>
                 <a:extLst>
                   <a:ext uri="{0D108BD9-81ED-4DB2-BD59-A6C34878D82A}">
-                    <a16:rowId xmlns:a16="http://schemas.microsoft.com/office/drawing/2014/main" val="4230401121"/>
+                    <a16:rowId xmlns:a16="http://schemas.microsoft.com/office/drawing/2014/main" xmlns="" val="4230401121"/>
                   </a:ext>
                 </a:extLst>
               </a:tr>
@@ -20582,42 +19149,6 @@
                 <a:srgbClr val="232323"/>
               </a:solidFill>
               <a:latin typeface="+mn-lt"/>
-              <a:cs typeface="+mn-ea"/>
-              <a:sym typeface="+mn-lt"/>
-            </a:endParaRPr>
-          </a:p>
-        </p:txBody>
-      </p:sp>
-      <p:sp>
-        <p:nvSpPr>
-          <p:cNvPr id="3" name="TextBox 2"/>
-          <p:cNvSpPr txBox="1"/>
-          <p:nvPr/>
-        </p:nvSpPr>
-        <p:spPr>
-          <a:xfrm>
-            <a:off x="3211064" y="3492957"/>
-            <a:ext cx="5724644" cy="369332"/>
-          </a:xfrm>
-          <a:prstGeom prst="rect">
-            <a:avLst/>
-          </a:prstGeom>
-          <a:noFill/>
-        </p:spPr>
-        <p:txBody>
-          <a:bodyPr wrap="none" rtlCol="0">
-            <a:spAutoFit/>
-          </a:bodyPr>
-          <a:lstStyle/>
-          <a:p>
-            <a:r>
-              <a:rPr lang="zh-CN" altLang="en-US" dirty="0" smtClean="0">
-                <a:cs typeface="+mn-ea"/>
-                <a:sym typeface="+mn-lt"/>
-              </a:rPr>
-              <a:t>请提供本月每场交车活动的安排，需包含简要活动流程</a:t>
-            </a:r>
-            <a:endParaRPr lang="en-US" dirty="0">
               <a:cs typeface="+mn-ea"/>
               <a:sym typeface="+mn-lt"/>
             </a:endParaRPr>
@@ -21345,6 +19876,19 @@
               </a:spcAft>
               <a:buSzPct val="100000"/>
             </a:pPr>
+            <a:r>
+              <a:rPr lang="zh-CN" altLang="en-US" sz="1305" dirty="0" smtClean="0">
+                <a:solidFill>
+                  <a:srgbClr val="232323">
+                    <a:lumMod val="75000"/>
+                    <a:lumOff val="25000"/>
+                  </a:srgbClr>
+                </a:solidFill>
+                <a:cs typeface="+mn-ea"/>
+                <a:sym typeface="+mn-lt"/>
+              </a:rPr>
+              <a:t>如果是展厅，不需要提供理由，改成展厅局部照片</a:t>
+            </a:r>
             <a:endParaRPr lang="en-US" altLang="zh-CN" sz="1305" dirty="0" smtClean="0">
               <a:solidFill>
                 <a:srgbClr val="232323">
@@ -21369,6 +19913,19 @@
               </a:spcAft>
               <a:buSzPct val="100000"/>
             </a:pPr>
+            <a:r>
+              <a:rPr lang="zh-CN" altLang="en-US" sz="1305" dirty="0" smtClean="0">
+                <a:solidFill>
+                  <a:srgbClr val="232323">
+                    <a:lumMod val="75000"/>
+                    <a:lumOff val="25000"/>
+                  </a:srgbClr>
+                </a:solidFill>
+                <a:cs typeface="+mn-ea"/>
+                <a:sym typeface="+mn-lt"/>
+              </a:rPr>
+              <a:t>如果是外面场地，介绍下选择理由</a:t>
+            </a:r>
             <a:endParaRPr lang="en-US" altLang="zh-CN" sz="1305" dirty="0">
               <a:solidFill>
                 <a:srgbClr val="232323">
@@ -21442,82 +19999,6 @@
               <a:buSzPct val="100000"/>
             </a:pPr>
             <a:endParaRPr lang="en-US" altLang="zh-CN" sz="1305" dirty="0">
-              <a:solidFill>
-                <a:srgbClr val="232323">
-                  <a:lumMod val="75000"/>
-                  <a:lumOff val="25000"/>
-                </a:srgbClr>
-              </a:solidFill>
-              <a:cs typeface="+mn-ea"/>
-              <a:sym typeface="+mn-lt"/>
-            </a:endParaRPr>
-          </a:p>
-          <a:p>
-            <a:pPr defTabSz="1085210" eaLnBrk="0" fontAlgn="base" hangingPunct="0">
-              <a:lnSpc>
-                <a:spcPct val="130000"/>
-              </a:lnSpc>
-              <a:spcBef>
-                <a:spcPct val="0"/>
-              </a:spcBef>
-              <a:spcAft>
-                <a:spcPct val="0"/>
-              </a:spcAft>
-              <a:buSzPct val="100000"/>
-            </a:pPr>
-            <a:r>
-              <a:rPr lang="zh-CN" altLang="en-US" sz="1305" dirty="0" smtClean="0">
-                <a:solidFill>
-                  <a:srgbClr val="232323">
-                    <a:lumMod val="75000"/>
-                    <a:lumOff val="25000"/>
-                  </a:srgbClr>
-                </a:solidFill>
-                <a:cs typeface="+mn-ea"/>
-                <a:sym typeface="+mn-lt"/>
-              </a:rPr>
-              <a:t>合作</a:t>
-            </a:r>
-            <a:r>
-              <a:rPr lang="zh-CN" altLang="en-US" sz="1305" dirty="0">
-                <a:solidFill>
-                  <a:srgbClr val="232323">
-                    <a:lumMod val="75000"/>
-                    <a:lumOff val="25000"/>
-                  </a:srgbClr>
-                </a:solidFill>
-                <a:cs typeface="+mn-ea"/>
-                <a:sym typeface="+mn-lt"/>
-              </a:rPr>
-              <a:t>方信息（若有）：合作方背景 </a:t>
-            </a:r>
-            <a:r>
-              <a:rPr lang="en-US" altLang="zh-CN" sz="1305" dirty="0">
-                <a:solidFill>
-                  <a:srgbClr val="232323">
-                    <a:lumMod val="75000"/>
-                    <a:lumOff val="25000"/>
-                  </a:srgbClr>
-                </a:solidFill>
-                <a:cs typeface="+mn-ea"/>
-                <a:sym typeface="+mn-lt"/>
-              </a:rPr>
-              <a:t>/ </a:t>
-            </a:r>
-            <a:r>
-              <a:rPr lang="zh-CN" altLang="en-US" sz="1305" dirty="0">
-                <a:solidFill>
-                  <a:srgbClr val="232323">
-                    <a:lumMod val="75000"/>
-                    <a:lumOff val="25000"/>
-                  </a:srgbClr>
-                </a:solidFill>
-                <a:cs typeface="+mn-ea"/>
-                <a:sym typeface="+mn-lt"/>
-              </a:rPr>
-              <a:t>合作模式</a:t>
-            </a:r>
-            <a:endParaRPr lang="zh-CN" altLang="en-US" sz="1187" dirty="0">
               <a:solidFill>
                 <a:srgbClr val="232323">
                   <a:lumMod val="75000"/>
@@ -22006,603 +20487,6 @@
           <a:chExt cx="0" cy="0"/>
         </a:xfrm>
       </p:grpSpPr>
-      <p:grpSp>
-        <p:nvGrpSpPr>
-          <p:cNvPr id="12" name="Group 11"/>
-          <p:cNvGrpSpPr/>
-          <p:nvPr/>
-        </p:nvGrpSpPr>
-        <p:grpSpPr>
-          <a:xfrm>
-            <a:off x="539015" y="1730368"/>
-            <a:ext cx="11080728" cy="4728184"/>
-            <a:chOff x="181914" y="1426463"/>
-            <a:chExt cx="9940530" cy="3182113"/>
-          </a:xfrm>
-        </p:grpSpPr>
-        <p:sp>
-          <p:nvSpPr>
-            <p:cNvPr id="10" name="Rectangle 9"/>
-            <p:cNvSpPr/>
-            <p:nvPr/>
-          </p:nvSpPr>
-          <p:spPr>
-            <a:xfrm>
-              <a:off x="181914" y="1426463"/>
-              <a:ext cx="4905554" cy="3182113"/>
-            </a:xfrm>
-            <a:prstGeom prst="rect">
-              <a:avLst/>
-            </a:prstGeom>
-            <a:solidFill>
-              <a:schemeClr val="bg1">
-                <a:lumMod val="95000"/>
-              </a:schemeClr>
-            </a:solidFill>
-            <a:ln w="6350" cmpd="sng">
-              <a:noFill/>
-              <a:miter lim="800000"/>
-              <a:headEnd/>
-              <a:tailEnd/>
-            </a:ln>
-          </p:spPr>
-          <p:txBody>
-            <a:bodyPr wrap="square" lIns="85451" rIns="85451" rtlCol="0" anchor="t">
-              <a:prstTxWarp prst="textNoShape">
-                <a:avLst/>
-              </a:prstTxWarp>
-              <a:noAutofit/>
-            </a:bodyPr>
-            <a:lstStyle/>
-            <a:p>
-              <a:pPr defTabSz="1085210" fontAlgn="base">
-                <a:spcBef>
-                  <a:spcPct val="0"/>
-                </a:spcBef>
-                <a:spcAft>
-                  <a:spcPct val="0"/>
-                </a:spcAft>
-              </a:pPr>
-              <a:endParaRPr lang="zh-CN" altLang="en-US" sz="1187" dirty="0">
-                <a:solidFill>
-                  <a:srgbClr val="232323"/>
-                </a:solidFill>
-                <a:cs typeface="+mn-ea"/>
-                <a:sym typeface="+mn-lt"/>
-              </a:endParaRPr>
-            </a:p>
-          </p:txBody>
-        </p:sp>
-        <p:sp>
-          <p:nvSpPr>
-            <p:cNvPr id="11" name="Rectangle 10"/>
-            <p:cNvSpPr/>
-            <p:nvPr/>
-          </p:nvSpPr>
-          <p:spPr>
-            <a:xfrm>
-              <a:off x="5216890" y="1426463"/>
-              <a:ext cx="4905554" cy="3182113"/>
-            </a:xfrm>
-            <a:prstGeom prst="rect">
-              <a:avLst/>
-            </a:prstGeom>
-            <a:solidFill>
-              <a:schemeClr val="bg1">
-                <a:lumMod val="95000"/>
-              </a:schemeClr>
-            </a:solidFill>
-            <a:ln w="6350" cmpd="sng">
-              <a:noFill/>
-              <a:miter lim="800000"/>
-              <a:headEnd/>
-              <a:tailEnd/>
-            </a:ln>
-          </p:spPr>
-          <p:txBody>
-            <a:bodyPr wrap="square" lIns="85451" rIns="85451" rtlCol="0" anchor="t">
-              <a:prstTxWarp prst="textNoShape">
-                <a:avLst/>
-              </a:prstTxWarp>
-              <a:noAutofit/>
-            </a:bodyPr>
-            <a:lstStyle/>
-            <a:p>
-              <a:pPr defTabSz="1085210" fontAlgn="base">
-                <a:spcBef>
-                  <a:spcPct val="0"/>
-                </a:spcBef>
-                <a:spcAft>
-                  <a:spcPct val="0"/>
-                </a:spcAft>
-              </a:pPr>
-              <a:endParaRPr lang="zh-CN" altLang="en-US" sz="1187" dirty="0">
-                <a:solidFill>
-                  <a:srgbClr val="232323"/>
-                </a:solidFill>
-                <a:cs typeface="+mn-ea"/>
-                <a:sym typeface="+mn-lt"/>
-              </a:endParaRPr>
-            </a:p>
-          </p:txBody>
-        </p:sp>
-      </p:grpSp>
-      <p:sp>
-        <p:nvSpPr>
-          <p:cNvPr id="14" name="Title 12"/>
-          <p:cNvSpPr txBox="1">
-            <a:spLocks/>
-          </p:cNvSpPr>
-          <p:nvPr/>
-        </p:nvSpPr>
-        <p:spPr>
-          <a:xfrm>
-            <a:off x="539015" y="677777"/>
-            <a:ext cx="11080728" cy="446143"/>
-          </a:xfrm>
-          <a:prstGeom prst="rect">
-            <a:avLst/>
-          </a:prstGeom>
-        </p:spPr>
-        <p:txBody>
-          <a:bodyPr anchor="b" anchorCtr="0"/>
-          <a:lstStyle>
-            <a:lvl1pPr defTabSz="685792" eaLnBrk="1" latinLnBrk="0" hangingPunct="1">
-              <a:lnSpc>
-                <a:spcPct val="85000"/>
-              </a:lnSpc>
-              <a:buNone/>
-              <a:defRPr sz="1600" b="0" i="0" spc="-8" baseline="0">
-                <a:latin typeface="Bentley Light" panose="020B0404020201020102" pitchFamily="34" charset="77"/>
-                <a:ea typeface="+mj-ea"/>
-                <a:cs typeface="+mj-cs"/>
-              </a:defRPr>
-            </a:lvl1pPr>
-          </a:lstStyle>
-          <a:p>
-            <a:pPr defTabSz="813898" fontAlgn="base">
-              <a:spcBef>
-                <a:spcPct val="0"/>
-              </a:spcBef>
-              <a:spcAft>
-                <a:spcPct val="0"/>
-              </a:spcAft>
-            </a:pPr>
-            <a:r>
-              <a:rPr lang="en-US" sz="1899" spc="-9" dirty="0">
-                <a:solidFill>
-                  <a:srgbClr val="232323"/>
-                </a:solidFill>
-                <a:latin typeface="+mn-lt"/>
-                <a:ea typeface="+mn-ea"/>
-                <a:cs typeface="+mn-ea"/>
-                <a:sym typeface="+mn-lt"/>
-              </a:rPr>
-              <a:t>Venue </a:t>
-            </a:r>
-            <a:r>
-              <a:rPr lang="zh-CN" altLang="en-US" sz="1899" spc="-9" dirty="0">
-                <a:solidFill>
-                  <a:srgbClr val="232323"/>
-                </a:solidFill>
-                <a:latin typeface="+mn-lt"/>
-                <a:ea typeface="+mn-ea"/>
-                <a:cs typeface="+mn-ea"/>
-                <a:sym typeface="+mn-lt"/>
-              </a:rPr>
-              <a:t>场地简介</a:t>
-            </a:r>
-            <a:endParaRPr lang="en-US" sz="1899" spc="-9" dirty="0">
-              <a:solidFill>
-                <a:srgbClr val="232323"/>
-              </a:solidFill>
-              <a:latin typeface="+mn-lt"/>
-              <a:ea typeface="+mn-ea"/>
-              <a:cs typeface="+mn-ea"/>
-              <a:sym typeface="+mn-lt"/>
-            </a:endParaRPr>
-          </a:p>
-        </p:txBody>
-      </p:sp>
-      <p:sp>
-        <p:nvSpPr>
-          <p:cNvPr id="16" name="Rectangle 15"/>
-          <p:cNvSpPr/>
-          <p:nvPr/>
-        </p:nvSpPr>
-        <p:spPr>
-          <a:xfrm>
-            <a:off x="6151512" y="1123920"/>
-            <a:ext cx="5484130" cy="530658"/>
-          </a:xfrm>
-          <a:prstGeom prst="rect">
-            <a:avLst/>
-          </a:prstGeom>
-          <a:solidFill>
-            <a:schemeClr val="accent1">
-              <a:lumMod val="50000"/>
-            </a:schemeClr>
-          </a:solidFill>
-        </p:spPr>
-        <p:txBody>
-          <a:bodyPr wrap="square">
-            <a:spAutoFit/>
-          </a:bodyPr>
-          <a:lstStyle/>
-          <a:p>
-            <a:pPr algn="ctr" defTabSz="1085210" eaLnBrk="0" fontAlgn="base" hangingPunct="0">
-              <a:spcBef>
-                <a:spcPct val="0"/>
-              </a:spcBef>
-              <a:spcAft>
-                <a:spcPct val="0"/>
-              </a:spcAft>
-              <a:buSzPct val="100000"/>
-            </a:pPr>
-            <a:r>
-              <a:rPr lang="en-US" altLang="zh-CN" sz="1400" b="1" dirty="0">
-                <a:solidFill>
-                  <a:srgbClr val="FFFFFF"/>
-                </a:solidFill>
-                <a:cs typeface="+mn-ea"/>
-                <a:sym typeface="+mn-lt"/>
-              </a:rPr>
-              <a:t>Site plan </a:t>
-            </a:r>
-          </a:p>
-          <a:p>
-            <a:pPr algn="ctr" defTabSz="1085210" eaLnBrk="0" fontAlgn="base" hangingPunct="0">
-              <a:spcBef>
-                <a:spcPct val="0"/>
-              </a:spcBef>
-              <a:spcAft>
-                <a:spcPct val="0"/>
-              </a:spcAft>
-              <a:buSzPct val="100000"/>
-            </a:pPr>
-            <a:r>
-              <a:rPr lang="zh-CN" altLang="en-US" sz="1400" b="1" dirty="0">
-                <a:solidFill>
-                  <a:srgbClr val="FFFFFF"/>
-                </a:solidFill>
-                <a:cs typeface="+mn-ea"/>
-                <a:sym typeface="+mn-lt"/>
-              </a:rPr>
-              <a:t>场地使用计划 （平面图等）</a:t>
-            </a:r>
-          </a:p>
-        </p:txBody>
-      </p:sp>
-      <p:sp>
-        <p:nvSpPr>
-          <p:cNvPr id="2" name="Slide Number Placeholder 1"/>
-          <p:cNvSpPr>
-            <a:spLocks noGrp="1"/>
-          </p:cNvSpPr>
-          <p:nvPr>
-            <p:ph type="sldNum" sz="quarter" idx="4"/>
-          </p:nvPr>
-        </p:nvSpPr>
-        <p:spPr/>
-        <p:txBody>
-          <a:bodyPr/>
-          <a:lstStyle/>
-          <a:p>
-            <a:pPr defTabSz="1085210" fontAlgn="base">
-              <a:spcBef>
-                <a:spcPct val="0"/>
-              </a:spcBef>
-              <a:spcAft>
-                <a:spcPct val="0"/>
-              </a:spcAft>
-              <a:defRPr/>
-            </a:pPr>
-            <a:fld id="{C1A46B1E-1CF5-4801-894B-F57DA2C6389A}" type="slidenum">
-              <a:rPr lang="en-GB">
-                <a:solidFill>
-                  <a:srgbClr val="232323"/>
-                </a:solidFill>
-                <a:latin typeface="+mn-lt"/>
-                <a:cs typeface="+mn-ea"/>
-                <a:sym typeface="+mn-lt"/>
-              </a:rPr>
-              <a:pPr defTabSz="1085210" fontAlgn="base">
-                <a:spcBef>
-                  <a:spcPct val="0"/>
-                </a:spcBef>
-                <a:spcAft>
-                  <a:spcPct val="0"/>
-                </a:spcAft>
-                <a:defRPr/>
-              </a:pPr>
-              <a:t>6</a:t>
-            </a:fld>
-            <a:endParaRPr lang="en-GB" dirty="0">
-              <a:solidFill>
-                <a:srgbClr val="232323"/>
-              </a:solidFill>
-              <a:latin typeface="+mn-lt"/>
-              <a:cs typeface="+mn-ea"/>
-              <a:sym typeface="+mn-lt"/>
-            </a:endParaRPr>
-          </a:p>
-        </p:txBody>
-      </p:sp>
-      <p:sp>
-        <p:nvSpPr>
-          <p:cNvPr id="15" name="Rectangle 14"/>
-          <p:cNvSpPr/>
-          <p:nvPr/>
-        </p:nvSpPr>
-        <p:spPr>
-          <a:xfrm>
-            <a:off x="538850" y="1123920"/>
-            <a:ext cx="5468560" cy="530658"/>
-          </a:xfrm>
-          <a:prstGeom prst="rect">
-            <a:avLst/>
-          </a:prstGeom>
-          <a:solidFill>
-            <a:schemeClr val="accent1">
-              <a:lumMod val="50000"/>
-            </a:schemeClr>
-          </a:solidFill>
-        </p:spPr>
-        <p:txBody>
-          <a:bodyPr wrap="square">
-            <a:spAutoFit/>
-          </a:bodyPr>
-          <a:lstStyle/>
-          <a:p>
-            <a:pPr algn="ctr" defTabSz="1085210" eaLnBrk="0" fontAlgn="base" hangingPunct="0">
-              <a:spcBef>
-                <a:spcPct val="0"/>
-              </a:spcBef>
-              <a:spcAft>
-                <a:spcPct val="0"/>
-              </a:spcAft>
-              <a:buSzPct val="100000"/>
-            </a:pPr>
-            <a:r>
-              <a:rPr lang="en-US" altLang="zh-CN" sz="1400" b="1" dirty="0">
-                <a:solidFill>
-                  <a:srgbClr val="FFFFFF"/>
-                </a:solidFill>
-                <a:cs typeface="+mn-ea"/>
-                <a:sym typeface="+mn-lt"/>
-              </a:rPr>
-              <a:t>Actual venue photos </a:t>
-            </a:r>
-          </a:p>
-          <a:p>
-            <a:pPr algn="ctr" defTabSz="1085210" eaLnBrk="0" fontAlgn="base" hangingPunct="0">
-              <a:spcBef>
-                <a:spcPct val="0"/>
-              </a:spcBef>
-              <a:spcAft>
-                <a:spcPct val="0"/>
-              </a:spcAft>
-              <a:buSzPct val="100000"/>
-            </a:pPr>
-            <a:r>
-              <a:rPr lang="zh-CN" altLang="en-US" sz="1400" b="1" dirty="0">
-                <a:solidFill>
-                  <a:srgbClr val="FFFFFF"/>
-                </a:solidFill>
-                <a:cs typeface="+mn-ea"/>
-                <a:sym typeface="+mn-lt"/>
-              </a:rPr>
-              <a:t>场地内部照片</a:t>
-            </a:r>
-          </a:p>
-        </p:txBody>
-      </p:sp>
-      <p:sp>
-        <p:nvSpPr>
-          <p:cNvPr id="9" name="Footer Placeholder 3"/>
-          <p:cNvSpPr txBox="1">
-            <a:spLocks/>
-          </p:cNvSpPr>
-          <p:nvPr/>
-        </p:nvSpPr>
-        <p:spPr>
-          <a:xfrm>
-            <a:off x="544315" y="268940"/>
-            <a:ext cx="3809839" cy="214074"/>
-          </a:xfrm>
-          <a:prstGeom prst="rect">
-            <a:avLst/>
-          </a:prstGeom>
-        </p:spPr>
-        <p:txBody>
-          <a:bodyPr lIns="0" tIns="0" rIns="0" bIns="0" anchor="b" anchorCtr="0"/>
-          <a:lstStyle>
-            <a:defPPr>
-              <a:defRPr lang="en-GB"/>
-            </a:defPPr>
-            <a:lvl1pPr marL="0" marR="0" indent="0" algn="l" defTabSz="407672" rtl="0" eaLnBrk="1" fontAlgn="auto" latinLnBrk="0" hangingPunct="1">
-              <a:lnSpc>
-                <a:spcPct val="100000"/>
-              </a:lnSpc>
-              <a:spcBef>
-                <a:spcPts val="0"/>
-              </a:spcBef>
-              <a:spcAft>
-                <a:spcPts val="0"/>
-              </a:spcAft>
-              <a:buClrTx/>
-              <a:buSzTx/>
-              <a:buFontTx/>
-              <a:buNone/>
-              <a:tabLst/>
-              <a:defRPr sz="847" b="0" i="0" kern="1200">
-                <a:solidFill>
-                  <a:schemeClr val="tx1"/>
-                </a:solidFill>
-                <a:latin typeface="Bentley Light" panose="020B0404020201020102" pitchFamily="34" charset="77"/>
-                <a:ea typeface="ＭＳ Ｐゴシック" pitchFamily="34" charset="-128"/>
-                <a:cs typeface="+mn-cs"/>
-              </a:defRPr>
-            </a:lvl1pPr>
-            <a:lvl2pPr marL="457200" algn="l" rtl="0" fontAlgn="base">
-              <a:spcBef>
-                <a:spcPct val="0"/>
-              </a:spcBef>
-              <a:spcAft>
-                <a:spcPct val="0"/>
-              </a:spcAft>
-              <a:defRPr sz="3200" b="1" kern="1200">
-                <a:solidFill>
-                  <a:schemeClr val="tx1"/>
-                </a:solidFill>
-                <a:latin typeface="Gill Sans" pitchFamily="34" charset="0"/>
-                <a:ea typeface="ＭＳ Ｐゴシック" pitchFamily="34" charset="-128"/>
-                <a:cs typeface="+mn-cs"/>
-              </a:defRPr>
-            </a:lvl2pPr>
-            <a:lvl3pPr marL="914400" algn="l" rtl="0" fontAlgn="base">
-              <a:spcBef>
-                <a:spcPct val="0"/>
-              </a:spcBef>
-              <a:spcAft>
-                <a:spcPct val="0"/>
-              </a:spcAft>
-              <a:defRPr sz="3200" b="1" kern="1200">
-                <a:solidFill>
-                  <a:schemeClr val="tx1"/>
-                </a:solidFill>
-                <a:latin typeface="Gill Sans" pitchFamily="34" charset="0"/>
-                <a:ea typeface="ＭＳ Ｐゴシック" pitchFamily="34" charset="-128"/>
-                <a:cs typeface="+mn-cs"/>
-              </a:defRPr>
-            </a:lvl3pPr>
-            <a:lvl4pPr marL="1371600" algn="l" rtl="0" fontAlgn="base">
-              <a:spcBef>
-                <a:spcPct val="0"/>
-              </a:spcBef>
-              <a:spcAft>
-                <a:spcPct val="0"/>
-              </a:spcAft>
-              <a:defRPr sz="3200" b="1" kern="1200">
-                <a:solidFill>
-                  <a:schemeClr val="tx1"/>
-                </a:solidFill>
-                <a:latin typeface="Gill Sans" pitchFamily="34" charset="0"/>
-                <a:ea typeface="ＭＳ Ｐゴシック" pitchFamily="34" charset="-128"/>
-                <a:cs typeface="+mn-cs"/>
-              </a:defRPr>
-            </a:lvl4pPr>
-            <a:lvl5pPr marL="1828800" algn="l" rtl="0" fontAlgn="base">
-              <a:spcBef>
-                <a:spcPct val="0"/>
-              </a:spcBef>
-              <a:spcAft>
-                <a:spcPct val="0"/>
-              </a:spcAft>
-              <a:defRPr sz="3200" b="1" kern="1200">
-                <a:solidFill>
-                  <a:schemeClr val="tx1"/>
-                </a:solidFill>
-                <a:latin typeface="Gill Sans" pitchFamily="34" charset="0"/>
-                <a:ea typeface="ＭＳ Ｐゴシック" pitchFamily="34" charset="-128"/>
-                <a:cs typeface="+mn-cs"/>
-              </a:defRPr>
-            </a:lvl5pPr>
-            <a:lvl6pPr marL="2286000" algn="l" defTabSz="914400" rtl="0" eaLnBrk="1" latinLnBrk="0" hangingPunct="1">
-              <a:defRPr sz="3200" b="1" kern="1200">
-                <a:solidFill>
-                  <a:schemeClr val="tx1"/>
-                </a:solidFill>
-                <a:latin typeface="Gill Sans" pitchFamily="34" charset="0"/>
-                <a:ea typeface="ＭＳ Ｐゴシック" pitchFamily="34" charset="-128"/>
-                <a:cs typeface="+mn-cs"/>
-              </a:defRPr>
-            </a:lvl6pPr>
-            <a:lvl7pPr marL="2743200" algn="l" defTabSz="914400" rtl="0" eaLnBrk="1" latinLnBrk="0" hangingPunct="1">
-              <a:defRPr sz="3200" b="1" kern="1200">
-                <a:solidFill>
-                  <a:schemeClr val="tx1"/>
-                </a:solidFill>
-                <a:latin typeface="Gill Sans" pitchFamily="34" charset="0"/>
-                <a:ea typeface="ＭＳ Ｐゴシック" pitchFamily="34" charset="-128"/>
-                <a:cs typeface="+mn-cs"/>
-              </a:defRPr>
-            </a:lvl7pPr>
-            <a:lvl8pPr marL="3200400" algn="l" defTabSz="914400" rtl="0" eaLnBrk="1" latinLnBrk="0" hangingPunct="1">
-              <a:defRPr sz="3200" b="1" kern="1200">
-                <a:solidFill>
-                  <a:schemeClr val="tx1"/>
-                </a:solidFill>
-                <a:latin typeface="Gill Sans" pitchFamily="34" charset="0"/>
-                <a:ea typeface="ＭＳ Ｐゴシック" pitchFamily="34" charset="-128"/>
-                <a:cs typeface="+mn-cs"/>
-              </a:defRPr>
-            </a:lvl8pPr>
-            <a:lvl9pPr marL="3657600" algn="l" defTabSz="914400" rtl="0" eaLnBrk="1" latinLnBrk="0" hangingPunct="1">
-              <a:defRPr sz="3200" b="1" kern="1200">
-                <a:solidFill>
-                  <a:schemeClr val="tx1"/>
-                </a:solidFill>
-                <a:latin typeface="Gill Sans" pitchFamily="34" charset="0"/>
-                <a:ea typeface="ＭＳ Ｐゴシック" pitchFamily="34" charset="-128"/>
-                <a:cs typeface="+mn-cs"/>
-              </a:defRPr>
-            </a:lvl9pPr>
-          </a:lstStyle>
-          <a:p>
-            <a:r>
-              <a:rPr lang="en-US" altLang="zh-CN" sz="1050" dirty="0" smtClean="0"/>
-              <a:t>Bentley </a:t>
-            </a:r>
-            <a:r>
-              <a:rPr lang="en-US" altLang="zh-CN" sz="1050" dirty="0"/>
-              <a:t>Coop Fund Application - Event </a:t>
-            </a:r>
-            <a:r>
-              <a:rPr lang="en-US" altLang="zh-CN" sz="1050" dirty="0" smtClean="0"/>
-              <a:t>Plan</a:t>
-            </a:r>
-            <a:endParaRPr lang="en-US" altLang="zh-CN" sz="1050" dirty="0"/>
-          </a:p>
-        </p:txBody>
-      </p:sp>
-    </p:spTree>
-    <p:extLst>
-      <p:ext uri="{BB962C8B-B14F-4D97-AF65-F5344CB8AC3E}">
-        <p14:creationId xmlns:p14="http://schemas.microsoft.com/office/powerpoint/2010/main" val="2360671016"/>
-      </p:ext>
-    </p:extLst>
-  </p:cSld>
-  <p:clrMapOvr>
-    <a:masterClrMapping/>
-  </p:clrMapOvr>
-  <p:timing>
-    <p:tnLst>
-      <p:par>
-        <p:cTn id="1" dur="indefinite" restart="never" nodeType="tmRoot"/>
-      </p:par>
-    </p:tnLst>
-  </p:timing>
-</p:sld>
-</file>
-
-<file path=ppt/slides/slide7.xml><?xml version="1.0" encoding="utf-8"?>
-<p:sld xmlns:a="http://schemas.openxmlformats.org/drawingml/2006/main" xmlns:r="http://schemas.openxmlformats.org/officeDocument/2006/relationships" xmlns:p="http://schemas.openxmlformats.org/presentationml/2006/main">
-  <p:cSld>
-    <p:spTree>
-      <p:nvGrpSpPr>
-        <p:cNvPr id="1" name=""/>
-        <p:cNvGrpSpPr/>
-        <p:nvPr/>
-      </p:nvGrpSpPr>
-      <p:grpSpPr>
-        <a:xfrm>
-          <a:off x="0" y="0"/>
-          <a:ext cx="0" cy="0"/>
-          <a:chOff x="0" y="0"/>
-          <a:chExt cx="0" cy="0"/>
-        </a:xfrm>
-      </p:grpSpPr>
       <p:graphicFrame>
         <p:nvGraphicFramePr>
           <p:cNvPr id="3" name="Object 2" hidden="1"/>
@@ -22628,7 +20512,7 @@
           <a:graphicData uri="http://schemas.openxmlformats.org/presentationml/2006/ole">
             <mc:AlternateContent xmlns:mc="http://schemas.openxmlformats.org/markup-compatibility/2006">
               <mc:Choice xmlns:v="urn:schemas-microsoft-com:vml" Requires="v">
-                <p:oleObj spid="_x0000_s44058" name="think-cell Slide" r:id="rId5" imgW="416" imgH="416" progId="TCLayout.ActiveDocument.1">
+                <p:oleObj spid="_x0000_s44067" name="think-cell Slide" r:id="rId5" imgW="416" imgH="416" progId="TCLayout.ActiveDocument.1">
                   <p:embed/>
                 </p:oleObj>
               </mc:Choice>
@@ -22774,7 +20658,17 @@
                 <a:cs typeface="+mn-ea"/>
                 <a:sym typeface="+mn-lt"/>
               </a:rPr>
-              <a:t>请全部提供并确保及时通过</a:t>
+              <a:t>请全部提供并确保</a:t>
+            </a:r>
+            <a:r>
+              <a:rPr lang="zh-CN" altLang="en-US" sz="2000" dirty="0" smtClean="0">
+                <a:solidFill>
+                  <a:srgbClr val="232323"/>
+                </a:solidFill>
+                <a:cs typeface="+mn-ea"/>
+                <a:sym typeface="+mn-lt"/>
+              </a:rPr>
+              <a:t>及时在活动开始前通过</a:t>
             </a:r>
             <a:r>
               <a:rPr lang="en-US" altLang="zh-CN" sz="2000" dirty="0" err="1">
@@ -22822,6 +20716,50 @@
                 <a:sym typeface="+mn-lt"/>
               </a:rPr>
               <a:t>（相同模板提交一次即可）</a:t>
+            </a:r>
+            <a:endParaRPr lang="en-US" altLang="zh-CN" sz="2000" dirty="0" smtClean="0">
+              <a:solidFill>
+                <a:srgbClr val="232323"/>
+              </a:solidFill>
+              <a:cs typeface="+mn-ea"/>
+              <a:sym typeface="+mn-lt"/>
+            </a:endParaRPr>
+          </a:p>
+          <a:p>
+            <a:pPr algn="ctr" defTabSz="1085210" fontAlgn="base">
+              <a:spcBef>
+                <a:spcPct val="0"/>
+              </a:spcBef>
+              <a:spcAft>
+                <a:spcPct val="0"/>
+              </a:spcAft>
+            </a:pPr>
+            <a:endParaRPr lang="en-US" altLang="zh-CN" sz="2000" dirty="0">
+              <a:solidFill>
+                <a:srgbClr val="232323"/>
+              </a:solidFill>
+              <a:cs typeface="+mn-ea"/>
+              <a:sym typeface="+mn-lt"/>
+            </a:endParaRPr>
+          </a:p>
+          <a:p>
+            <a:pPr algn="ctr" defTabSz="1085210" fontAlgn="base">
+              <a:spcBef>
+                <a:spcPct val="0"/>
+              </a:spcBef>
+              <a:spcAft>
+                <a:spcPct val="0"/>
+              </a:spcAft>
+            </a:pPr>
+            <a:r>
+              <a:rPr lang="zh-CN" altLang="en-US" sz="2000" dirty="0" smtClean="0">
+                <a:solidFill>
+                  <a:srgbClr val="232323"/>
+                </a:solidFill>
+                <a:cs typeface="+mn-ea"/>
+                <a:sym typeface="+mn-lt"/>
+              </a:rPr>
+              <a:t>如果无主视觉，可以删除本页</a:t>
             </a:r>
             <a:endParaRPr lang="zh-CN" altLang="en-US" sz="2000" dirty="0">
               <a:solidFill>
@@ -22953,7 +20891,7 @@
               <a:pPr>
                 <a:defRPr/>
               </a:pPr>
-              <a:t>7</a:t>
+              <a:t>6</a:t>
             </a:fld>
             <a:endParaRPr lang="en-GB" dirty="0">
               <a:latin typeface="+mn-lt"/>
@@ -23233,7 +21171,7 @@
 </p:sld>
 </file>
 
-<file path=ppt/slides/slide8.xml><?xml version="1.0" encoding="utf-8"?>
+<file path=ppt/slides/slide7.xml><?xml version="1.0" encoding="utf-8"?>
 <p:sld xmlns:a="http://schemas.openxmlformats.org/drawingml/2006/main" xmlns:r="http://schemas.openxmlformats.org/officeDocument/2006/relationships" xmlns:p="http://schemas.openxmlformats.org/presentationml/2006/main">
   <p:cSld>
     <p:spTree>
@@ -23571,7 +21509,7 @@
                 </a:spcAft>
                 <a:defRPr/>
               </a:pPr>
-              <a:t>8</a:t>
+              <a:t>7</a:t>
             </a:fld>
             <a:endParaRPr lang="en-GB" dirty="0">
               <a:solidFill>
@@ -23838,7 +21776,7 @@
 </p:sld>
 </file>
 
-<file path=ppt/slides/slide9.xml><?xml version="1.0" encoding="utf-8"?>
+<file path=ppt/slides/slide8.xml><?xml version="1.0" encoding="utf-8"?>
 <p:sld xmlns:a="http://schemas.openxmlformats.org/drawingml/2006/main" xmlns:r="http://schemas.openxmlformats.org/officeDocument/2006/relationships" xmlns:p="http://schemas.openxmlformats.org/presentationml/2006/main">
   <p:cSld>
     <p:spTree>
@@ -24191,7 +22129,7 @@
                 </a:spcAft>
                 <a:defRPr/>
               </a:pPr>
-              <a:t>9</a:t>
+              <a:t>8</a:t>
             </a:fld>
             <a:endParaRPr lang="en-GB" dirty="0">
               <a:solidFill>
@@ -24627,12 +22565,12 @@
     </a:clrScheme>
     <a:fontScheme name="1hz2wouy">
       <a:majorFont>
-        <a:latin typeface="Bentley Light" panose="020F0302020204030204"/>
+        <a:latin typeface="Bentley Light"/>
         <a:ea typeface="黑体"/>
         <a:cs typeface=""/>
       </a:majorFont>
       <a:minorFont>
-        <a:latin typeface="Bentley Light" panose="020F0502020204030204"/>
+        <a:latin typeface="Bentley Light"/>
         <a:ea typeface="黑体"/>
         <a:cs typeface=""/>
       </a:minorFont>
@@ -24812,7 +22750,7 @@
   <a:extraClrSchemeLst/>
   <a:extLst>
     <a:ext uri="{05A4C25C-085E-4340-85A3-A5531E510DB2}">
-      <thm15:themeFamily xmlns:thm15="http://schemas.microsoft.com/office/thememl/2012/main" name="Bentley template 2021.potx" id="{C9F80F40-B2B1-4DB6-919B-71F3AAFFE5B0}" vid="{F9D38CA0-4F02-4029-A6BC-9642EF690A5C}"/>
+      <thm15:themeFamily xmlns:thm15="http://schemas.microsoft.com/office/thememl/2012/main" xmlns="" name="Bentley template 2021.potx" id="{C9F80F40-B2B1-4DB6-919B-71F3AAFFE5B0}" vid="{F9D38CA0-4F02-4029-A6BC-9642EF690A5C}"/>
     </a:ext>
   </a:extLst>
 </a:theme>
@@ -24861,12 +22799,12 @@
     </a:clrScheme>
     <a:fontScheme name="1hz2wouy">
       <a:majorFont>
-        <a:latin typeface="Bentley Light" panose="020F0302020204030204"/>
+        <a:latin typeface="Bentley Light"/>
         <a:ea typeface="黑体"/>
         <a:cs typeface=""/>
       </a:majorFont>
       <a:minorFont>
-        <a:latin typeface="Bentley Light" panose="020F0502020204030204"/>
+        <a:latin typeface="Bentley Light"/>
         <a:ea typeface="黑体"/>
         <a:cs typeface=""/>
       </a:minorFont>
@@ -25046,7 +22984,7 @@
   <a:extraClrSchemeLst/>
   <a:extLst>
     <a:ext uri="{05A4C25C-085E-4340-85A3-A5531E510DB2}">
-      <thm15:themeFamily xmlns:thm15="http://schemas.microsoft.com/office/thememl/2012/main" name="Bentley template 2021.potx" id="{C9F80F40-B2B1-4DB6-919B-71F3AAFFE5B0}" vid="{F9D38CA0-4F02-4029-A6BC-9642EF690A5C}"/>
+      <thm15:themeFamily xmlns:thm15="http://schemas.microsoft.com/office/thememl/2012/main" xmlns="" name="Bentley template 2021.potx" id="{C9F80F40-B2B1-4DB6-919B-71F3AAFFE5B0}" vid="{F9D38CA0-4F02-4029-A6BC-9642EF690A5C}"/>
     </a:ext>
   </a:extLst>
 </a:theme>
@@ -25095,7 +23033,7 @@
     </a:clrScheme>
     <a:fontScheme name="Office">
       <a:majorFont>
-        <a:latin typeface="Calibri Light" panose="020F0302020204030204"/>
+        <a:latin typeface="Calibri Light"/>
         <a:ea typeface=""/>
         <a:cs typeface=""/>
         <a:font script="Jpan" typeface="游ゴシック Light"/>
@@ -25130,7 +23068,7 @@
         <a:font script="Geor" typeface="Sylfaen"/>
       </a:majorFont>
       <a:minorFont>
-        <a:latin typeface="Calibri" panose="020F0502020204030204"/>
+        <a:latin typeface="Calibri"/>
         <a:ea typeface=""/>
         <a:cs typeface=""/>
         <a:font script="Jpan" typeface="游ゴシック"/>
@@ -25307,7 +23245,7 @@
   <a:extraClrSchemeLst/>
   <a:extLst>
     <a:ext uri="{05A4C25C-085E-4340-85A3-A5531E510DB2}">
-      <thm15:themeFamily xmlns:thm15="http://schemas.microsoft.com/office/thememl/2012/main" name="Office Theme" id="{62F939B6-93AF-4DB8-9C6B-D6C7DFDC589F}" vid="{4A3C46E8-61CC-4603-A589-7422A47A8E4A}"/>
+      <thm15:themeFamily xmlns:thm15="http://schemas.microsoft.com/office/thememl/2012/main" xmlns="" name="Office Theme" id="{62F939B6-93AF-4DB8-9C6B-D6C7DFDC589F}" vid="{4A3C46E8-61CC-4603-A589-7422A47A8E4A}"/>
     </a:ext>
   </a:extLst>
 </a:theme>
